--- a/Deep Learning Networks.pptx
+++ b/Deep Learning Networks.pptx
@@ -5,7 +5,7 @@
     <p:sldMasterId id="2147483660" r:id="rId4"/>
   </p:sldMasterIdLst>
   <p:notesMasterIdLst>
-    <p:notesMasterId r:id="rId22"/>
+    <p:notesMasterId r:id="rId26"/>
   </p:notesMasterIdLst>
   <p:sldIdLst>
     <p:sldId id="256" r:id="rId5"/>
@@ -22,9 +22,13 @@
     <p:sldId id="273" r:id="rId16"/>
     <p:sldId id="275" r:id="rId17"/>
     <p:sldId id="276" r:id="rId18"/>
-    <p:sldId id="277" r:id="rId19"/>
-    <p:sldId id="259" r:id="rId20"/>
-    <p:sldId id="268" r:id="rId21"/>
+    <p:sldId id="278" r:id="rId19"/>
+    <p:sldId id="277" r:id="rId20"/>
+    <p:sldId id="279" r:id="rId21"/>
+    <p:sldId id="280" r:id="rId22"/>
+    <p:sldId id="281" r:id="rId23"/>
+    <p:sldId id="259" r:id="rId24"/>
+    <p:sldId id="268" r:id="rId25"/>
   </p:sldIdLst>
   <p:sldSz cx="12192000" cy="6858000"/>
   <p:notesSz cx="6858000" cy="9144000"/>
@@ -213,7 +217,7 @@
           <a:p>
             <a:fld id="{AC92F8A3-1726-4C68-9411-06D7E7AB8CC1}" type="datetimeFigureOut">
               <a:rPr lang="en-US" smtClean="0"/>
-              <a:t>6/28/2017</a:t>
+              <a:t>7/10/2017</a:t>
             </a:fld>
             <a:endParaRPr lang="en-US" dirty="0"/>
           </a:p>
@@ -574,6 +578,90 @@
 </p:notes>
 </file>
 
+<file path=ppt/notesSlides/notesSlide10.xml><?xml version="1.0" encoding="utf-8"?>
+<p:notes xmlns:a="http://schemas.openxmlformats.org/drawingml/2006/main" xmlns:r="http://schemas.openxmlformats.org/officeDocument/2006/relationships" xmlns:p="http://schemas.openxmlformats.org/presentationml/2006/main">
+  <p:cSld>
+    <p:spTree>
+      <p:nvGrpSpPr>
+        <p:cNvPr id="1" name=""/>
+        <p:cNvGrpSpPr/>
+        <p:nvPr/>
+      </p:nvGrpSpPr>
+      <p:grpSpPr>
+        <a:xfrm>
+          <a:off x="0" y="0"/>
+          <a:ext cx="0" cy="0"/>
+          <a:chOff x="0" y="0"/>
+          <a:chExt cx="0" cy="0"/>
+        </a:xfrm>
+      </p:grpSpPr>
+      <p:sp>
+        <p:nvSpPr>
+          <p:cNvPr id="2" name="Slide Image Placeholder 1"/>
+          <p:cNvSpPr>
+            <a:spLocks noGrp="1" noRot="1" noChangeAspect="1"/>
+          </p:cNvSpPr>
+          <p:nvPr>
+            <p:ph type="sldImg"/>
+          </p:nvPr>
+        </p:nvSpPr>
+        <p:spPr/>
+      </p:sp>
+      <p:sp>
+        <p:nvSpPr>
+          <p:cNvPr id="3" name="Notes Placeholder 2"/>
+          <p:cNvSpPr>
+            <a:spLocks noGrp="1"/>
+          </p:cNvSpPr>
+          <p:nvPr>
+            <p:ph type="body" idx="1"/>
+          </p:nvPr>
+        </p:nvSpPr>
+        <p:spPr/>
+        <p:txBody>
+          <a:bodyPr/>
+          <a:lstStyle/>
+          <a:p>
+            <a:endParaRPr lang="en-US" dirty="0"/>
+          </a:p>
+        </p:txBody>
+      </p:sp>
+      <p:sp>
+        <p:nvSpPr>
+          <p:cNvPr id="4" name="Slide Number Placeholder 3"/>
+          <p:cNvSpPr>
+            <a:spLocks noGrp="1"/>
+          </p:cNvSpPr>
+          <p:nvPr>
+            <p:ph type="sldNum" sz="quarter" idx="10"/>
+          </p:nvPr>
+        </p:nvSpPr>
+        <p:spPr/>
+        <p:txBody>
+          <a:bodyPr/>
+          <a:lstStyle/>
+          <a:p>
+            <a:fld id="{2D6E95E4-BC7B-40BB-B440-551EAC16A3FE}" type="slidenum">
+              <a:rPr lang="en-US" smtClean="0"/>
+              <a:t>19</a:t>
+            </a:fld>
+            <a:endParaRPr lang="en-US" dirty="0"/>
+          </a:p>
+        </p:txBody>
+      </p:sp>
+    </p:spTree>
+    <p:extLst>
+      <p:ext uri="{BB962C8B-B14F-4D97-AF65-F5344CB8AC3E}">
+        <p14:creationId xmlns:p14="http://schemas.microsoft.com/office/powerpoint/2010/main" val="3412678387"/>
+      </p:ext>
+    </p:extLst>
+  </p:cSld>
+  <p:clrMapOvr>
+    <a:masterClrMapping/>
+  </p:clrMapOvr>
+</p:notes>
+</file>
+
 <file path=ppt/notesSlides/notesSlide2.xml><?xml version="1.0" encoding="utf-8"?>
 <p:notes xmlns:a="http://schemas.openxmlformats.org/drawingml/2006/main" xmlns:r="http://schemas.openxmlformats.org/officeDocument/2006/relationships" xmlns:p="http://schemas.openxmlformats.org/presentationml/2006/main">
   <p:cSld>
@@ -1313,209 +1401,7 @@
           <a:bodyPr/>
           <a:lstStyle/>
           <a:p>
-            <a:r>
-              <a:rPr lang="en-US" dirty="0" smtClean="0"/>
-              <a:t>https://arxiv.org/abs/1611.05431</a:t>
-            </a:r>
-          </a:p>
-          <a:p>
-            <a:endParaRPr lang="en-US" dirty="0" smtClean="0"/>
-          </a:p>
-          <a:p>
-            <a:r>
-              <a:rPr lang="en-US" dirty="0" smtClean="0"/>
-              <a:t>https://github.com/antingshen/resnet-protofiles</a:t>
-            </a:r>
-          </a:p>
-          <a:p>
-            <a:pPr marL="0" marR="0" indent="0" algn="l" defTabSz="914400" rtl="0" eaLnBrk="1" fontAlgn="auto" latinLnBrk="0" hangingPunct="1">
-              <a:lnSpc>
-                <a:spcPct val="100000"/>
-              </a:lnSpc>
-              <a:spcBef>
-                <a:spcPts val="0"/>
-              </a:spcBef>
-              <a:spcAft>
-                <a:spcPts val="0"/>
-              </a:spcAft>
-              <a:buClrTx/>
-              <a:buSzTx/>
-              <a:buFontTx/>
-              <a:buNone/>
-              <a:tabLst/>
-              <a:defRPr/>
-            </a:pPr>
-            <a:r>
-              <a:rPr lang="en-US" dirty="0" smtClean="0"/>
-              <a:t>Resnet-18</a:t>
-            </a:r>
-          </a:p>
-          <a:p>
-            <a:r>
-              <a:rPr lang="en-US" dirty="0" smtClean="0"/>
-              <a:t>Resnet-34</a:t>
-            </a:r>
-          </a:p>
-          <a:p>
-            <a:pPr marL="0" marR="0" indent="0" algn="l" defTabSz="914400" rtl="0" eaLnBrk="1" fontAlgn="auto" latinLnBrk="0" hangingPunct="1">
-              <a:lnSpc>
-                <a:spcPct val="100000"/>
-              </a:lnSpc>
-              <a:spcBef>
-                <a:spcPts val="0"/>
-              </a:spcBef>
-              <a:spcAft>
-                <a:spcPts val="0"/>
-              </a:spcAft>
-              <a:buClrTx/>
-              <a:buSzTx/>
-              <a:buFontTx/>
-              <a:buNone/>
-              <a:tabLst/>
-              <a:defRPr/>
-            </a:pPr>
-            <a:r>
-              <a:rPr lang="en-US" dirty="0" smtClean="0"/>
-              <a:t>Resnet-50</a:t>
-            </a:r>
-          </a:p>
-          <a:p>
-            <a:pPr marL="0" marR="0" indent="0" algn="l" defTabSz="914400" rtl="0" eaLnBrk="1" fontAlgn="auto" latinLnBrk="0" hangingPunct="1">
-              <a:lnSpc>
-                <a:spcPct val="100000"/>
-              </a:lnSpc>
-              <a:spcBef>
-                <a:spcPts val="0"/>
-              </a:spcBef>
-              <a:spcAft>
-                <a:spcPts val="0"/>
-              </a:spcAft>
-              <a:buClrTx/>
-              <a:buSzTx/>
-              <a:buFontTx/>
-              <a:buNone/>
-              <a:tabLst/>
-              <a:defRPr/>
-            </a:pPr>
-            <a:r>
-              <a:rPr lang="en-US" dirty="0" smtClean="0"/>
-              <a:t>Resnet-101</a:t>
-            </a:r>
-          </a:p>
-          <a:p>
-            <a:pPr marL="0" marR="0" indent="0" algn="l" defTabSz="914400" rtl="0" eaLnBrk="1" fontAlgn="auto" latinLnBrk="0" hangingPunct="1">
-              <a:lnSpc>
-                <a:spcPct val="100000"/>
-              </a:lnSpc>
-              <a:spcBef>
-                <a:spcPts val="0"/>
-              </a:spcBef>
-              <a:spcAft>
-                <a:spcPts val="0"/>
-              </a:spcAft>
-              <a:buClrTx/>
-              <a:buSzTx/>
-              <a:buFontTx/>
-              <a:buNone/>
-              <a:tabLst/>
-              <a:defRPr/>
-            </a:pPr>
-            <a:r>
-              <a:rPr lang="en-US" dirty="0" smtClean="0"/>
-              <a:t>Resnet-152</a:t>
-            </a:r>
-          </a:p>
-          <a:p>
-            <a:pPr marL="0" marR="0" indent="0" algn="l" defTabSz="914400" rtl="0" eaLnBrk="1" fontAlgn="auto" latinLnBrk="0" hangingPunct="1">
-              <a:lnSpc>
-                <a:spcPct val="100000"/>
-              </a:lnSpc>
-              <a:spcBef>
-                <a:spcPts val="0"/>
-              </a:spcBef>
-              <a:spcAft>
-                <a:spcPts val="0"/>
-              </a:spcAft>
-              <a:buClrTx/>
-              <a:buSzTx/>
-              <a:buFontTx/>
-              <a:buNone/>
-              <a:tabLst/>
-              <a:defRPr/>
-            </a:pPr>
-            <a:r>
-              <a:rPr lang="en-US" dirty="0" smtClean="0"/>
-              <a:t>Resnet-200</a:t>
-            </a:r>
-          </a:p>
-          <a:p>
-            <a:pPr marL="0" marR="0" indent="0" algn="l" defTabSz="914400" rtl="0" eaLnBrk="1" fontAlgn="auto" latinLnBrk="0" hangingPunct="1">
-              <a:lnSpc>
-                <a:spcPct val="100000"/>
-              </a:lnSpc>
-              <a:spcBef>
-                <a:spcPts val="0"/>
-              </a:spcBef>
-              <a:spcAft>
-                <a:spcPts val="0"/>
-              </a:spcAft>
-              <a:buClrTx/>
-              <a:buSzTx/>
-              <a:buFontTx/>
-              <a:buNone/>
-              <a:tabLst/>
-              <a:defRPr/>
-            </a:pPr>
-            <a:r>
-              <a:rPr lang="en-US" dirty="0" smtClean="0"/>
-              <a:t>https://github.com/facebook/fb.resnet.torch/tree/master/pretrained</a:t>
-            </a:r>
-          </a:p>
-          <a:p>
-            <a:pPr marL="0" marR="0" indent="0" algn="l" defTabSz="914400" rtl="0" eaLnBrk="1" fontAlgn="auto" latinLnBrk="0" hangingPunct="1">
-              <a:lnSpc>
-                <a:spcPct val="100000"/>
-              </a:lnSpc>
-              <a:spcBef>
-                <a:spcPts val="0"/>
-              </a:spcBef>
-              <a:spcAft>
-                <a:spcPts val="0"/>
-              </a:spcAft>
-              <a:buClrTx/>
-              <a:buSzTx/>
-              <a:buFontTx/>
-              <a:buNone/>
-              <a:tabLst/>
-              <a:defRPr/>
-            </a:pPr>
-            <a:endParaRPr lang="en-US" dirty="0" smtClean="0"/>
-          </a:p>
-          <a:p>
-            <a:pPr marL="0" marR="0" indent="0" algn="l" defTabSz="914400" rtl="0" eaLnBrk="1" fontAlgn="auto" latinLnBrk="0" hangingPunct="1">
-              <a:lnSpc>
-                <a:spcPct val="100000"/>
-              </a:lnSpc>
-              <a:spcBef>
-                <a:spcPts val="0"/>
-              </a:spcBef>
-              <a:spcAft>
-                <a:spcPts val="0"/>
-              </a:spcAft>
-              <a:buClrTx/>
-              <a:buSzTx/>
-              <a:buFontTx/>
-              <a:buNone/>
-              <a:tabLst/>
-              <a:defRPr/>
-            </a:pPr>
-            <a:endParaRPr lang="en-US" dirty="0" smtClean="0"/>
-          </a:p>
-          <a:p>
-            <a:endParaRPr lang="en-US" dirty="0" smtClean="0"/>
-          </a:p>
-          <a:p>
-            <a:endParaRPr lang="en-US" dirty="0" smtClean="0"/>
+            <a:endParaRPr lang="en-US" dirty="0"/>
           </a:p>
         </p:txBody>
       </p:sp>
@@ -1536,7 +1422,7 @@
           <a:p>
             <a:fld id="{2D6E95E4-BC7B-40BB-B440-551EAC16A3FE}" type="slidenum">
               <a:rPr lang="en-US" smtClean="0"/>
-              <a:t>13</a:t>
+              <a:t>12</a:t>
             </a:fld>
             <a:endParaRPr lang="en-US" dirty="0"/>
           </a:p>
@@ -1545,7 +1431,7 @@
     </p:spTree>
     <p:extLst>
       <p:ext uri="{BB962C8B-B14F-4D97-AF65-F5344CB8AC3E}">
-        <p14:creationId xmlns:p14="http://schemas.microsoft.com/office/powerpoint/2010/main" val="3053188972"/>
+        <p14:creationId xmlns:p14="http://schemas.microsoft.com/office/powerpoint/2010/main" val="4178536768"/>
       </p:ext>
     </p:extLst>
   </p:cSld>
@@ -1601,21 +1487,207 @@
           <a:p>
             <a:r>
               <a:rPr lang="en-US" dirty="0" smtClean="0"/>
-              <a:t>https://arxiv.org/abs/1602.07261</a:t>
-            </a:r>
+              <a:t>https://arxiv.org/abs/1611.05431</a:t>
+            </a:r>
+          </a:p>
+          <a:p>
+            <a:endParaRPr lang="en-US" dirty="0" smtClean="0"/>
           </a:p>
           <a:p>
             <a:r>
               <a:rPr lang="en-US" dirty="0" smtClean="0"/>
-              <a:t>Detailed</a:t>
-            </a:r>
-            <a:r>
-              <a:rPr lang="en-US" baseline="0" dirty="0" smtClean="0"/>
-              <a:t> Chart: https://github.com/titu1994/Inception-v4</a:t>
-            </a:r>
-          </a:p>
-          <a:p>
-            <a:endParaRPr lang="en-US" dirty="0"/>
+              <a:t>https://github.com/antingshen/resnet-protofiles</a:t>
+            </a:r>
+          </a:p>
+          <a:p>
+            <a:pPr marL="0" marR="0" indent="0" algn="l" defTabSz="914400" rtl="0" eaLnBrk="1" fontAlgn="auto" latinLnBrk="0" hangingPunct="1">
+              <a:lnSpc>
+                <a:spcPct val="100000"/>
+              </a:lnSpc>
+              <a:spcBef>
+                <a:spcPts val="0"/>
+              </a:spcBef>
+              <a:spcAft>
+                <a:spcPts val="0"/>
+              </a:spcAft>
+              <a:buClrTx/>
+              <a:buSzTx/>
+              <a:buFontTx/>
+              <a:buNone/>
+              <a:tabLst/>
+              <a:defRPr/>
+            </a:pPr>
+            <a:r>
+              <a:rPr lang="en-US" dirty="0" smtClean="0"/>
+              <a:t>Resnet-18</a:t>
+            </a:r>
+          </a:p>
+          <a:p>
+            <a:r>
+              <a:rPr lang="en-US" dirty="0" smtClean="0"/>
+              <a:t>Resnet-34</a:t>
+            </a:r>
+          </a:p>
+          <a:p>
+            <a:pPr marL="0" marR="0" indent="0" algn="l" defTabSz="914400" rtl="0" eaLnBrk="1" fontAlgn="auto" latinLnBrk="0" hangingPunct="1">
+              <a:lnSpc>
+                <a:spcPct val="100000"/>
+              </a:lnSpc>
+              <a:spcBef>
+                <a:spcPts val="0"/>
+              </a:spcBef>
+              <a:spcAft>
+                <a:spcPts val="0"/>
+              </a:spcAft>
+              <a:buClrTx/>
+              <a:buSzTx/>
+              <a:buFontTx/>
+              <a:buNone/>
+              <a:tabLst/>
+              <a:defRPr/>
+            </a:pPr>
+            <a:r>
+              <a:rPr lang="en-US" dirty="0" smtClean="0"/>
+              <a:t>Resnet-50</a:t>
+            </a:r>
+          </a:p>
+          <a:p>
+            <a:pPr marL="0" marR="0" indent="0" algn="l" defTabSz="914400" rtl="0" eaLnBrk="1" fontAlgn="auto" latinLnBrk="0" hangingPunct="1">
+              <a:lnSpc>
+                <a:spcPct val="100000"/>
+              </a:lnSpc>
+              <a:spcBef>
+                <a:spcPts val="0"/>
+              </a:spcBef>
+              <a:spcAft>
+                <a:spcPts val="0"/>
+              </a:spcAft>
+              <a:buClrTx/>
+              <a:buSzTx/>
+              <a:buFontTx/>
+              <a:buNone/>
+              <a:tabLst/>
+              <a:defRPr/>
+            </a:pPr>
+            <a:r>
+              <a:rPr lang="en-US" dirty="0" smtClean="0"/>
+              <a:t>Resnet-101</a:t>
+            </a:r>
+          </a:p>
+          <a:p>
+            <a:pPr marL="0" marR="0" indent="0" algn="l" defTabSz="914400" rtl="0" eaLnBrk="1" fontAlgn="auto" latinLnBrk="0" hangingPunct="1">
+              <a:lnSpc>
+                <a:spcPct val="100000"/>
+              </a:lnSpc>
+              <a:spcBef>
+                <a:spcPts val="0"/>
+              </a:spcBef>
+              <a:spcAft>
+                <a:spcPts val="0"/>
+              </a:spcAft>
+              <a:buClrTx/>
+              <a:buSzTx/>
+              <a:buFontTx/>
+              <a:buNone/>
+              <a:tabLst/>
+              <a:defRPr/>
+            </a:pPr>
+            <a:r>
+              <a:rPr lang="en-US" dirty="0" smtClean="0"/>
+              <a:t>Resnet-152</a:t>
+            </a:r>
+          </a:p>
+          <a:p>
+            <a:pPr marL="0" marR="0" indent="0" algn="l" defTabSz="914400" rtl="0" eaLnBrk="1" fontAlgn="auto" latinLnBrk="0" hangingPunct="1">
+              <a:lnSpc>
+                <a:spcPct val="100000"/>
+              </a:lnSpc>
+              <a:spcBef>
+                <a:spcPts val="0"/>
+              </a:spcBef>
+              <a:spcAft>
+                <a:spcPts val="0"/>
+              </a:spcAft>
+              <a:buClrTx/>
+              <a:buSzTx/>
+              <a:buFontTx/>
+              <a:buNone/>
+              <a:tabLst/>
+              <a:defRPr/>
+            </a:pPr>
+            <a:r>
+              <a:rPr lang="en-US" dirty="0" smtClean="0"/>
+              <a:t>Resnet-200</a:t>
+            </a:r>
+          </a:p>
+          <a:p>
+            <a:pPr marL="0" marR="0" indent="0" algn="l" defTabSz="914400" rtl="0" eaLnBrk="1" fontAlgn="auto" latinLnBrk="0" hangingPunct="1">
+              <a:lnSpc>
+                <a:spcPct val="100000"/>
+              </a:lnSpc>
+              <a:spcBef>
+                <a:spcPts val="0"/>
+              </a:spcBef>
+              <a:spcAft>
+                <a:spcPts val="0"/>
+              </a:spcAft>
+              <a:buClrTx/>
+              <a:buSzTx/>
+              <a:buFontTx/>
+              <a:buNone/>
+              <a:tabLst/>
+              <a:defRPr/>
+            </a:pPr>
+            <a:r>
+              <a:rPr lang="en-US" dirty="0" smtClean="0"/>
+              <a:t>https://github.com/facebook/fb.resnet.torch/tree/master/pretrained</a:t>
+            </a:r>
+          </a:p>
+          <a:p>
+            <a:pPr marL="0" marR="0" indent="0" algn="l" defTabSz="914400" rtl="0" eaLnBrk="1" fontAlgn="auto" latinLnBrk="0" hangingPunct="1">
+              <a:lnSpc>
+                <a:spcPct val="100000"/>
+              </a:lnSpc>
+              <a:spcBef>
+                <a:spcPts val="0"/>
+              </a:spcBef>
+              <a:spcAft>
+                <a:spcPts val="0"/>
+              </a:spcAft>
+              <a:buClrTx/>
+              <a:buSzTx/>
+              <a:buFontTx/>
+              <a:buNone/>
+              <a:tabLst/>
+              <a:defRPr/>
+            </a:pPr>
+            <a:endParaRPr lang="en-US" dirty="0" smtClean="0"/>
+          </a:p>
+          <a:p>
+            <a:pPr marL="0" marR="0" indent="0" algn="l" defTabSz="914400" rtl="0" eaLnBrk="1" fontAlgn="auto" latinLnBrk="0" hangingPunct="1">
+              <a:lnSpc>
+                <a:spcPct val="100000"/>
+              </a:lnSpc>
+              <a:spcBef>
+                <a:spcPts val="0"/>
+              </a:spcBef>
+              <a:spcAft>
+                <a:spcPts val="0"/>
+              </a:spcAft>
+              <a:buClrTx/>
+              <a:buSzTx/>
+              <a:buFontTx/>
+              <a:buNone/>
+              <a:tabLst/>
+              <a:defRPr/>
+            </a:pPr>
+            <a:endParaRPr lang="en-US" dirty="0" smtClean="0"/>
+          </a:p>
+          <a:p>
+            <a:endParaRPr lang="en-US" dirty="0" smtClean="0"/>
+          </a:p>
+          <a:p>
+            <a:endParaRPr lang="en-US" dirty="0" smtClean="0"/>
           </a:p>
         </p:txBody>
       </p:sp>
@@ -1636,6 +1708,106 @@
           <a:p>
             <a:fld id="{2D6E95E4-BC7B-40BB-B440-551EAC16A3FE}" type="slidenum">
               <a:rPr lang="en-US" smtClean="0"/>
+              <a:t>13</a:t>
+            </a:fld>
+            <a:endParaRPr lang="en-US" dirty="0"/>
+          </a:p>
+        </p:txBody>
+      </p:sp>
+    </p:spTree>
+    <p:extLst>
+      <p:ext uri="{BB962C8B-B14F-4D97-AF65-F5344CB8AC3E}">
+        <p14:creationId xmlns:p14="http://schemas.microsoft.com/office/powerpoint/2010/main" val="3053188972"/>
+      </p:ext>
+    </p:extLst>
+  </p:cSld>
+  <p:clrMapOvr>
+    <a:masterClrMapping/>
+  </p:clrMapOvr>
+</p:notes>
+</file>
+
+<file path=ppt/notesSlides/notesSlide8.xml><?xml version="1.0" encoding="utf-8"?>
+<p:notes xmlns:a="http://schemas.openxmlformats.org/drawingml/2006/main" xmlns:r="http://schemas.openxmlformats.org/officeDocument/2006/relationships" xmlns:p="http://schemas.openxmlformats.org/presentationml/2006/main">
+  <p:cSld>
+    <p:spTree>
+      <p:nvGrpSpPr>
+        <p:cNvPr id="1" name=""/>
+        <p:cNvGrpSpPr/>
+        <p:nvPr/>
+      </p:nvGrpSpPr>
+      <p:grpSpPr>
+        <a:xfrm>
+          <a:off x="0" y="0"/>
+          <a:ext cx="0" cy="0"/>
+          <a:chOff x="0" y="0"/>
+          <a:chExt cx="0" cy="0"/>
+        </a:xfrm>
+      </p:grpSpPr>
+      <p:sp>
+        <p:nvSpPr>
+          <p:cNvPr id="2" name="Slide Image Placeholder 1"/>
+          <p:cNvSpPr>
+            <a:spLocks noGrp="1" noRot="1" noChangeAspect="1"/>
+          </p:cNvSpPr>
+          <p:nvPr>
+            <p:ph type="sldImg"/>
+          </p:nvPr>
+        </p:nvSpPr>
+        <p:spPr/>
+      </p:sp>
+      <p:sp>
+        <p:nvSpPr>
+          <p:cNvPr id="3" name="Notes Placeholder 2"/>
+          <p:cNvSpPr>
+            <a:spLocks noGrp="1"/>
+          </p:cNvSpPr>
+          <p:nvPr>
+            <p:ph type="body" idx="1"/>
+          </p:nvPr>
+        </p:nvSpPr>
+        <p:spPr/>
+        <p:txBody>
+          <a:bodyPr/>
+          <a:lstStyle/>
+          <a:p>
+            <a:r>
+              <a:rPr lang="en-US" dirty="0" smtClean="0"/>
+              <a:t>https://arxiv.org/abs/1602.07261</a:t>
+            </a:r>
+          </a:p>
+          <a:p>
+            <a:r>
+              <a:rPr lang="en-US" dirty="0" smtClean="0"/>
+              <a:t>Detailed</a:t>
+            </a:r>
+            <a:r>
+              <a:rPr lang="en-US" baseline="0" dirty="0" smtClean="0"/>
+              <a:t> Chart: https://github.com/titu1994/Inception-v4</a:t>
+            </a:r>
+          </a:p>
+          <a:p>
+            <a:endParaRPr lang="en-US" dirty="0"/>
+          </a:p>
+        </p:txBody>
+      </p:sp>
+      <p:sp>
+        <p:nvSpPr>
+          <p:cNvPr id="4" name="Slide Number Placeholder 3"/>
+          <p:cNvSpPr>
+            <a:spLocks noGrp="1"/>
+          </p:cNvSpPr>
+          <p:nvPr>
+            <p:ph type="sldNum" sz="quarter" idx="10"/>
+          </p:nvPr>
+        </p:nvSpPr>
+        <p:spPr/>
+        <p:txBody>
+          <a:bodyPr/>
+          <a:lstStyle/>
+          <a:p>
+            <a:fld id="{2D6E95E4-BC7B-40BB-B440-551EAC16A3FE}" type="slidenum">
+              <a:rPr lang="en-US" smtClean="0"/>
               <a:t>14</a:t>
             </a:fld>
             <a:endParaRPr lang="en-US" dirty="0"/>
@@ -1646,6 +1818,94 @@
     <p:extLst>
       <p:ext uri="{BB962C8B-B14F-4D97-AF65-F5344CB8AC3E}">
         <p14:creationId xmlns:p14="http://schemas.microsoft.com/office/powerpoint/2010/main" val="2940433215"/>
+      </p:ext>
+    </p:extLst>
+  </p:cSld>
+  <p:clrMapOvr>
+    <a:masterClrMapping/>
+  </p:clrMapOvr>
+</p:notes>
+</file>
+
+<file path=ppt/notesSlides/notesSlide9.xml><?xml version="1.0" encoding="utf-8"?>
+<p:notes xmlns:a="http://schemas.openxmlformats.org/drawingml/2006/main" xmlns:r="http://schemas.openxmlformats.org/officeDocument/2006/relationships" xmlns:p="http://schemas.openxmlformats.org/presentationml/2006/main">
+  <p:cSld>
+    <p:spTree>
+      <p:nvGrpSpPr>
+        <p:cNvPr id="1" name=""/>
+        <p:cNvGrpSpPr/>
+        <p:nvPr/>
+      </p:nvGrpSpPr>
+      <p:grpSpPr>
+        <a:xfrm>
+          <a:off x="0" y="0"/>
+          <a:ext cx="0" cy="0"/>
+          <a:chOff x="0" y="0"/>
+          <a:chExt cx="0" cy="0"/>
+        </a:xfrm>
+      </p:grpSpPr>
+      <p:sp>
+        <p:nvSpPr>
+          <p:cNvPr id="2" name="Slide Image Placeholder 1"/>
+          <p:cNvSpPr>
+            <a:spLocks noGrp="1" noRot="1" noChangeAspect="1"/>
+          </p:cNvSpPr>
+          <p:nvPr>
+            <p:ph type="sldImg"/>
+          </p:nvPr>
+        </p:nvSpPr>
+        <p:spPr/>
+      </p:sp>
+      <p:sp>
+        <p:nvSpPr>
+          <p:cNvPr id="3" name="Notes Placeholder 2"/>
+          <p:cNvSpPr>
+            <a:spLocks noGrp="1"/>
+          </p:cNvSpPr>
+          <p:nvPr>
+            <p:ph type="body" idx="1"/>
+          </p:nvPr>
+        </p:nvSpPr>
+        <p:spPr/>
+        <p:txBody>
+          <a:bodyPr/>
+          <a:lstStyle/>
+          <a:p>
+            <a:r>
+              <a:rPr lang="en-US" dirty="0" smtClean="0"/>
+              <a:t>https://arxiv.org/pdf/1704.04861.pdf</a:t>
+            </a:r>
+            <a:endParaRPr lang="en-US" dirty="0"/>
+          </a:p>
+        </p:txBody>
+      </p:sp>
+      <p:sp>
+        <p:nvSpPr>
+          <p:cNvPr id="4" name="Slide Number Placeholder 3"/>
+          <p:cNvSpPr>
+            <a:spLocks noGrp="1"/>
+          </p:cNvSpPr>
+          <p:nvPr>
+            <p:ph type="sldNum" sz="quarter" idx="10"/>
+          </p:nvPr>
+        </p:nvSpPr>
+        <p:spPr/>
+        <p:txBody>
+          <a:bodyPr/>
+          <a:lstStyle/>
+          <a:p>
+            <a:fld id="{2D6E95E4-BC7B-40BB-B440-551EAC16A3FE}" type="slidenum">
+              <a:rPr lang="en-US" smtClean="0"/>
+              <a:t>17</a:t>
+            </a:fld>
+            <a:endParaRPr lang="en-US" dirty="0"/>
+          </a:p>
+        </p:txBody>
+      </p:sp>
+    </p:spTree>
+    <p:extLst>
+      <p:ext uri="{BB962C8B-B14F-4D97-AF65-F5344CB8AC3E}">
+        <p14:creationId xmlns:p14="http://schemas.microsoft.com/office/powerpoint/2010/main" val="511772365"/>
       </p:ext>
     </p:extLst>
   </p:cSld>
@@ -3177,11 +3437,11 @@
           <a:p>
             <a:r>
               <a:rPr lang="en-US" dirty="0" smtClean="0"/>
-              <a:t>Deep Learning </a:t>
-            </a:r>
-            <a:r>
-              <a:rPr lang="en-US" dirty="0" err="1" smtClean="0"/>
-              <a:t>netorks</a:t>
+              <a:t>Deep </a:t>
+            </a:r>
+            <a:r>
+              <a:rPr lang="en-US" smtClean="0"/>
+              <a:t>Learning networks</a:t>
             </a:r>
             <a:endParaRPr lang="en-US" dirty="0"/>
           </a:p>
@@ -3585,7 +3845,7 @@
           <p:nvPr/>
         </p:nvPicPr>
         <p:blipFill>
-          <a:blip r:embed="rId2"/>
+          <a:blip r:embed="rId3"/>
           <a:stretch>
             <a:fillRect/>
           </a:stretch>
@@ -3927,6 +4187,112 @@
           <a:bodyPr/>
           <a:lstStyle/>
           <a:p>
+            <a:endParaRPr lang="en-US"/>
+          </a:p>
+        </p:txBody>
+      </p:sp>
+      <p:sp>
+        <p:nvSpPr>
+          <p:cNvPr id="3" name="Text Placeholder 2"/>
+          <p:cNvSpPr>
+            <a:spLocks noGrp="1"/>
+          </p:cNvSpPr>
+          <p:nvPr>
+            <p:ph type="body" sz="quarter" idx="10"/>
+          </p:nvPr>
+        </p:nvSpPr>
+        <p:spPr/>
+        <p:txBody>
+          <a:bodyPr/>
+          <a:lstStyle/>
+          <a:p>
+            <a:endParaRPr lang="en-US"/>
+          </a:p>
+        </p:txBody>
+      </p:sp>
+      <p:pic>
+        <p:nvPicPr>
+          <p:cNvPr id="4" name="Picture 3"/>
+          <p:cNvPicPr>
+            <a:picLocks noChangeAspect="1"/>
+          </p:cNvPicPr>
+          <p:nvPr/>
+        </p:nvPicPr>
+        <p:blipFill>
+          <a:blip r:embed="rId2">
+            <a:extLst>
+              <a:ext uri="{28A0092B-C50C-407E-A947-70E740481C1C}">
+                <a14:useLocalDpi xmlns:a14="http://schemas.microsoft.com/office/drawing/2010/main" val="0"/>
+              </a:ext>
+            </a:extLst>
+          </a:blip>
+          <a:stretch>
+            <a:fillRect/>
+          </a:stretch>
+        </p:blipFill>
+        <p:spPr>
+          <a:xfrm>
+            <a:off x="209550" y="278131"/>
+            <a:ext cx="10100832" cy="6360794"/>
+          </a:xfrm>
+          <a:prstGeom prst="rect">
+            <a:avLst/>
+          </a:prstGeom>
+        </p:spPr>
+      </p:pic>
+    </p:spTree>
+    <p:extLst>
+      <p:ext uri="{BB962C8B-B14F-4D97-AF65-F5344CB8AC3E}">
+        <p14:creationId xmlns:p14="http://schemas.microsoft.com/office/powerpoint/2010/main" val="2756682867"/>
+      </p:ext>
+    </p:extLst>
+  </p:cSld>
+  <p:clrMapOvr>
+    <a:masterClrMapping/>
+  </p:clrMapOvr>
+  <mc:AlternateContent xmlns:mc="http://schemas.openxmlformats.org/markup-compatibility/2006" xmlns:p14="http://schemas.microsoft.com/office/powerpoint/2010/main">
+    <mc:Choice Requires="p14">
+      <p:transition p14:dur="10"/>
+    </mc:Choice>
+    <mc:Fallback xmlns="">
+      <p:transition/>
+    </mc:Fallback>
+  </mc:AlternateContent>
+</p:sld>
+</file>
+
+<file path=ppt/slides/slide16.xml><?xml version="1.0" encoding="utf-8"?>
+<p:sld xmlns:a="http://schemas.openxmlformats.org/drawingml/2006/main" xmlns:r="http://schemas.openxmlformats.org/officeDocument/2006/relationships" xmlns:p="http://schemas.openxmlformats.org/presentationml/2006/main">
+  <p:cSld>
+    <p:spTree>
+      <p:nvGrpSpPr>
+        <p:cNvPr id="1" name=""/>
+        <p:cNvGrpSpPr/>
+        <p:nvPr/>
+      </p:nvGrpSpPr>
+      <p:grpSpPr>
+        <a:xfrm>
+          <a:off x="0" y="0"/>
+          <a:ext cx="0" cy="0"/>
+          <a:chOff x="0" y="0"/>
+          <a:chExt cx="0" cy="0"/>
+        </a:xfrm>
+      </p:grpSpPr>
+      <p:sp>
+        <p:nvSpPr>
+          <p:cNvPr id="2" name="Title 1"/>
+          <p:cNvSpPr>
+            <a:spLocks noGrp="1"/>
+          </p:cNvSpPr>
+          <p:nvPr>
+            <p:ph type="title"/>
+          </p:nvPr>
+        </p:nvSpPr>
+        <p:spPr/>
+        <p:txBody>
+          <a:bodyPr/>
+          <a:lstStyle/>
+          <a:p>
             <a:r>
               <a:rPr lang="en-US" dirty="0"/>
               <a:t>RNN: https://github.com/Element-Research/rnn</a:t>
@@ -4004,44 +4370,6 @@
 </p:sld>
 </file>
 
-<file path=ppt/slides/slide16.xml><?xml version="1.0" encoding="utf-8"?>
-<p:sld xmlns:a="http://schemas.openxmlformats.org/drawingml/2006/main" xmlns:r="http://schemas.openxmlformats.org/officeDocument/2006/relationships" xmlns:p="http://schemas.openxmlformats.org/presentationml/2006/main">
-  <p:cSld>
-    <p:spTree>
-      <p:nvGrpSpPr>
-        <p:cNvPr id="1" name=""/>
-        <p:cNvGrpSpPr/>
-        <p:nvPr/>
-      </p:nvGrpSpPr>
-      <p:grpSpPr>
-        <a:xfrm>
-          <a:off x="0" y="0"/>
-          <a:ext cx="0" cy="0"/>
-          <a:chOff x="0" y="0"/>
-          <a:chExt cx="0" cy="0"/>
-        </a:xfrm>
-      </p:grpSpPr>
-    </p:spTree>
-    <p:extLst>
-      <p:ext uri="{BB962C8B-B14F-4D97-AF65-F5344CB8AC3E}">
-        <p14:creationId xmlns:p14="http://schemas.microsoft.com/office/powerpoint/2010/main" val="1028984561"/>
-      </p:ext>
-    </p:extLst>
-  </p:cSld>
-  <p:clrMapOvr>
-    <a:masterClrMapping/>
-  </p:clrMapOvr>
-  <mc:AlternateContent xmlns:mc="http://schemas.openxmlformats.org/markup-compatibility/2006" xmlns:p14="http://schemas.microsoft.com/office/powerpoint/2010/main">
-    <mc:Choice Requires="p14">
-      <p:transition p14:dur="10"/>
-    </mc:Choice>
-    <mc:Fallback xmlns="">
-      <p:transition/>
-    </mc:Fallback>
-  </mc:AlternateContent>
-</p:sld>
-</file>
-
 <file path=ppt/slides/slide17.xml><?xml version="1.0" encoding="utf-8"?>
 <p:sld xmlns:a="http://schemas.openxmlformats.org/drawingml/2006/main" xmlns:r="http://schemas.openxmlformats.org/officeDocument/2006/relationships" xmlns:p="http://schemas.openxmlformats.org/presentationml/2006/main">
   <p:cSld>
@@ -4061,181 +4389,3691 @@
       </p:grpSpPr>
       <p:sp>
         <p:nvSpPr>
-          <p:cNvPr id="2" name="Content Placeholder 1"/>
+          <p:cNvPr id="2" name="Title 1"/>
           <p:cNvSpPr>
             <a:spLocks noGrp="1"/>
           </p:cNvSpPr>
           <p:nvPr>
-            <p:ph idx="1"/>
+            <p:ph type="title"/>
           </p:nvPr>
         </p:nvSpPr>
-        <p:spPr>
-          <a:xfrm>
-            <a:off x="169488" y="0"/>
-            <a:ext cx="11341514" cy="4937760"/>
-          </a:xfrm>
-        </p:spPr>
+        <p:spPr/>
         <p:txBody>
           <a:bodyPr/>
           <a:lstStyle/>
           <a:p>
             <a:r>
-              <a:rPr lang="en-US" sz="2400" dirty="0" err="1"/>
-              <a:t>LRN（Local</a:t>
-            </a:r>
-            <a:r>
-              <a:rPr lang="en-US" sz="2400" dirty="0"/>
-              <a:t> Response Normalization）</a:t>
-            </a:r>
-          </a:p>
-          <a:p>
-            <a:r>
-              <a:rPr lang="zh-CN" altLang="en-US" sz="2400" dirty="0"/>
-              <a:t>神经网络初学者，没有什么理论基础，偶然看到个</a:t>
-            </a:r>
-            <a:r>
-              <a:rPr lang="en-US" sz="2400" dirty="0" err="1"/>
-              <a:t>ImageNet</a:t>
-            </a:r>
-            <a:r>
-              <a:rPr lang="en-US" sz="2400" dirty="0"/>
-              <a:t>，</a:t>
-            </a:r>
-            <a:r>
-              <a:rPr lang="zh-CN" altLang="en-US" sz="2400" dirty="0"/>
-              <a:t>就准备从其入手，先弄懂每层的含义，其中这个</a:t>
-            </a:r>
-            <a:r>
-              <a:rPr lang="en-US" sz="2400" dirty="0"/>
-              <a:t>LRN</a:t>
-            </a:r>
-            <a:r>
-              <a:rPr lang="zh-CN" altLang="en-US" sz="2400" dirty="0"/>
-              <a:t>层真是让人百思不得其解，搜索了下，给出的介绍比较少。为什么会比较少呢，搜索到最后我得出的结论是，这货似乎没什么多少卵用。。。 </a:t>
-            </a:r>
-            <a:br>
-              <a:rPr lang="zh-CN" altLang="en-US" sz="2400" dirty="0"/>
-            </a:br>
-            <a:r>
-              <a:rPr lang="en-US" sz="2400" dirty="0" err="1"/>
-              <a:t>ImageNet</a:t>
-            </a:r>
-            <a:r>
-              <a:rPr lang="zh-CN" altLang="en-US" sz="2400" dirty="0"/>
-              <a:t>中的</a:t>
-            </a:r>
-            <a:r>
-              <a:rPr lang="en-US" sz="2400" dirty="0"/>
-              <a:t>LRN</a:t>
-            </a:r>
-            <a:r>
-              <a:rPr lang="zh-CN" altLang="en-US" sz="2400" dirty="0"/>
-              <a:t>层是按下述公式计算的：</a:t>
-            </a:r>
-          </a:p>
-          <a:p>
-            <a:r>
-              <a:rPr lang="zh-CN" altLang="en-US" sz="2400" dirty="0"/>
-              <a:t/>
-            </a:r>
-            <a:br>
-              <a:rPr lang="zh-CN" altLang="en-US" sz="2400" dirty="0"/>
-            </a:br>
-            <a:endParaRPr lang="zh-CN" altLang="en-US" sz="2400" dirty="0"/>
-          </a:p>
-          <a:p>
-            <a:endParaRPr lang="en-US" altLang="zh-CN" sz="2400" dirty="0" smtClean="0"/>
-          </a:p>
-          <a:p>
-            <a:endParaRPr lang="en-US" altLang="zh-CN" sz="2400" dirty="0"/>
-          </a:p>
-          <a:p>
-            <a:endParaRPr lang="en-US" altLang="zh-CN" sz="2400" dirty="0" smtClean="0"/>
-          </a:p>
-          <a:p>
-            <a:endParaRPr lang="en-US" altLang="zh-CN" sz="2400" dirty="0"/>
-          </a:p>
-          <a:p>
-            <a:r>
-              <a:rPr lang="zh-CN" altLang="en-US" sz="2400" dirty="0" smtClean="0"/>
-              <a:t>但</a:t>
-            </a:r>
-            <a:r>
-              <a:rPr lang="zh-CN" altLang="en-US" sz="2400" dirty="0"/>
-              <a:t>似乎，在后来的设计中，这一层已经被其它种的</a:t>
-            </a:r>
-            <a:r>
-              <a:rPr lang="en-US" sz="2400" dirty="0"/>
-              <a:t>Regularization</a:t>
-            </a:r>
-            <a:r>
-              <a:rPr lang="zh-CN" altLang="en-US" sz="2400" dirty="0"/>
-              <a:t>技术，如</a:t>
-            </a:r>
-            <a:r>
-              <a:rPr lang="en-US" sz="2400" dirty="0"/>
-              <a:t>drop out, batch normalization</a:t>
-            </a:r>
-            <a:r>
-              <a:rPr lang="zh-CN" altLang="en-US" sz="2400" dirty="0"/>
-              <a:t>取代了。知道了这些，似乎也可以不那么纠结这个</a:t>
-            </a:r>
-            <a:r>
-              <a:rPr lang="en-US" sz="2400" dirty="0"/>
-              <a:t>LRN</a:t>
-            </a:r>
-            <a:r>
-              <a:rPr lang="zh-CN" altLang="en-US" sz="2400" dirty="0"/>
-              <a:t>了。</a:t>
-            </a:r>
-          </a:p>
-          <a:p>
-            <a:r>
-              <a:rPr lang="en-US" sz="2400" dirty="0"/>
-              <a:t>http://cs231n.github.io/convolutional-networks/ </a:t>
-            </a:r>
-            <a:r>
-              <a:rPr lang="zh-CN" altLang="en-US" sz="2400" dirty="0"/>
-              <a:t>是关于</a:t>
-            </a:r>
-            <a:r>
-              <a:rPr lang="en-US" sz="2400" dirty="0"/>
-              <a:t>CNN</a:t>
-            </a:r>
-            <a:r>
-              <a:rPr lang="zh-CN" altLang="en-US" sz="2400" dirty="0"/>
-              <a:t>的一篇很好的介绍。</a:t>
-            </a:r>
-          </a:p>
-          <a:p>
-            <a:endParaRPr lang="en-US" sz="2400" dirty="0"/>
+              <a:rPr lang="en-US" dirty="0" err="1" smtClean="0"/>
+              <a:t>Mobilenets</a:t>
+            </a:r>
+            <a:r>
+              <a:rPr lang="en-US" dirty="0" smtClean="0"/>
+              <a:t> </a:t>
+            </a:r>
+            <a:endParaRPr lang="en-US" dirty="0"/>
           </a:p>
         </p:txBody>
       </p:sp>
+      <p:graphicFrame>
+        <p:nvGraphicFramePr>
+          <p:cNvPr id="4" name="Table 3"/>
+          <p:cNvGraphicFramePr>
+            <a:graphicFrameLocks noGrp="1"/>
+          </p:cNvGraphicFramePr>
+          <p:nvPr>
+            <p:extLst>
+              <p:ext uri="{D42A27DB-BD31-4B8C-83A1-F6EECF244321}">
+                <p14:modId xmlns:p14="http://schemas.microsoft.com/office/powerpoint/2010/main" val="968536481"/>
+              </p:ext>
+            </p:extLst>
+          </p:nvPr>
+        </p:nvGraphicFramePr>
+        <p:xfrm>
+          <a:off x="562451" y="1307592"/>
+          <a:ext cx="1070610" cy="855091"/>
+        </p:xfrm>
+        <a:graphic>
+          <a:graphicData uri="http://schemas.openxmlformats.org/drawingml/2006/table">
+            <a:tbl>
+              <a:tblPr firstRow="1" firstCol="1" bandRow="1">
+                <a:tableStyleId>{5C22544A-7EE6-4342-B048-85BDC9FD1C3A}</a:tableStyleId>
+              </a:tblPr>
+              <a:tblGrid>
+                <a:gridCol w="535305"/>
+                <a:gridCol w="535305"/>
+              </a:tblGrid>
+              <a:tr h="167005">
+                <a:tc gridSpan="2">
+                  <a:txBody>
+                    <a:bodyPr/>
+                    <a:lstStyle/>
+                    <a:p>
+                      <a:pPr marL="38735" marR="0" indent="0" algn="ctr">
+                        <a:lnSpc>
+                          <a:spcPct val="107000"/>
+                        </a:lnSpc>
+                        <a:spcBef>
+                          <a:spcPts val="0"/>
+                        </a:spcBef>
+                        <a:spcAft>
+                          <a:spcPts val="0"/>
+                        </a:spcAft>
+                      </a:pPr>
+                      <a:r>
+                        <a:rPr lang="en-US" sz="850" dirty="0">
+                          <a:effectLst/>
+                        </a:rPr>
+                        <a:t>3x3 </a:t>
+                      </a:r>
+                      <a:r>
+                        <a:rPr lang="en-US" sz="850" dirty="0" err="1">
+                          <a:effectLst/>
+                        </a:rPr>
+                        <a:t>Conv</a:t>
+                      </a:r>
+                      <a:endParaRPr lang="en-US" sz="1000" dirty="0">
+                        <a:solidFill>
+                          <a:srgbClr val="000000"/>
+                        </a:solidFill>
+                        <a:effectLst/>
+                        <a:latin typeface="Calibri" panose="020F0502020204030204" pitchFamily="34" charset="0"/>
+                        <a:ea typeface="Calibri" panose="020F0502020204030204" pitchFamily="34" charset="0"/>
+                        <a:cs typeface="Calibri" panose="020F0502020204030204" pitchFamily="34" charset="0"/>
+                      </a:endParaRPr>
+                    </a:p>
+                  </a:txBody>
+                  <a:tcPr marL="73025" marR="73025" marT="13970" marB="0"/>
+                </a:tc>
+                <a:tc hMerge="1">
+                  <a:txBody>
+                    <a:bodyPr/>
+                    <a:lstStyle/>
+                    <a:p>
+                      <a:endParaRPr lang="en-US"/>
+                    </a:p>
+                  </a:txBody>
+                  <a:tcPr/>
+                </a:tc>
+              </a:tr>
+              <a:tr h="81280">
+                <a:tc>
+                  <a:txBody>
+                    <a:bodyPr/>
+                    <a:lstStyle/>
+                    <a:p>
+                      <a:pPr marL="0" marR="0" indent="0" algn="l">
+                        <a:lnSpc>
+                          <a:spcPct val="107000"/>
+                        </a:lnSpc>
+                        <a:spcBef>
+                          <a:spcPts val="0"/>
+                        </a:spcBef>
+                        <a:spcAft>
+                          <a:spcPts val="800"/>
+                        </a:spcAft>
+                      </a:pPr>
+                      <a:r>
+                        <a:rPr lang="en-US" sz="1000" dirty="0">
+                          <a:effectLst/>
+                        </a:rPr>
+                        <a:t> </a:t>
+                      </a:r>
+                      <a:endParaRPr lang="en-US" sz="1000" dirty="0">
+                        <a:solidFill>
+                          <a:srgbClr val="000000"/>
+                        </a:solidFill>
+                        <a:effectLst/>
+                        <a:latin typeface="Calibri" panose="020F0502020204030204" pitchFamily="34" charset="0"/>
+                        <a:ea typeface="Calibri" panose="020F0502020204030204" pitchFamily="34" charset="0"/>
+                        <a:cs typeface="Calibri" panose="020F0502020204030204" pitchFamily="34" charset="0"/>
+                      </a:endParaRPr>
+                    </a:p>
+                  </a:txBody>
+                  <a:tcPr marL="73025" marR="73025" marT="13970" marB="0">
+                    <a:solidFill>
+                      <a:schemeClr val="tx1"/>
+                    </a:solidFill>
+                  </a:tcPr>
+                </a:tc>
+                <a:tc>
+                  <a:txBody>
+                    <a:bodyPr/>
+                    <a:lstStyle/>
+                    <a:p>
+                      <a:pPr marL="0" marR="0" indent="0" algn="l">
+                        <a:lnSpc>
+                          <a:spcPct val="107000"/>
+                        </a:lnSpc>
+                        <a:spcBef>
+                          <a:spcPts val="0"/>
+                        </a:spcBef>
+                        <a:spcAft>
+                          <a:spcPts val="800"/>
+                        </a:spcAft>
+                      </a:pPr>
+                      <a:r>
+                        <a:rPr lang="en-US" sz="1000" dirty="0">
+                          <a:effectLst/>
+                        </a:rPr>
+                        <a:t> </a:t>
+                      </a:r>
+                      <a:endParaRPr lang="en-US" sz="1000" dirty="0">
+                        <a:solidFill>
+                          <a:srgbClr val="000000"/>
+                        </a:solidFill>
+                        <a:effectLst/>
+                        <a:latin typeface="Calibri" panose="020F0502020204030204" pitchFamily="34" charset="0"/>
+                        <a:ea typeface="Calibri" panose="020F0502020204030204" pitchFamily="34" charset="0"/>
+                        <a:cs typeface="Calibri" panose="020F0502020204030204" pitchFamily="34" charset="0"/>
+                      </a:endParaRPr>
+                    </a:p>
+                  </a:txBody>
+                  <a:tcPr marL="73025" marR="73025" marT="13970" marB="0">
+                    <a:solidFill>
+                      <a:schemeClr val="tx1"/>
+                    </a:solidFill>
+                  </a:tcPr>
+                </a:tc>
+              </a:tr>
+              <a:tr h="167005">
+                <a:tc gridSpan="2">
+                  <a:txBody>
+                    <a:bodyPr/>
+                    <a:lstStyle/>
+                    <a:p>
+                      <a:pPr marL="0" marR="8890" indent="0" algn="ctr">
+                        <a:lnSpc>
+                          <a:spcPct val="107000"/>
+                        </a:lnSpc>
+                        <a:spcBef>
+                          <a:spcPts val="0"/>
+                        </a:spcBef>
+                        <a:spcAft>
+                          <a:spcPts val="0"/>
+                        </a:spcAft>
+                      </a:pPr>
+                      <a:r>
+                        <a:rPr lang="en-US" sz="850">
+                          <a:effectLst/>
+                        </a:rPr>
+                        <a:t>BN</a:t>
+                      </a:r>
+                      <a:endParaRPr lang="en-US" sz="1000">
+                        <a:solidFill>
+                          <a:srgbClr val="000000"/>
+                        </a:solidFill>
+                        <a:effectLst/>
+                        <a:latin typeface="Calibri" panose="020F0502020204030204" pitchFamily="34" charset="0"/>
+                        <a:ea typeface="Calibri" panose="020F0502020204030204" pitchFamily="34" charset="0"/>
+                        <a:cs typeface="Calibri" panose="020F0502020204030204" pitchFamily="34" charset="0"/>
+                      </a:endParaRPr>
+                    </a:p>
+                  </a:txBody>
+                  <a:tcPr marL="73025" marR="73025" marT="13970" marB="0"/>
+                </a:tc>
+                <a:tc hMerge="1">
+                  <a:txBody>
+                    <a:bodyPr/>
+                    <a:lstStyle/>
+                    <a:p>
+                      <a:endParaRPr lang="en-US"/>
+                    </a:p>
+                  </a:txBody>
+                  <a:tcPr/>
+                </a:tc>
+              </a:tr>
+              <a:tr h="81280">
+                <a:tc>
+                  <a:txBody>
+                    <a:bodyPr/>
+                    <a:lstStyle/>
+                    <a:p>
+                      <a:pPr marL="0" marR="0" indent="0" algn="l">
+                        <a:lnSpc>
+                          <a:spcPct val="107000"/>
+                        </a:lnSpc>
+                        <a:spcBef>
+                          <a:spcPts val="0"/>
+                        </a:spcBef>
+                        <a:spcAft>
+                          <a:spcPts val="800"/>
+                        </a:spcAft>
+                      </a:pPr>
+                      <a:r>
+                        <a:rPr lang="en-US" sz="1000" dirty="0">
+                          <a:effectLst/>
+                        </a:rPr>
+                        <a:t> </a:t>
+                      </a:r>
+                      <a:endParaRPr lang="en-US" sz="1000" dirty="0">
+                        <a:solidFill>
+                          <a:srgbClr val="000000"/>
+                        </a:solidFill>
+                        <a:effectLst/>
+                        <a:latin typeface="Calibri" panose="020F0502020204030204" pitchFamily="34" charset="0"/>
+                        <a:ea typeface="Calibri" panose="020F0502020204030204" pitchFamily="34" charset="0"/>
+                        <a:cs typeface="Calibri" panose="020F0502020204030204" pitchFamily="34" charset="0"/>
+                      </a:endParaRPr>
+                    </a:p>
+                  </a:txBody>
+                  <a:tcPr marL="73025" marR="73025" marT="13970" marB="0">
+                    <a:solidFill>
+                      <a:schemeClr val="bg2"/>
+                    </a:solidFill>
+                  </a:tcPr>
+                </a:tc>
+                <a:tc>
+                  <a:txBody>
+                    <a:bodyPr/>
+                    <a:lstStyle/>
+                    <a:p>
+                      <a:pPr marL="0" marR="0" indent="0" algn="l">
+                        <a:lnSpc>
+                          <a:spcPct val="107000"/>
+                        </a:lnSpc>
+                        <a:spcBef>
+                          <a:spcPts val="0"/>
+                        </a:spcBef>
+                        <a:spcAft>
+                          <a:spcPts val="800"/>
+                        </a:spcAft>
+                      </a:pPr>
+                      <a:r>
+                        <a:rPr lang="en-US" sz="1000" dirty="0">
+                          <a:effectLst/>
+                        </a:rPr>
+                        <a:t> </a:t>
+                      </a:r>
+                      <a:endParaRPr lang="en-US" sz="1000" dirty="0">
+                        <a:solidFill>
+                          <a:srgbClr val="000000"/>
+                        </a:solidFill>
+                        <a:effectLst/>
+                        <a:latin typeface="Calibri" panose="020F0502020204030204" pitchFamily="34" charset="0"/>
+                        <a:ea typeface="Calibri" panose="020F0502020204030204" pitchFamily="34" charset="0"/>
+                        <a:cs typeface="Calibri" panose="020F0502020204030204" pitchFamily="34" charset="0"/>
+                      </a:endParaRPr>
+                    </a:p>
+                  </a:txBody>
+                  <a:tcPr marL="73025" marR="73025" marT="13970" marB="0">
+                    <a:solidFill>
+                      <a:schemeClr val="bg2"/>
+                    </a:solidFill>
+                  </a:tcPr>
+                </a:tc>
+              </a:tr>
+              <a:tr h="167005">
+                <a:tc gridSpan="2">
+                  <a:txBody>
+                    <a:bodyPr/>
+                    <a:lstStyle/>
+                    <a:p>
+                      <a:pPr marL="0" marR="3175" indent="0" algn="ctr">
+                        <a:lnSpc>
+                          <a:spcPct val="107000"/>
+                        </a:lnSpc>
+                        <a:spcBef>
+                          <a:spcPts val="0"/>
+                        </a:spcBef>
+                        <a:spcAft>
+                          <a:spcPts val="0"/>
+                        </a:spcAft>
+                      </a:pPr>
+                      <a:r>
+                        <a:rPr lang="en-US" sz="850" dirty="0" err="1">
+                          <a:effectLst/>
+                        </a:rPr>
+                        <a:t>ReLU</a:t>
+                      </a:r>
+                      <a:endParaRPr lang="en-US" sz="1000" dirty="0">
+                        <a:solidFill>
+                          <a:srgbClr val="000000"/>
+                        </a:solidFill>
+                        <a:effectLst/>
+                        <a:latin typeface="Calibri" panose="020F0502020204030204" pitchFamily="34" charset="0"/>
+                        <a:ea typeface="Calibri" panose="020F0502020204030204" pitchFamily="34" charset="0"/>
+                        <a:cs typeface="Calibri" panose="020F0502020204030204" pitchFamily="34" charset="0"/>
+                      </a:endParaRPr>
+                    </a:p>
+                  </a:txBody>
+                  <a:tcPr marL="73025" marR="73025" marT="13970" marB="0"/>
+                </a:tc>
+                <a:tc hMerge="1">
+                  <a:txBody>
+                    <a:bodyPr/>
+                    <a:lstStyle/>
+                    <a:p>
+                      <a:endParaRPr lang="en-US"/>
+                    </a:p>
+                  </a:txBody>
+                  <a:tcPr/>
+                </a:tc>
+              </a:tr>
+            </a:tbl>
+          </a:graphicData>
+        </a:graphic>
+      </p:graphicFrame>
+      <p:graphicFrame>
+        <p:nvGraphicFramePr>
+          <p:cNvPr id="5" name="Table 4"/>
+          <p:cNvGraphicFramePr>
+            <a:graphicFrameLocks noGrp="1"/>
+          </p:cNvGraphicFramePr>
+          <p:nvPr>
+            <p:extLst>
+              <p:ext uri="{D42A27DB-BD31-4B8C-83A1-F6EECF244321}">
+                <p14:modId xmlns:p14="http://schemas.microsoft.com/office/powerpoint/2010/main" val="420742098"/>
+              </p:ext>
+            </p:extLst>
+          </p:nvPr>
+        </p:nvGraphicFramePr>
+        <p:xfrm>
+          <a:off x="1943574" y="1390650"/>
+          <a:ext cx="1428276" cy="1929765"/>
+        </p:xfrm>
+        <a:graphic>
+          <a:graphicData uri="http://schemas.openxmlformats.org/drawingml/2006/table">
+            <a:tbl>
+              <a:tblPr firstRow="1" firstCol="1" bandRow="1">
+                <a:tableStyleId>{5C22544A-7EE6-4342-B048-85BDC9FD1C3A}</a:tableStyleId>
+              </a:tblPr>
+              <a:tblGrid>
+                <a:gridCol w="714138"/>
+                <a:gridCol w="714138"/>
+              </a:tblGrid>
+              <a:tr h="209550">
+                <a:tc gridSpan="2">
+                  <a:txBody>
+                    <a:bodyPr/>
+                    <a:lstStyle/>
+                    <a:p>
+                      <a:pPr marL="0" marR="0" indent="0" algn="l">
+                        <a:lnSpc>
+                          <a:spcPct val="107000"/>
+                        </a:lnSpc>
+                        <a:spcBef>
+                          <a:spcPts val="0"/>
+                        </a:spcBef>
+                        <a:spcAft>
+                          <a:spcPts val="800"/>
+                        </a:spcAft>
+                      </a:pPr>
+                      <a:r>
+                        <a:rPr lang="en-US" sz="1000" dirty="0" smtClean="0">
+                          <a:solidFill>
+                            <a:schemeClr val="tx1"/>
+                          </a:solidFill>
+                          <a:effectLst/>
+                        </a:rPr>
+                        <a:t> 3x3 </a:t>
+                      </a:r>
+                      <a:r>
+                        <a:rPr lang="en-US" sz="1000" dirty="0" err="1" smtClean="0">
+                          <a:solidFill>
+                            <a:schemeClr val="tx1"/>
+                          </a:solidFill>
+                          <a:effectLst/>
+                        </a:rPr>
+                        <a:t>DepthWise</a:t>
+                      </a:r>
+                      <a:r>
+                        <a:rPr lang="en-US" sz="1000" baseline="0" dirty="0" smtClean="0">
+                          <a:solidFill>
+                            <a:schemeClr val="tx1"/>
+                          </a:solidFill>
+                          <a:effectLst/>
+                        </a:rPr>
+                        <a:t>  </a:t>
+                      </a:r>
+                      <a:r>
+                        <a:rPr lang="en-US" sz="1000" baseline="0" dirty="0" err="1" smtClean="0">
+                          <a:solidFill>
+                            <a:schemeClr val="tx1"/>
+                          </a:solidFill>
+                          <a:effectLst/>
+                        </a:rPr>
+                        <a:t>Conv</a:t>
+                      </a:r>
+                      <a:endParaRPr lang="en-US" sz="1000" dirty="0">
+                        <a:solidFill>
+                          <a:schemeClr val="tx1"/>
+                        </a:solidFill>
+                        <a:effectLst/>
+                        <a:latin typeface="Calibri" panose="020F0502020204030204" pitchFamily="34" charset="0"/>
+                        <a:ea typeface="Calibri" panose="020F0502020204030204" pitchFamily="34" charset="0"/>
+                        <a:cs typeface="Calibri" panose="020F0502020204030204" pitchFamily="34" charset="0"/>
+                      </a:endParaRPr>
+                    </a:p>
+                  </a:txBody>
+                  <a:tcPr marL="73025" marR="73025" marT="13970" marB="0"/>
+                </a:tc>
+                <a:tc hMerge="1">
+                  <a:txBody>
+                    <a:bodyPr/>
+                    <a:lstStyle/>
+                    <a:p>
+                      <a:pPr marL="0" marR="0" indent="0" algn="l">
+                        <a:lnSpc>
+                          <a:spcPct val="107000"/>
+                        </a:lnSpc>
+                        <a:spcBef>
+                          <a:spcPts val="0"/>
+                        </a:spcBef>
+                        <a:spcAft>
+                          <a:spcPts val="800"/>
+                        </a:spcAft>
+                      </a:pPr>
+                      <a:endParaRPr lang="en-US" sz="1000" dirty="0">
+                        <a:solidFill>
+                          <a:schemeClr val="tx1"/>
+                        </a:solidFill>
+                        <a:effectLst/>
+                        <a:latin typeface="Calibri" panose="020F0502020204030204" pitchFamily="34" charset="0"/>
+                        <a:ea typeface="Calibri" panose="020F0502020204030204" pitchFamily="34" charset="0"/>
+                        <a:cs typeface="Calibri" panose="020F0502020204030204" pitchFamily="34" charset="0"/>
+                      </a:endParaRPr>
+                    </a:p>
+                  </a:txBody>
+                  <a:tcPr marL="73025" marR="73025" marT="13970" marB="0"/>
+                </a:tc>
+              </a:tr>
+              <a:tr h="0">
+                <a:tc gridSpan="2">
+                  <a:txBody>
+                    <a:bodyPr/>
+                    <a:lstStyle/>
+                    <a:p>
+                      <a:pPr marL="0" marR="0" indent="0" algn="l">
+                        <a:lnSpc>
+                          <a:spcPct val="107000"/>
+                        </a:lnSpc>
+                        <a:spcBef>
+                          <a:spcPts val="0"/>
+                        </a:spcBef>
+                        <a:spcAft>
+                          <a:spcPts val="800"/>
+                        </a:spcAft>
+                      </a:pPr>
+                      <a:endParaRPr lang="en-US" sz="1000" dirty="0">
+                        <a:solidFill>
+                          <a:schemeClr val="tx1"/>
+                        </a:solidFill>
+                        <a:effectLst/>
+                        <a:latin typeface="Calibri" panose="020F0502020204030204" pitchFamily="34" charset="0"/>
+                        <a:ea typeface="Calibri" panose="020F0502020204030204" pitchFamily="34" charset="0"/>
+                        <a:cs typeface="Calibri" panose="020F0502020204030204" pitchFamily="34" charset="0"/>
+                      </a:endParaRPr>
+                    </a:p>
+                  </a:txBody>
+                  <a:tcPr marL="73025" marR="73025" marT="13970" marB="0">
+                    <a:solidFill>
+                      <a:schemeClr val="tx1"/>
+                    </a:solidFill>
+                  </a:tcPr>
+                </a:tc>
+                <a:tc hMerge="1">
+                  <a:txBody>
+                    <a:bodyPr/>
+                    <a:lstStyle/>
+                    <a:p>
+                      <a:pPr marL="0" marR="0" indent="0" algn="l">
+                        <a:lnSpc>
+                          <a:spcPct val="107000"/>
+                        </a:lnSpc>
+                        <a:spcBef>
+                          <a:spcPts val="0"/>
+                        </a:spcBef>
+                        <a:spcAft>
+                          <a:spcPts val="800"/>
+                        </a:spcAft>
+                      </a:pPr>
+                      <a:endParaRPr lang="en-US" sz="1000" dirty="0">
+                        <a:solidFill>
+                          <a:schemeClr val="tx1"/>
+                        </a:solidFill>
+                        <a:effectLst/>
+                        <a:latin typeface="Calibri" panose="020F0502020204030204" pitchFamily="34" charset="0"/>
+                        <a:ea typeface="Calibri" panose="020F0502020204030204" pitchFamily="34" charset="0"/>
+                        <a:cs typeface="Calibri" panose="020F0502020204030204" pitchFamily="34" charset="0"/>
+                      </a:endParaRPr>
+                    </a:p>
+                  </a:txBody>
+                  <a:tcPr marL="73025" marR="73025" marT="13970" marB="0"/>
+                </a:tc>
+              </a:tr>
+              <a:tr h="167005">
+                <a:tc gridSpan="2">
+                  <a:txBody>
+                    <a:bodyPr/>
+                    <a:lstStyle/>
+                    <a:p>
+                      <a:pPr marL="0" marR="8890" indent="0" algn="ctr">
+                        <a:lnSpc>
+                          <a:spcPct val="107000"/>
+                        </a:lnSpc>
+                        <a:spcBef>
+                          <a:spcPts val="0"/>
+                        </a:spcBef>
+                        <a:spcAft>
+                          <a:spcPts val="0"/>
+                        </a:spcAft>
+                      </a:pPr>
+                      <a:r>
+                        <a:rPr lang="en-US" sz="850">
+                          <a:effectLst/>
+                        </a:rPr>
+                        <a:t>BN</a:t>
+                      </a:r>
+                      <a:endParaRPr lang="en-US" sz="1000">
+                        <a:solidFill>
+                          <a:srgbClr val="000000"/>
+                        </a:solidFill>
+                        <a:effectLst/>
+                        <a:latin typeface="Calibri" panose="020F0502020204030204" pitchFamily="34" charset="0"/>
+                        <a:ea typeface="Calibri" panose="020F0502020204030204" pitchFamily="34" charset="0"/>
+                        <a:cs typeface="Calibri" panose="020F0502020204030204" pitchFamily="34" charset="0"/>
+                      </a:endParaRPr>
+                    </a:p>
+                  </a:txBody>
+                  <a:tcPr marL="73025" marR="73025" marT="13970" marB="0"/>
+                </a:tc>
+                <a:tc hMerge="1">
+                  <a:txBody>
+                    <a:bodyPr/>
+                    <a:lstStyle/>
+                    <a:p>
+                      <a:endParaRPr lang="en-US"/>
+                    </a:p>
+                  </a:txBody>
+                  <a:tcPr/>
+                </a:tc>
+              </a:tr>
+              <a:tr h="81280">
+                <a:tc>
+                  <a:txBody>
+                    <a:bodyPr/>
+                    <a:lstStyle/>
+                    <a:p>
+                      <a:pPr marL="0" marR="0" indent="0" algn="l">
+                        <a:lnSpc>
+                          <a:spcPct val="107000"/>
+                        </a:lnSpc>
+                        <a:spcBef>
+                          <a:spcPts val="0"/>
+                        </a:spcBef>
+                        <a:spcAft>
+                          <a:spcPts val="800"/>
+                        </a:spcAft>
+                      </a:pPr>
+                      <a:r>
+                        <a:rPr lang="en-US" sz="1000" dirty="0" smtClean="0">
+                          <a:effectLst/>
+                        </a:rPr>
+                        <a:t> </a:t>
+                      </a:r>
+                      <a:endParaRPr lang="en-US" sz="1000" dirty="0">
+                        <a:solidFill>
+                          <a:srgbClr val="000000"/>
+                        </a:solidFill>
+                        <a:effectLst/>
+                        <a:latin typeface="Calibri" panose="020F0502020204030204" pitchFamily="34" charset="0"/>
+                        <a:ea typeface="Calibri" panose="020F0502020204030204" pitchFamily="34" charset="0"/>
+                        <a:cs typeface="Calibri" panose="020F0502020204030204" pitchFamily="34" charset="0"/>
+                      </a:endParaRPr>
+                    </a:p>
+                  </a:txBody>
+                  <a:tcPr marL="73025" marR="73025" marT="13970" marB="0">
+                    <a:solidFill>
+                      <a:schemeClr val="tx1"/>
+                    </a:solidFill>
+                  </a:tcPr>
+                </a:tc>
+                <a:tc>
+                  <a:txBody>
+                    <a:bodyPr/>
+                    <a:lstStyle/>
+                    <a:p>
+                      <a:pPr marL="0" marR="0" indent="0" algn="l">
+                        <a:lnSpc>
+                          <a:spcPct val="107000"/>
+                        </a:lnSpc>
+                        <a:spcBef>
+                          <a:spcPts val="0"/>
+                        </a:spcBef>
+                        <a:spcAft>
+                          <a:spcPts val="800"/>
+                        </a:spcAft>
+                      </a:pPr>
+                      <a:r>
+                        <a:rPr lang="en-US" sz="1000" dirty="0" smtClean="0">
+                          <a:effectLst/>
+                        </a:rPr>
+                        <a:t> </a:t>
+                      </a:r>
+                      <a:endParaRPr lang="en-US" sz="1000" dirty="0">
+                        <a:solidFill>
+                          <a:srgbClr val="000000"/>
+                        </a:solidFill>
+                        <a:effectLst/>
+                        <a:latin typeface="Calibri" panose="020F0502020204030204" pitchFamily="34" charset="0"/>
+                        <a:ea typeface="Calibri" panose="020F0502020204030204" pitchFamily="34" charset="0"/>
+                        <a:cs typeface="Calibri" panose="020F0502020204030204" pitchFamily="34" charset="0"/>
+                      </a:endParaRPr>
+                    </a:p>
+                  </a:txBody>
+                  <a:tcPr marL="73025" marR="73025" marT="13970" marB="0">
+                    <a:solidFill>
+                      <a:schemeClr val="tx1"/>
+                    </a:solidFill>
+                  </a:tcPr>
+                </a:tc>
+              </a:tr>
+              <a:tr h="167005">
+                <a:tc gridSpan="2">
+                  <a:txBody>
+                    <a:bodyPr/>
+                    <a:lstStyle/>
+                    <a:p>
+                      <a:pPr marL="0" marR="3175" indent="0" algn="ctr">
+                        <a:lnSpc>
+                          <a:spcPct val="107000"/>
+                        </a:lnSpc>
+                        <a:spcBef>
+                          <a:spcPts val="0"/>
+                        </a:spcBef>
+                        <a:spcAft>
+                          <a:spcPts val="0"/>
+                        </a:spcAft>
+                      </a:pPr>
+                      <a:r>
+                        <a:rPr lang="en-US" sz="850">
+                          <a:effectLst/>
+                        </a:rPr>
+                        <a:t>ReLU</a:t>
+                      </a:r>
+                      <a:endParaRPr lang="en-US" sz="1000">
+                        <a:solidFill>
+                          <a:srgbClr val="000000"/>
+                        </a:solidFill>
+                        <a:effectLst/>
+                        <a:latin typeface="Calibri" panose="020F0502020204030204" pitchFamily="34" charset="0"/>
+                        <a:ea typeface="Calibri" panose="020F0502020204030204" pitchFamily="34" charset="0"/>
+                        <a:cs typeface="Calibri" panose="020F0502020204030204" pitchFamily="34" charset="0"/>
+                      </a:endParaRPr>
+                    </a:p>
+                  </a:txBody>
+                  <a:tcPr marL="73025" marR="73025" marT="13970" marB="0"/>
+                </a:tc>
+                <a:tc hMerge="1">
+                  <a:txBody>
+                    <a:bodyPr/>
+                    <a:lstStyle/>
+                    <a:p>
+                      <a:endParaRPr lang="en-US"/>
+                    </a:p>
+                  </a:txBody>
+                  <a:tcPr/>
+                </a:tc>
+              </a:tr>
+              <a:tr h="81280">
+                <a:tc>
+                  <a:txBody>
+                    <a:bodyPr/>
+                    <a:lstStyle/>
+                    <a:p>
+                      <a:pPr marL="0" marR="0" indent="0" algn="l">
+                        <a:lnSpc>
+                          <a:spcPct val="107000"/>
+                        </a:lnSpc>
+                        <a:spcBef>
+                          <a:spcPts val="0"/>
+                        </a:spcBef>
+                        <a:spcAft>
+                          <a:spcPts val="800"/>
+                        </a:spcAft>
+                      </a:pPr>
+                      <a:r>
+                        <a:rPr lang="en-US" sz="1000" dirty="0">
+                          <a:effectLst/>
+                        </a:rPr>
+                        <a:t> </a:t>
+                      </a:r>
+                      <a:endParaRPr lang="en-US" sz="1000" dirty="0">
+                        <a:solidFill>
+                          <a:srgbClr val="000000"/>
+                        </a:solidFill>
+                        <a:effectLst/>
+                        <a:latin typeface="Calibri" panose="020F0502020204030204" pitchFamily="34" charset="0"/>
+                        <a:ea typeface="Calibri" panose="020F0502020204030204" pitchFamily="34" charset="0"/>
+                        <a:cs typeface="Calibri" panose="020F0502020204030204" pitchFamily="34" charset="0"/>
+                      </a:endParaRPr>
+                    </a:p>
+                  </a:txBody>
+                  <a:tcPr marL="73025" marR="73025" marT="13970" marB="0">
+                    <a:solidFill>
+                      <a:schemeClr val="tx1"/>
+                    </a:solidFill>
+                  </a:tcPr>
+                </a:tc>
+                <a:tc>
+                  <a:txBody>
+                    <a:bodyPr/>
+                    <a:lstStyle/>
+                    <a:p>
+                      <a:pPr marL="0" marR="0" indent="0" algn="l">
+                        <a:lnSpc>
+                          <a:spcPct val="107000"/>
+                        </a:lnSpc>
+                        <a:spcBef>
+                          <a:spcPts val="0"/>
+                        </a:spcBef>
+                        <a:spcAft>
+                          <a:spcPts val="800"/>
+                        </a:spcAft>
+                      </a:pPr>
+                      <a:r>
+                        <a:rPr lang="en-US" sz="1000" dirty="0">
+                          <a:effectLst/>
+                        </a:rPr>
+                        <a:t> </a:t>
+                      </a:r>
+                      <a:endParaRPr lang="en-US" sz="1000" dirty="0">
+                        <a:solidFill>
+                          <a:srgbClr val="000000"/>
+                        </a:solidFill>
+                        <a:effectLst/>
+                        <a:latin typeface="Calibri" panose="020F0502020204030204" pitchFamily="34" charset="0"/>
+                        <a:ea typeface="Calibri" panose="020F0502020204030204" pitchFamily="34" charset="0"/>
+                        <a:cs typeface="Calibri" panose="020F0502020204030204" pitchFamily="34" charset="0"/>
+                      </a:endParaRPr>
+                    </a:p>
+                  </a:txBody>
+                  <a:tcPr marL="73025" marR="73025" marT="13970" marB="0">
+                    <a:solidFill>
+                      <a:schemeClr val="tx1"/>
+                    </a:solidFill>
+                  </a:tcPr>
+                </a:tc>
+              </a:tr>
+              <a:tr h="167005">
+                <a:tc gridSpan="2">
+                  <a:txBody>
+                    <a:bodyPr/>
+                    <a:lstStyle/>
+                    <a:p>
+                      <a:pPr marL="0" marR="3810" indent="0" algn="ctr">
+                        <a:lnSpc>
+                          <a:spcPct val="107000"/>
+                        </a:lnSpc>
+                        <a:spcBef>
+                          <a:spcPts val="0"/>
+                        </a:spcBef>
+                        <a:spcAft>
+                          <a:spcPts val="0"/>
+                        </a:spcAft>
+                      </a:pPr>
+                      <a:r>
+                        <a:rPr lang="en-US" sz="850">
+                          <a:effectLst/>
+                        </a:rPr>
+                        <a:t>1x1 Conv</a:t>
+                      </a:r>
+                      <a:endParaRPr lang="en-US" sz="1000">
+                        <a:solidFill>
+                          <a:srgbClr val="000000"/>
+                        </a:solidFill>
+                        <a:effectLst/>
+                        <a:latin typeface="Calibri" panose="020F0502020204030204" pitchFamily="34" charset="0"/>
+                        <a:ea typeface="Calibri" panose="020F0502020204030204" pitchFamily="34" charset="0"/>
+                        <a:cs typeface="Calibri" panose="020F0502020204030204" pitchFamily="34" charset="0"/>
+                      </a:endParaRPr>
+                    </a:p>
+                  </a:txBody>
+                  <a:tcPr marL="73025" marR="73025" marT="13970" marB="0"/>
+                </a:tc>
+                <a:tc hMerge="1">
+                  <a:txBody>
+                    <a:bodyPr/>
+                    <a:lstStyle/>
+                    <a:p>
+                      <a:endParaRPr lang="en-US"/>
+                    </a:p>
+                  </a:txBody>
+                  <a:tcPr/>
+                </a:tc>
+              </a:tr>
+              <a:tr h="81280">
+                <a:tc>
+                  <a:txBody>
+                    <a:bodyPr/>
+                    <a:lstStyle/>
+                    <a:p>
+                      <a:pPr marL="0" marR="0" indent="0" algn="l">
+                        <a:lnSpc>
+                          <a:spcPct val="107000"/>
+                        </a:lnSpc>
+                        <a:spcBef>
+                          <a:spcPts val="0"/>
+                        </a:spcBef>
+                        <a:spcAft>
+                          <a:spcPts val="800"/>
+                        </a:spcAft>
+                      </a:pPr>
+                      <a:r>
+                        <a:rPr lang="en-US" sz="1000" dirty="0">
+                          <a:effectLst/>
+                        </a:rPr>
+                        <a:t> </a:t>
+                      </a:r>
+                      <a:endParaRPr lang="en-US" sz="1000" dirty="0">
+                        <a:solidFill>
+                          <a:srgbClr val="000000"/>
+                        </a:solidFill>
+                        <a:effectLst/>
+                        <a:latin typeface="Calibri" panose="020F0502020204030204" pitchFamily="34" charset="0"/>
+                        <a:ea typeface="Calibri" panose="020F0502020204030204" pitchFamily="34" charset="0"/>
+                        <a:cs typeface="Calibri" panose="020F0502020204030204" pitchFamily="34" charset="0"/>
+                      </a:endParaRPr>
+                    </a:p>
+                  </a:txBody>
+                  <a:tcPr marL="73025" marR="73025" marT="13970" marB="0">
+                    <a:solidFill>
+                      <a:schemeClr val="tx1"/>
+                    </a:solidFill>
+                  </a:tcPr>
+                </a:tc>
+                <a:tc>
+                  <a:txBody>
+                    <a:bodyPr/>
+                    <a:lstStyle/>
+                    <a:p>
+                      <a:pPr marL="0" marR="0" indent="0" algn="l">
+                        <a:lnSpc>
+                          <a:spcPct val="107000"/>
+                        </a:lnSpc>
+                        <a:spcBef>
+                          <a:spcPts val="0"/>
+                        </a:spcBef>
+                        <a:spcAft>
+                          <a:spcPts val="800"/>
+                        </a:spcAft>
+                      </a:pPr>
+                      <a:r>
+                        <a:rPr lang="en-US" sz="1000" dirty="0">
+                          <a:effectLst/>
+                        </a:rPr>
+                        <a:t> </a:t>
+                      </a:r>
+                      <a:endParaRPr lang="en-US" sz="1000" dirty="0">
+                        <a:solidFill>
+                          <a:srgbClr val="000000"/>
+                        </a:solidFill>
+                        <a:effectLst/>
+                        <a:latin typeface="Calibri" panose="020F0502020204030204" pitchFamily="34" charset="0"/>
+                        <a:ea typeface="Calibri" panose="020F0502020204030204" pitchFamily="34" charset="0"/>
+                        <a:cs typeface="Calibri" panose="020F0502020204030204" pitchFamily="34" charset="0"/>
+                      </a:endParaRPr>
+                    </a:p>
+                  </a:txBody>
+                  <a:tcPr marL="73025" marR="73025" marT="13970" marB="0">
+                    <a:solidFill>
+                      <a:schemeClr val="tx1"/>
+                    </a:solidFill>
+                  </a:tcPr>
+                </a:tc>
+              </a:tr>
+              <a:tr h="167005">
+                <a:tc gridSpan="2">
+                  <a:txBody>
+                    <a:bodyPr/>
+                    <a:lstStyle/>
+                    <a:p>
+                      <a:pPr marL="0" marR="8890" indent="0" algn="ctr">
+                        <a:lnSpc>
+                          <a:spcPct val="107000"/>
+                        </a:lnSpc>
+                        <a:spcBef>
+                          <a:spcPts val="0"/>
+                        </a:spcBef>
+                        <a:spcAft>
+                          <a:spcPts val="0"/>
+                        </a:spcAft>
+                      </a:pPr>
+                      <a:r>
+                        <a:rPr lang="en-US" sz="850">
+                          <a:effectLst/>
+                        </a:rPr>
+                        <a:t>BN</a:t>
+                      </a:r>
+                      <a:endParaRPr lang="en-US" sz="1000">
+                        <a:solidFill>
+                          <a:srgbClr val="000000"/>
+                        </a:solidFill>
+                        <a:effectLst/>
+                        <a:latin typeface="Calibri" panose="020F0502020204030204" pitchFamily="34" charset="0"/>
+                        <a:ea typeface="Calibri" panose="020F0502020204030204" pitchFamily="34" charset="0"/>
+                        <a:cs typeface="Calibri" panose="020F0502020204030204" pitchFamily="34" charset="0"/>
+                      </a:endParaRPr>
+                    </a:p>
+                  </a:txBody>
+                  <a:tcPr marL="73025" marR="73025" marT="13970" marB="0"/>
+                </a:tc>
+                <a:tc hMerge="1">
+                  <a:txBody>
+                    <a:bodyPr/>
+                    <a:lstStyle/>
+                    <a:p>
+                      <a:endParaRPr lang="en-US"/>
+                    </a:p>
+                  </a:txBody>
+                  <a:tcPr/>
+                </a:tc>
+              </a:tr>
+              <a:tr h="81280">
+                <a:tc>
+                  <a:txBody>
+                    <a:bodyPr/>
+                    <a:lstStyle/>
+                    <a:p>
+                      <a:pPr marL="0" marR="0" indent="0" algn="l">
+                        <a:lnSpc>
+                          <a:spcPct val="107000"/>
+                        </a:lnSpc>
+                        <a:spcBef>
+                          <a:spcPts val="0"/>
+                        </a:spcBef>
+                        <a:spcAft>
+                          <a:spcPts val="800"/>
+                        </a:spcAft>
+                      </a:pPr>
+                      <a:r>
+                        <a:rPr lang="en-US" sz="1000" dirty="0">
+                          <a:effectLst/>
+                        </a:rPr>
+                        <a:t> </a:t>
+                      </a:r>
+                      <a:endParaRPr lang="en-US" sz="1000" dirty="0">
+                        <a:solidFill>
+                          <a:srgbClr val="000000"/>
+                        </a:solidFill>
+                        <a:effectLst/>
+                        <a:latin typeface="Calibri" panose="020F0502020204030204" pitchFamily="34" charset="0"/>
+                        <a:ea typeface="Calibri" panose="020F0502020204030204" pitchFamily="34" charset="0"/>
+                        <a:cs typeface="Calibri" panose="020F0502020204030204" pitchFamily="34" charset="0"/>
+                      </a:endParaRPr>
+                    </a:p>
+                  </a:txBody>
+                  <a:tcPr marL="73025" marR="73025" marT="13970" marB="0">
+                    <a:solidFill>
+                      <a:schemeClr val="tx1"/>
+                    </a:solidFill>
+                  </a:tcPr>
+                </a:tc>
+                <a:tc>
+                  <a:txBody>
+                    <a:bodyPr/>
+                    <a:lstStyle/>
+                    <a:p>
+                      <a:pPr marL="0" marR="0" indent="0" algn="l">
+                        <a:lnSpc>
+                          <a:spcPct val="107000"/>
+                        </a:lnSpc>
+                        <a:spcBef>
+                          <a:spcPts val="0"/>
+                        </a:spcBef>
+                        <a:spcAft>
+                          <a:spcPts val="800"/>
+                        </a:spcAft>
+                      </a:pPr>
+                      <a:r>
+                        <a:rPr lang="en-US" sz="1000" dirty="0">
+                          <a:effectLst/>
+                        </a:rPr>
+                        <a:t> </a:t>
+                      </a:r>
+                      <a:endParaRPr lang="en-US" sz="1000" dirty="0">
+                        <a:solidFill>
+                          <a:srgbClr val="000000"/>
+                        </a:solidFill>
+                        <a:effectLst/>
+                        <a:latin typeface="Calibri" panose="020F0502020204030204" pitchFamily="34" charset="0"/>
+                        <a:ea typeface="Calibri" panose="020F0502020204030204" pitchFamily="34" charset="0"/>
+                        <a:cs typeface="Calibri" panose="020F0502020204030204" pitchFamily="34" charset="0"/>
+                      </a:endParaRPr>
+                    </a:p>
+                  </a:txBody>
+                  <a:tcPr marL="73025" marR="73025" marT="13970" marB="0">
+                    <a:solidFill>
+                      <a:schemeClr val="tx1"/>
+                    </a:solidFill>
+                  </a:tcPr>
+                </a:tc>
+              </a:tr>
+              <a:tr h="167005">
+                <a:tc gridSpan="2">
+                  <a:txBody>
+                    <a:bodyPr/>
+                    <a:lstStyle/>
+                    <a:p>
+                      <a:pPr marL="0" marR="3175" indent="0" algn="ctr">
+                        <a:lnSpc>
+                          <a:spcPct val="107000"/>
+                        </a:lnSpc>
+                        <a:spcBef>
+                          <a:spcPts val="0"/>
+                        </a:spcBef>
+                        <a:spcAft>
+                          <a:spcPts val="0"/>
+                        </a:spcAft>
+                      </a:pPr>
+                      <a:r>
+                        <a:rPr lang="en-US" sz="850" dirty="0" err="1">
+                          <a:effectLst/>
+                        </a:rPr>
+                        <a:t>ReLU</a:t>
+                      </a:r>
+                      <a:endParaRPr lang="en-US" sz="1000" dirty="0">
+                        <a:solidFill>
+                          <a:srgbClr val="000000"/>
+                        </a:solidFill>
+                        <a:effectLst/>
+                        <a:latin typeface="Calibri" panose="020F0502020204030204" pitchFamily="34" charset="0"/>
+                        <a:ea typeface="Calibri" panose="020F0502020204030204" pitchFamily="34" charset="0"/>
+                        <a:cs typeface="Calibri" panose="020F0502020204030204" pitchFamily="34" charset="0"/>
+                      </a:endParaRPr>
+                    </a:p>
+                  </a:txBody>
+                  <a:tcPr marL="73025" marR="73025" marT="13970" marB="0"/>
+                </a:tc>
+                <a:tc hMerge="1">
+                  <a:txBody>
+                    <a:bodyPr/>
+                    <a:lstStyle/>
+                    <a:p>
+                      <a:endParaRPr lang="en-US"/>
+                    </a:p>
+                  </a:txBody>
+                  <a:tcPr/>
+                </a:tc>
+              </a:tr>
+            </a:tbl>
+          </a:graphicData>
+        </a:graphic>
+      </p:graphicFrame>
+      <p:graphicFrame>
+        <p:nvGraphicFramePr>
+          <p:cNvPr id="6" name="Table 5"/>
+          <p:cNvGraphicFramePr>
+            <a:graphicFrameLocks noGrp="1"/>
+          </p:cNvGraphicFramePr>
+          <p:nvPr>
+            <p:extLst>
+              <p:ext uri="{D42A27DB-BD31-4B8C-83A1-F6EECF244321}">
+                <p14:modId xmlns:p14="http://schemas.microsoft.com/office/powerpoint/2010/main" val="2722171482"/>
+              </p:ext>
+            </p:extLst>
+          </p:nvPr>
+        </p:nvGraphicFramePr>
+        <p:xfrm>
+          <a:off x="6115676" y="638174"/>
+          <a:ext cx="5026500" cy="5000634"/>
+        </p:xfrm>
+        <a:graphic>
+          <a:graphicData uri="http://schemas.openxmlformats.org/drawingml/2006/table">
+            <a:tbl>
+              <a:tblPr firstRow="1" firstCol="1" bandRow="1">
+                <a:tableStyleId>{5C22544A-7EE6-4342-B048-85BDC9FD1C3A}</a:tableStyleId>
+              </a:tblPr>
+              <a:tblGrid>
+                <a:gridCol w="1575951"/>
+                <a:gridCol w="1944425"/>
+                <a:gridCol w="1506124"/>
+              </a:tblGrid>
+              <a:tr h="219576">
+                <a:tc>
+                  <a:txBody>
+                    <a:bodyPr/>
+                    <a:lstStyle/>
+                    <a:p>
+                      <a:pPr marL="0" marR="0" indent="0" algn="l">
+                        <a:lnSpc>
+                          <a:spcPct val="107000"/>
+                        </a:lnSpc>
+                        <a:spcBef>
+                          <a:spcPts val="0"/>
+                        </a:spcBef>
+                        <a:spcAft>
+                          <a:spcPts val="0"/>
+                        </a:spcAft>
+                      </a:pPr>
+                      <a:r>
+                        <a:rPr lang="en-US" sz="900" dirty="0">
+                          <a:effectLst/>
+                        </a:rPr>
+                        <a:t>Type / Stride</a:t>
+                      </a:r>
+                      <a:endParaRPr lang="en-US" sz="1000" dirty="0">
+                        <a:solidFill>
+                          <a:srgbClr val="000000"/>
+                        </a:solidFill>
+                        <a:effectLst/>
+                        <a:latin typeface="Calibri" panose="020F0502020204030204" pitchFamily="34" charset="0"/>
+                        <a:ea typeface="Calibri" panose="020F0502020204030204" pitchFamily="34" charset="0"/>
+                        <a:cs typeface="Calibri" panose="020F0502020204030204" pitchFamily="34" charset="0"/>
+                      </a:endParaRPr>
+                    </a:p>
+                  </a:txBody>
+                  <a:tcPr marL="69850" marR="69850" marT="15875" marB="0"/>
+                </a:tc>
+                <a:tc>
+                  <a:txBody>
+                    <a:bodyPr/>
+                    <a:lstStyle/>
+                    <a:p>
+                      <a:pPr marL="0" marR="0" indent="0" algn="l">
+                        <a:lnSpc>
+                          <a:spcPct val="107000"/>
+                        </a:lnSpc>
+                        <a:spcBef>
+                          <a:spcPts val="0"/>
+                        </a:spcBef>
+                        <a:spcAft>
+                          <a:spcPts val="0"/>
+                        </a:spcAft>
+                      </a:pPr>
+                      <a:r>
+                        <a:rPr lang="en-US" sz="900">
+                          <a:effectLst/>
+                        </a:rPr>
+                        <a:t>Filter Shape</a:t>
+                      </a:r>
+                      <a:endParaRPr lang="en-US" sz="1000">
+                        <a:solidFill>
+                          <a:srgbClr val="000000"/>
+                        </a:solidFill>
+                        <a:effectLst/>
+                        <a:latin typeface="Calibri" panose="020F0502020204030204" pitchFamily="34" charset="0"/>
+                        <a:ea typeface="Calibri" panose="020F0502020204030204" pitchFamily="34" charset="0"/>
+                        <a:cs typeface="Calibri" panose="020F0502020204030204" pitchFamily="34" charset="0"/>
+                      </a:endParaRPr>
+                    </a:p>
+                  </a:txBody>
+                  <a:tcPr marL="69850" marR="69850" marT="15875" marB="0"/>
+                </a:tc>
+                <a:tc>
+                  <a:txBody>
+                    <a:bodyPr/>
+                    <a:lstStyle/>
+                    <a:p>
+                      <a:pPr marL="0" marR="0" indent="0" algn="l">
+                        <a:lnSpc>
+                          <a:spcPct val="107000"/>
+                        </a:lnSpc>
+                        <a:spcBef>
+                          <a:spcPts val="0"/>
+                        </a:spcBef>
+                        <a:spcAft>
+                          <a:spcPts val="0"/>
+                        </a:spcAft>
+                      </a:pPr>
+                      <a:r>
+                        <a:rPr lang="en-US" sz="900">
+                          <a:effectLst/>
+                        </a:rPr>
+                        <a:t>Input Size</a:t>
+                      </a:r>
+                      <a:endParaRPr lang="en-US" sz="1000">
+                        <a:solidFill>
+                          <a:srgbClr val="000000"/>
+                        </a:solidFill>
+                        <a:effectLst/>
+                        <a:latin typeface="Calibri" panose="020F0502020204030204" pitchFamily="34" charset="0"/>
+                        <a:ea typeface="Calibri" panose="020F0502020204030204" pitchFamily="34" charset="0"/>
+                        <a:cs typeface="Calibri" panose="020F0502020204030204" pitchFamily="34" charset="0"/>
+                      </a:endParaRPr>
+                    </a:p>
+                  </a:txBody>
+                  <a:tcPr marL="69850" marR="69850" marT="15875" marB="0"/>
+                </a:tc>
+              </a:tr>
+              <a:tr h="200721">
+                <a:tc>
+                  <a:txBody>
+                    <a:bodyPr/>
+                    <a:lstStyle/>
+                    <a:p>
+                      <a:pPr marL="0" marR="0" indent="0" algn="l">
+                        <a:lnSpc>
+                          <a:spcPct val="107000"/>
+                        </a:lnSpc>
+                        <a:spcBef>
+                          <a:spcPts val="0"/>
+                        </a:spcBef>
+                        <a:spcAft>
+                          <a:spcPts val="0"/>
+                        </a:spcAft>
+                      </a:pPr>
+                      <a:r>
+                        <a:rPr lang="en-US" sz="900" dirty="0" err="1">
+                          <a:effectLst/>
+                        </a:rPr>
+                        <a:t>Conv</a:t>
+                      </a:r>
+                      <a:r>
+                        <a:rPr lang="en-US" sz="900" dirty="0">
+                          <a:effectLst/>
+                        </a:rPr>
+                        <a:t> / s2</a:t>
+                      </a:r>
+                      <a:endParaRPr lang="en-US" sz="1000" dirty="0">
+                        <a:solidFill>
+                          <a:srgbClr val="000000"/>
+                        </a:solidFill>
+                        <a:effectLst/>
+                        <a:latin typeface="Calibri" panose="020F0502020204030204" pitchFamily="34" charset="0"/>
+                        <a:ea typeface="Calibri" panose="020F0502020204030204" pitchFamily="34" charset="0"/>
+                        <a:cs typeface="Calibri" panose="020F0502020204030204" pitchFamily="34" charset="0"/>
+                      </a:endParaRPr>
+                    </a:p>
+                  </a:txBody>
+                  <a:tcPr marL="69850" marR="69850" marT="15875" marB="0"/>
+                </a:tc>
+                <a:tc>
+                  <a:txBody>
+                    <a:bodyPr/>
+                    <a:lstStyle/>
+                    <a:p>
+                      <a:pPr marL="0" marR="0" indent="0" algn="l">
+                        <a:lnSpc>
+                          <a:spcPct val="107000"/>
+                        </a:lnSpc>
+                        <a:spcBef>
+                          <a:spcPts val="0"/>
+                        </a:spcBef>
+                        <a:spcAft>
+                          <a:spcPts val="0"/>
+                        </a:spcAft>
+                      </a:pPr>
+                      <a:r>
+                        <a:rPr lang="en-US" sz="900" dirty="0">
+                          <a:effectLst/>
+                        </a:rPr>
+                        <a:t>3×3×3×32</a:t>
+                      </a:r>
+                      <a:endParaRPr lang="en-US" sz="1000" dirty="0">
+                        <a:solidFill>
+                          <a:srgbClr val="000000"/>
+                        </a:solidFill>
+                        <a:effectLst/>
+                        <a:latin typeface="Calibri" panose="020F0502020204030204" pitchFamily="34" charset="0"/>
+                        <a:ea typeface="Calibri" panose="020F0502020204030204" pitchFamily="34" charset="0"/>
+                        <a:cs typeface="Calibri" panose="020F0502020204030204" pitchFamily="34" charset="0"/>
+                      </a:endParaRPr>
+                    </a:p>
+                  </a:txBody>
+                  <a:tcPr marL="69850" marR="69850" marT="15875" marB="0"/>
+                </a:tc>
+                <a:tc>
+                  <a:txBody>
+                    <a:bodyPr/>
+                    <a:lstStyle/>
+                    <a:p>
+                      <a:pPr marL="0" marR="0" indent="0" algn="l">
+                        <a:lnSpc>
+                          <a:spcPct val="107000"/>
+                        </a:lnSpc>
+                        <a:spcBef>
+                          <a:spcPts val="0"/>
+                        </a:spcBef>
+                        <a:spcAft>
+                          <a:spcPts val="0"/>
+                        </a:spcAft>
+                      </a:pPr>
+                      <a:r>
+                        <a:rPr lang="en-US" sz="900">
+                          <a:effectLst/>
+                        </a:rPr>
+                        <a:t>224×224×3</a:t>
+                      </a:r>
+                      <a:endParaRPr lang="en-US" sz="1000">
+                        <a:solidFill>
+                          <a:srgbClr val="000000"/>
+                        </a:solidFill>
+                        <a:effectLst/>
+                        <a:latin typeface="Calibri" panose="020F0502020204030204" pitchFamily="34" charset="0"/>
+                        <a:ea typeface="Calibri" panose="020F0502020204030204" pitchFamily="34" charset="0"/>
+                        <a:cs typeface="Calibri" panose="020F0502020204030204" pitchFamily="34" charset="0"/>
+                      </a:endParaRPr>
+                    </a:p>
+                  </a:txBody>
+                  <a:tcPr marL="69850" marR="69850" marT="15875" marB="0"/>
+                </a:tc>
+              </a:tr>
+              <a:tr h="200721">
+                <a:tc>
+                  <a:txBody>
+                    <a:bodyPr/>
+                    <a:lstStyle/>
+                    <a:p>
+                      <a:pPr marL="0" marR="0" indent="0" algn="l">
+                        <a:lnSpc>
+                          <a:spcPct val="107000"/>
+                        </a:lnSpc>
+                        <a:spcBef>
+                          <a:spcPts val="0"/>
+                        </a:spcBef>
+                        <a:spcAft>
+                          <a:spcPts val="0"/>
+                        </a:spcAft>
+                      </a:pPr>
+                      <a:r>
+                        <a:rPr lang="en-US" sz="900">
+                          <a:effectLst/>
+                        </a:rPr>
+                        <a:t>Conv dw / s1</a:t>
+                      </a:r>
+                      <a:endParaRPr lang="en-US" sz="1000">
+                        <a:solidFill>
+                          <a:srgbClr val="000000"/>
+                        </a:solidFill>
+                        <a:effectLst/>
+                        <a:latin typeface="Calibri" panose="020F0502020204030204" pitchFamily="34" charset="0"/>
+                        <a:ea typeface="Calibri" panose="020F0502020204030204" pitchFamily="34" charset="0"/>
+                        <a:cs typeface="Calibri" panose="020F0502020204030204" pitchFamily="34" charset="0"/>
+                      </a:endParaRPr>
+                    </a:p>
+                  </a:txBody>
+                  <a:tcPr marL="69850" marR="69850" marT="15875" marB="0"/>
+                </a:tc>
+                <a:tc>
+                  <a:txBody>
+                    <a:bodyPr/>
+                    <a:lstStyle/>
+                    <a:p>
+                      <a:pPr marL="0" marR="0" indent="0" algn="l">
+                        <a:lnSpc>
+                          <a:spcPct val="107000"/>
+                        </a:lnSpc>
+                        <a:spcBef>
+                          <a:spcPts val="0"/>
+                        </a:spcBef>
+                        <a:spcAft>
+                          <a:spcPts val="0"/>
+                        </a:spcAft>
+                      </a:pPr>
+                      <a:r>
+                        <a:rPr lang="en-US" sz="900" dirty="0">
+                          <a:effectLst/>
+                        </a:rPr>
+                        <a:t>3×3×32 </a:t>
+                      </a:r>
+                      <a:r>
+                        <a:rPr lang="en-US" sz="900" dirty="0" err="1">
+                          <a:effectLst/>
+                        </a:rPr>
+                        <a:t>dw</a:t>
+                      </a:r>
+                      <a:endParaRPr lang="en-US" sz="1000" dirty="0">
+                        <a:solidFill>
+                          <a:srgbClr val="000000"/>
+                        </a:solidFill>
+                        <a:effectLst/>
+                        <a:latin typeface="Calibri" panose="020F0502020204030204" pitchFamily="34" charset="0"/>
+                        <a:ea typeface="Calibri" panose="020F0502020204030204" pitchFamily="34" charset="0"/>
+                        <a:cs typeface="Calibri" panose="020F0502020204030204" pitchFamily="34" charset="0"/>
+                      </a:endParaRPr>
+                    </a:p>
+                  </a:txBody>
+                  <a:tcPr marL="69850" marR="69850" marT="15875" marB="0"/>
+                </a:tc>
+                <a:tc>
+                  <a:txBody>
+                    <a:bodyPr/>
+                    <a:lstStyle/>
+                    <a:p>
+                      <a:pPr marL="0" marR="0" indent="0" algn="l">
+                        <a:lnSpc>
+                          <a:spcPct val="107000"/>
+                        </a:lnSpc>
+                        <a:spcBef>
+                          <a:spcPts val="0"/>
+                        </a:spcBef>
+                        <a:spcAft>
+                          <a:spcPts val="0"/>
+                        </a:spcAft>
+                      </a:pPr>
+                      <a:r>
+                        <a:rPr lang="en-US" sz="900">
+                          <a:effectLst/>
+                        </a:rPr>
+                        <a:t>112×112×32</a:t>
+                      </a:r>
+                      <a:endParaRPr lang="en-US" sz="1000">
+                        <a:solidFill>
+                          <a:srgbClr val="000000"/>
+                        </a:solidFill>
+                        <a:effectLst/>
+                        <a:latin typeface="Calibri" panose="020F0502020204030204" pitchFamily="34" charset="0"/>
+                        <a:ea typeface="Calibri" panose="020F0502020204030204" pitchFamily="34" charset="0"/>
+                        <a:cs typeface="Calibri" panose="020F0502020204030204" pitchFamily="34" charset="0"/>
+                      </a:endParaRPr>
+                    </a:p>
+                  </a:txBody>
+                  <a:tcPr marL="69850" marR="69850" marT="15875" marB="0"/>
+                </a:tc>
+              </a:tr>
+              <a:tr h="200721">
+                <a:tc>
+                  <a:txBody>
+                    <a:bodyPr/>
+                    <a:lstStyle/>
+                    <a:p>
+                      <a:pPr marL="0" marR="0" indent="0" algn="l">
+                        <a:lnSpc>
+                          <a:spcPct val="107000"/>
+                        </a:lnSpc>
+                        <a:spcBef>
+                          <a:spcPts val="0"/>
+                        </a:spcBef>
+                        <a:spcAft>
+                          <a:spcPts val="0"/>
+                        </a:spcAft>
+                      </a:pPr>
+                      <a:r>
+                        <a:rPr lang="en-US" sz="900">
+                          <a:effectLst/>
+                        </a:rPr>
+                        <a:t>Conv / s1</a:t>
+                      </a:r>
+                      <a:endParaRPr lang="en-US" sz="1000">
+                        <a:solidFill>
+                          <a:srgbClr val="000000"/>
+                        </a:solidFill>
+                        <a:effectLst/>
+                        <a:latin typeface="Calibri" panose="020F0502020204030204" pitchFamily="34" charset="0"/>
+                        <a:ea typeface="Calibri" panose="020F0502020204030204" pitchFamily="34" charset="0"/>
+                        <a:cs typeface="Calibri" panose="020F0502020204030204" pitchFamily="34" charset="0"/>
+                      </a:endParaRPr>
+                    </a:p>
+                  </a:txBody>
+                  <a:tcPr marL="69850" marR="69850" marT="15875" marB="0"/>
+                </a:tc>
+                <a:tc>
+                  <a:txBody>
+                    <a:bodyPr/>
+                    <a:lstStyle/>
+                    <a:p>
+                      <a:pPr marL="0" marR="0" indent="0" algn="l">
+                        <a:lnSpc>
+                          <a:spcPct val="107000"/>
+                        </a:lnSpc>
+                        <a:spcBef>
+                          <a:spcPts val="0"/>
+                        </a:spcBef>
+                        <a:spcAft>
+                          <a:spcPts val="0"/>
+                        </a:spcAft>
+                      </a:pPr>
+                      <a:r>
+                        <a:rPr lang="en-US" sz="900" dirty="0">
+                          <a:effectLst/>
+                        </a:rPr>
+                        <a:t>1×1×32×64</a:t>
+                      </a:r>
+                      <a:endParaRPr lang="en-US" sz="1000" dirty="0">
+                        <a:solidFill>
+                          <a:srgbClr val="000000"/>
+                        </a:solidFill>
+                        <a:effectLst/>
+                        <a:latin typeface="Calibri" panose="020F0502020204030204" pitchFamily="34" charset="0"/>
+                        <a:ea typeface="Calibri" panose="020F0502020204030204" pitchFamily="34" charset="0"/>
+                        <a:cs typeface="Calibri" panose="020F0502020204030204" pitchFamily="34" charset="0"/>
+                      </a:endParaRPr>
+                    </a:p>
+                  </a:txBody>
+                  <a:tcPr marL="69850" marR="69850" marT="15875" marB="0"/>
+                </a:tc>
+                <a:tc>
+                  <a:txBody>
+                    <a:bodyPr/>
+                    <a:lstStyle/>
+                    <a:p>
+                      <a:pPr marL="0" marR="0" indent="0" algn="l">
+                        <a:lnSpc>
+                          <a:spcPct val="107000"/>
+                        </a:lnSpc>
+                        <a:spcBef>
+                          <a:spcPts val="0"/>
+                        </a:spcBef>
+                        <a:spcAft>
+                          <a:spcPts val="0"/>
+                        </a:spcAft>
+                      </a:pPr>
+                      <a:r>
+                        <a:rPr lang="en-US" sz="900">
+                          <a:effectLst/>
+                        </a:rPr>
+                        <a:t>112×112×32</a:t>
+                      </a:r>
+                      <a:endParaRPr lang="en-US" sz="1000">
+                        <a:solidFill>
+                          <a:srgbClr val="000000"/>
+                        </a:solidFill>
+                        <a:effectLst/>
+                        <a:latin typeface="Calibri" panose="020F0502020204030204" pitchFamily="34" charset="0"/>
+                        <a:ea typeface="Calibri" panose="020F0502020204030204" pitchFamily="34" charset="0"/>
+                        <a:cs typeface="Calibri" panose="020F0502020204030204" pitchFamily="34" charset="0"/>
+                      </a:endParaRPr>
+                    </a:p>
+                  </a:txBody>
+                  <a:tcPr marL="69850" marR="69850" marT="15875" marB="0"/>
+                </a:tc>
+              </a:tr>
+              <a:tr h="200721">
+                <a:tc>
+                  <a:txBody>
+                    <a:bodyPr/>
+                    <a:lstStyle/>
+                    <a:p>
+                      <a:pPr marL="0" marR="0" indent="0" algn="l">
+                        <a:lnSpc>
+                          <a:spcPct val="107000"/>
+                        </a:lnSpc>
+                        <a:spcBef>
+                          <a:spcPts val="0"/>
+                        </a:spcBef>
+                        <a:spcAft>
+                          <a:spcPts val="0"/>
+                        </a:spcAft>
+                      </a:pPr>
+                      <a:r>
+                        <a:rPr lang="en-US" sz="900">
+                          <a:effectLst/>
+                        </a:rPr>
+                        <a:t>Conv dw / s2</a:t>
+                      </a:r>
+                      <a:endParaRPr lang="en-US" sz="1000">
+                        <a:solidFill>
+                          <a:srgbClr val="000000"/>
+                        </a:solidFill>
+                        <a:effectLst/>
+                        <a:latin typeface="Calibri" panose="020F0502020204030204" pitchFamily="34" charset="0"/>
+                        <a:ea typeface="Calibri" panose="020F0502020204030204" pitchFamily="34" charset="0"/>
+                        <a:cs typeface="Calibri" panose="020F0502020204030204" pitchFamily="34" charset="0"/>
+                      </a:endParaRPr>
+                    </a:p>
+                  </a:txBody>
+                  <a:tcPr marL="69850" marR="69850" marT="15875" marB="0"/>
+                </a:tc>
+                <a:tc>
+                  <a:txBody>
+                    <a:bodyPr/>
+                    <a:lstStyle/>
+                    <a:p>
+                      <a:pPr marL="0" marR="0" indent="0" algn="l">
+                        <a:lnSpc>
+                          <a:spcPct val="107000"/>
+                        </a:lnSpc>
+                        <a:spcBef>
+                          <a:spcPts val="0"/>
+                        </a:spcBef>
+                        <a:spcAft>
+                          <a:spcPts val="0"/>
+                        </a:spcAft>
+                      </a:pPr>
+                      <a:r>
+                        <a:rPr lang="en-US" sz="900">
+                          <a:effectLst/>
+                        </a:rPr>
+                        <a:t>3×3×64 dw</a:t>
+                      </a:r>
+                      <a:endParaRPr lang="en-US" sz="1000">
+                        <a:solidFill>
+                          <a:srgbClr val="000000"/>
+                        </a:solidFill>
+                        <a:effectLst/>
+                        <a:latin typeface="Calibri" panose="020F0502020204030204" pitchFamily="34" charset="0"/>
+                        <a:ea typeface="Calibri" panose="020F0502020204030204" pitchFamily="34" charset="0"/>
+                        <a:cs typeface="Calibri" panose="020F0502020204030204" pitchFamily="34" charset="0"/>
+                      </a:endParaRPr>
+                    </a:p>
+                  </a:txBody>
+                  <a:tcPr marL="69850" marR="69850" marT="15875" marB="0"/>
+                </a:tc>
+                <a:tc>
+                  <a:txBody>
+                    <a:bodyPr/>
+                    <a:lstStyle/>
+                    <a:p>
+                      <a:pPr marL="0" marR="0" indent="0" algn="l">
+                        <a:lnSpc>
+                          <a:spcPct val="107000"/>
+                        </a:lnSpc>
+                        <a:spcBef>
+                          <a:spcPts val="0"/>
+                        </a:spcBef>
+                        <a:spcAft>
+                          <a:spcPts val="0"/>
+                        </a:spcAft>
+                      </a:pPr>
+                      <a:r>
+                        <a:rPr lang="en-US" sz="900" dirty="0">
+                          <a:effectLst/>
+                        </a:rPr>
+                        <a:t>112×112×64</a:t>
+                      </a:r>
+                      <a:endParaRPr lang="en-US" sz="1000" dirty="0">
+                        <a:solidFill>
+                          <a:srgbClr val="000000"/>
+                        </a:solidFill>
+                        <a:effectLst/>
+                        <a:latin typeface="Calibri" panose="020F0502020204030204" pitchFamily="34" charset="0"/>
+                        <a:ea typeface="Calibri" panose="020F0502020204030204" pitchFamily="34" charset="0"/>
+                        <a:cs typeface="Calibri" panose="020F0502020204030204" pitchFamily="34" charset="0"/>
+                      </a:endParaRPr>
+                    </a:p>
+                  </a:txBody>
+                  <a:tcPr marL="69850" marR="69850" marT="15875" marB="0"/>
+                </a:tc>
+              </a:tr>
+              <a:tr h="200721">
+                <a:tc>
+                  <a:txBody>
+                    <a:bodyPr/>
+                    <a:lstStyle/>
+                    <a:p>
+                      <a:pPr marL="0" marR="0" indent="0" algn="l">
+                        <a:lnSpc>
+                          <a:spcPct val="107000"/>
+                        </a:lnSpc>
+                        <a:spcBef>
+                          <a:spcPts val="0"/>
+                        </a:spcBef>
+                        <a:spcAft>
+                          <a:spcPts val="0"/>
+                        </a:spcAft>
+                      </a:pPr>
+                      <a:r>
+                        <a:rPr lang="en-US" sz="900">
+                          <a:effectLst/>
+                        </a:rPr>
+                        <a:t>Conv / s1</a:t>
+                      </a:r>
+                      <a:endParaRPr lang="en-US" sz="1000">
+                        <a:solidFill>
+                          <a:srgbClr val="000000"/>
+                        </a:solidFill>
+                        <a:effectLst/>
+                        <a:latin typeface="Calibri" panose="020F0502020204030204" pitchFamily="34" charset="0"/>
+                        <a:ea typeface="Calibri" panose="020F0502020204030204" pitchFamily="34" charset="0"/>
+                        <a:cs typeface="Calibri" panose="020F0502020204030204" pitchFamily="34" charset="0"/>
+                      </a:endParaRPr>
+                    </a:p>
+                  </a:txBody>
+                  <a:tcPr marL="69850" marR="69850" marT="15875" marB="0"/>
+                </a:tc>
+                <a:tc>
+                  <a:txBody>
+                    <a:bodyPr/>
+                    <a:lstStyle/>
+                    <a:p>
+                      <a:pPr marL="0" marR="0" indent="0" algn="l">
+                        <a:lnSpc>
+                          <a:spcPct val="107000"/>
+                        </a:lnSpc>
+                        <a:spcBef>
+                          <a:spcPts val="0"/>
+                        </a:spcBef>
+                        <a:spcAft>
+                          <a:spcPts val="0"/>
+                        </a:spcAft>
+                      </a:pPr>
+                      <a:r>
+                        <a:rPr lang="en-US" sz="900">
+                          <a:effectLst/>
+                        </a:rPr>
+                        <a:t>1×1×64×128</a:t>
+                      </a:r>
+                      <a:endParaRPr lang="en-US" sz="1000">
+                        <a:solidFill>
+                          <a:srgbClr val="000000"/>
+                        </a:solidFill>
+                        <a:effectLst/>
+                        <a:latin typeface="Calibri" panose="020F0502020204030204" pitchFamily="34" charset="0"/>
+                        <a:ea typeface="Calibri" panose="020F0502020204030204" pitchFamily="34" charset="0"/>
+                        <a:cs typeface="Calibri" panose="020F0502020204030204" pitchFamily="34" charset="0"/>
+                      </a:endParaRPr>
+                    </a:p>
+                  </a:txBody>
+                  <a:tcPr marL="69850" marR="69850" marT="15875" marB="0"/>
+                </a:tc>
+                <a:tc>
+                  <a:txBody>
+                    <a:bodyPr/>
+                    <a:lstStyle/>
+                    <a:p>
+                      <a:pPr marL="0" marR="0" indent="0" algn="l">
+                        <a:lnSpc>
+                          <a:spcPct val="107000"/>
+                        </a:lnSpc>
+                        <a:spcBef>
+                          <a:spcPts val="0"/>
+                        </a:spcBef>
+                        <a:spcAft>
+                          <a:spcPts val="0"/>
+                        </a:spcAft>
+                      </a:pPr>
+                      <a:r>
+                        <a:rPr lang="en-US" sz="900" dirty="0">
+                          <a:effectLst/>
+                        </a:rPr>
+                        <a:t>56×56×64</a:t>
+                      </a:r>
+                      <a:endParaRPr lang="en-US" sz="1000" dirty="0">
+                        <a:solidFill>
+                          <a:srgbClr val="000000"/>
+                        </a:solidFill>
+                        <a:effectLst/>
+                        <a:latin typeface="Calibri" panose="020F0502020204030204" pitchFamily="34" charset="0"/>
+                        <a:ea typeface="Calibri" panose="020F0502020204030204" pitchFamily="34" charset="0"/>
+                        <a:cs typeface="Calibri" panose="020F0502020204030204" pitchFamily="34" charset="0"/>
+                      </a:endParaRPr>
+                    </a:p>
+                  </a:txBody>
+                  <a:tcPr marL="69850" marR="69850" marT="15875" marB="0"/>
+                </a:tc>
+              </a:tr>
+              <a:tr h="200721">
+                <a:tc>
+                  <a:txBody>
+                    <a:bodyPr/>
+                    <a:lstStyle/>
+                    <a:p>
+                      <a:pPr marL="0" marR="0" indent="0" algn="l">
+                        <a:lnSpc>
+                          <a:spcPct val="107000"/>
+                        </a:lnSpc>
+                        <a:spcBef>
+                          <a:spcPts val="0"/>
+                        </a:spcBef>
+                        <a:spcAft>
+                          <a:spcPts val="0"/>
+                        </a:spcAft>
+                      </a:pPr>
+                      <a:r>
+                        <a:rPr lang="en-US" sz="900">
+                          <a:effectLst/>
+                        </a:rPr>
+                        <a:t>Conv dw / s1</a:t>
+                      </a:r>
+                      <a:endParaRPr lang="en-US" sz="1000">
+                        <a:solidFill>
+                          <a:srgbClr val="000000"/>
+                        </a:solidFill>
+                        <a:effectLst/>
+                        <a:latin typeface="Calibri" panose="020F0502020204030204" pitchFamily="34" charset="0"/>
+                        <a:ea typeface="Calibri" panose="020F0502020204030204" pitchFamily="34" charset="0"/>
+                        <a:cs typeface="Calibri" panose="020F0502020204030204" pitchFamily="34" charset="0"/>
+                      </a:endParaRPr>
+                    </a:p>
+                  </a:txBody>
+                  <a:tcPr marL="69850" marR="69850" marT="15875" marB="0"/>
+                </a:tc>
+                <a:tc>
+                  <a:txBody>
+                    <a:bodyPr/>
+                    <a:lstStyle/>
+                    <a:p>
+                      <a:pPr marL="0" marR="0" indent="0" algn="l">
+                        <a:lnSpc>
+                          <a:spcPct val="107000"/>
+                        </a:lnSpc>
+                        <a:spcBef>
+                          <a:spcPts val="0"/>
+                        </a:spcBef>
+                        <a:spcAft>
+                          <a:spcPts val="0"/>
+                        </a:spcAft>
+                      </a:pPr>
+                      <a:r>
+                        <a:rPr lang="en-US" sz="900">
+                          <a:effectLst/>
+                        </a:rPr>
+                        <a:t>3×3×128 dw</a:t>
+                      </a:r>
+                      <a:endParaRPr lang="en-US" sz="1000">
+                        <a:solidFill>
+                          <a:srgbClr val="000000"/>
+                        </a:solidFill>
+                        <a:effectLst/>
+                        <a:latin typeface="Calibri" panose="020F0502020204030204" pitchFamily="34" charset="0"/>
+                        <a:ea typeface="Calibri" panose="020F0502020204030204" pitchFamily="34" charset="0"/>
+                        <a:cs typeface="Calibri" panose="020F0502020204030204" pitchFamily="34" charset="0"/>
+                      </a:endParaRPr>
+                    </a:p>
+                  </a:txBody>
+                  <a:tcPr marL="69850" marR="69850" marT="15875" marB="0"/>
+                </a:tc>
+                <a:tc>
+                  <a:txBody>
+                    <a:bodyPr/>
+                    <a:lstStyle/>
+                    <a:p>
+                      <a:pPr marL="0" marR="0" indent="0" algn="l">
+                        <a:lnSpc>
+                          <a:spcPct val="107000"/>
+                        </a:lnSpc>
+                        <a:spcBef>
+                          <a:spcPts val="0"/>
+                        </a:spcBef>
+                        <a:spcAft>
+                          <a:spcPts val="0"/>
+                        </a:spcAft>
+                      </a:pPr>
+                      <a:r>
+                        <a:rPr lang="en-US" sz="900" dirty="0">
+                          <a:effectLst/>
+                        </a:rPr>
+                        <a:t>56×56×128</a:t>
+                      </a:r>
+                      <a:endParaRPr lang="en-US" sz="1000" dirty="0">
+                        <a:solidFill>
+                          <a:srgbClr val="000000"/>
+                        </a:solidFill>
+                        <a:effectLst/>
+                        <a:latin typeface="Calibri" panose="020F0502020204030204" pitchFamily="34" charset="0"/>
+                        <a:ea typeface="Calibri" panose="020F0502020204030204" pitchFamily="34" charset="0"/>
+                        <a:cs typeface="Calibri" panose="020F0502020204030204" pitchFamily="34" charset="0"/>
+                      </a:endParaRPr>
+                    </a:p>
+                  </a:txBody>
+                  <a:tcPr marL="69850" marR="69850" marT="15875" marB="0"/>
+                </a:tc>
+              </a:tr>
+              <a:tr h="200721">
+                <a:tc>
+                  <a:txBody>
+                    <a:bodyPr/>
+                    <a:lstStyle/>
+                    <a:p>
+                      <a:pPr marL="0" marR="0" indent="0" algn="l">
+                        <a:lnSpc>
+                          <a:spcPct val="107000"/>
+                        </a:lnSpc>
+                        <a:spcBef>
+                          <a:spcPts val="0"/>
+                        </a:spcBef>
+                        <a:spcAft>
+                          <a:spcPts val="0"/>
+                        </a:spcAft>
+                      </a:pPr>
+                      <a:r>
+                        <a:rPr lang="en-US" sz="900">
+                          <a:effectLst/>
+                        </a:rPr>
+                        <a:t>Conv / s1</a:t>
+                      </a:r>
+                      <a:endParaRPr lang="en-US" sz="1000">
+                        <a:solidFill>
+                          <a:srgbClr val="000000"/>
+                        </a:solidFill>
+                        <a:effectLst/>
+                        <a:latin typeface="Calibri" panose="020F0502020204030204" pitchFamily="34" charset="0"/>
+                        <a:ea typeface="Calibri" panose="020F0502020204030204" pitchFamily="34" charset="0"/>
+                        <a:cs typeface="Calibri" panose="020F0502020204030204" pitchFamily="34" charset="0"/>
+                      </a:endParaRPr>
+                    </a:p>
+                  </a:txBody>
+                  <a:tcPr marL="69850" marR="69850" marT="15875" marB="0"/>
+                </a:tc>
+                <a:tc>
+                  <a:txBody>
+                    <a:bodyPr/>
+                    <a:lstStyle/>
+                    <a:p>
+                      <a:pPr marL="0" marR="0" indent="0" algn="l">
+                        <a:lnSpc>
+                          <a:spcPct val="107000"/>
+                        </a:lnSpc>
+                        <a:spcBef>
+                          <a:spcPts val="0"/>
+                        </a:spcBef>
+                        <a:spcAft>
+                          <a:spcPts val="0"/>
+                        </a:spcAft>
+                      </a:pPr>
+                      <a:r>
+                        <a:rPr lang="en-US" sz="900">
+                          <a:effectLst/>
+                        </a:rPr>
+                        <a:t>1×1×128×128</a:t>
+                      </a:r>
+                      <a:endParaRPr lang="en-US" sz="1000">
+                        <a:solidFill>
+                          <a:srgbClr val="000000"/>
+                        </a:solidFill>
+                        <a:effectLst/>
+                        <a:latin typeface="Calibri" panose="020F0502020204030204" pitchFamily="34" charset="0"/>
+                        <a:ea typeface="Calibri" panose="020F0502020204030204" pitchFamily="34" charset="0"/>
+                        <a:cs typeface="Calibri" panose="020F0502020204030204" pitchFamily="34" charset="0"/>
+                      </a:endParaRPr>
+                    </a:p>
+                  </a:txBody>
+                  <a:tcPr marL="69850" marR="69850" marT="15875" marB="0"/>
+                </a:tc>
+                <a:tc>
+                  <a:txBody>
+                    <a:bodyPr/>
+                    <a:lstStyle/>
+                    <a:p>
+                      <a:pPr marL="0" marR="0" indent="0" algn="l">
+                        <a:lnSpc>
+                          <a:spcPct val="107000"/>
+                        </a:lnSpc>
+                        <a:spcBef>
+                          <a:spcPts val="0"/>
+                        </a:spcBef>
+                        <a:spcAft>
+                          <a:spcPts val="0"/>
+                        </a:spcAft>
+                      </a:pPr>
+                      <a:r>
+                        <a:rPr lang="en-US" sz="900" dirty="0">
+                          <a:effectLst/>
+                        </a:rPr>
+                        <a:t>56×56×128</a:t>
+                      </a:r>
+                      <a:endParaRPr lang="en-US" sz="1000" dirty="0">
+                        <a:solidFill>
+                          <a:srgbClr val="000000"/>
+                        </a:solidFill>
+                        <a:effectLst/>
+                        <a:latin typeface="Calibri" panose="020F0502020204030204" pitchFamily="34" charset="0"/>
+                        <a:ea typeface="Calibri" panose="020F0502020204030204" pitchFamily="34" charset="0"/>
+                        <a:cs typeface="Calibri" panose="020F0502020204030204" pitchFamily="34" charset="0"/>
+                      </a:endParaRPr>
+                    </a:p>
+                  </a:txBody>
+                  <a:tcPr marL="69850" marR="69850" marT="15875" marB="0"/>
+                </a:tc>
+              </a:tr>
+              <a:tr h="200721">
+                <a:tc>
+                  <a:txBody>
+                    <a:bodyPr/>
+                    <a:lstStyle/>
+                    <a:p>
+                      <a:pPr marL="0" marR="0" indent="0" algn="l">
+                        <a:lnSpc>
+                          <a:spcPct val="107000"/>
+                        </a:lnSpc>
+                        <a:spcBef>
+                          <a:spcPts val="0"/>
+                        </a:spcBef>
+                        <a:spcAft>
+                          <a:spcPts val="0"/>
+                        </a:spcAft>
+                      </a:pPr>
+                      <a:r>
+                        <a:rPr lang="en-US" sz="900">
+                          <a:effectLst/>
+                        </a:rPr>
+                        <a:t>Conv dw / s2</a:t>
+                      </a:r>
+                      <a:endParaRPr lang="en-US" sz="1000">
+                        <a:solidFill>
+                          <a:srgbClr val="000000"/>
+                        </a:solidFill>
+                        <a:effectLst/>
+                        <a:latin typeface="Calibri" panose="020F0502020204030204" pitchFamily="34" charset="0"/>
+                        <a:ea typeface="Calibri" panose="020F0502020204030204" pitchFamily="34" charset="0"/>
+                        <a:cs typeface="Calibri" panose="020F0502020204030204" pitchFamily="34" charset="0"/>
+                      </a:endParaRPr>
+                    </a:p>
+                  </a:txBody>
+                  <a:tcPr marL="69850" marR="69850" marT="15875" marB="0"/>
+                </a:tc>
+                <a:tc>
+                  <a:txBody>
+                    <a:bodyPr/>
+                    <a:lstStyle/>
+                    <a:p>
+                      <a:pPr marL="0" marR="0" indent="0" algn="l">
+                        <a:lnSpc>
+                          <a:spcPct val="107000"/>
+                        </a:lnSpc>
+                        <a:spcBef>
+                          <a:spcPts val="0"/>
+                        </a:spcBef>
+                        <a:spcAft>
+                          <a:spcPts val="0"/>
+                        </a:spcAft>
+                      </a:pPr>
+                      <a:r>
+                        <a:rPr lang="en-US" sz="900">
+                          <a:effectLst/>
+                        </a:rPr>
+                        <a:t>3×3×128 dw</a:t>
+                      </a:r>
+                      <a:endParaRPr lang="en-US" sz="1000">
+                        <a:solidFill>
+                          <a:srgbClr val="000000"/>
+                        </a:solidFill>
+                        <a:effectLst/>
+                        <a:latin typeface="Calibri" panose="020F0502020204030204" pitchFamily="34" charset="0"/>
+                        <a:ea typeface="Calibri" panose="020F0502020204030204" pitchFamily="34" charset="0"/>
+                        <a:cs typeface="Calibri" panose="020F0502020204030204" pitchFamily="34" charset="0"/>
+                      </a:endParaRPr>
+                    </a:p>
+                  </a:txBody>
+                  <a:tcPr marL="69850" marR="69850" marT="15875" marB="0"/>
+                </a:tc>
+                <a:tc>
+                  <a:txBody>
+                    <a:bodyPr/>
+                    <a:lstStyle/>
+                    <a:p>
+                      <a:pPr marL="0" marR="0" indent="0" algn="l">
+                        <a:lnSpc>
+                          <a:spcPct val="107000"/>
+                        </a:lnSpc>
+                        <a:spcBef>
+                          <a:spcPts val="0"/>
+                        </a:spcBef>
+                        <a:spcAft>
+                          <a:spcPts val="0"/>
+                        </a:spcAft>
+                      </a:pPr>
+                      <a:r>
+                        <a:rPr lang="en-US" sz="900">
+                          <a:effectLst/>
+                        </a:rPr>
+                        <a:t>56×56×128</a:t>
+                      </a:r>
+                      <a:endParaRPr lang="en-US" sz="1000">
+                        <a:solidFill>
+                          <a:srgbClr val="000000"/>
+                        </a:solidFill>
+                        <a:effectLst/>
+                        <a:latin typeface="Calibri" panose="020F0502020204030204" pitchFamily="34" charset="0"/>
+                        <a:ea typeface="Calibri" panose="020F0502020204030204" pitchFamily="34" charset="0"/>
+                        <a:cs typeface="Calibri" panose="020F0502020204030204" pitchFamily="34" charset="0"/>
+                      </a:endParaRPr>
+                    </a:p>
+                  </a:txBody>
+                  <a:tcPr marL="69850" marR="69850" marT="15875" marB="0"/>
+                </a:tc>
+              </a:tr>
+              <a:tr h="200721">
+                <a:tc>
+                  <a:txBody>
+                    <a:bodyPr/>
+                    <a:lstStyle/>
+                    <a:p>
+                      <a:pPr marL="0" marR="0" indent="0" algn="l">
+                        <a:lnSpc>
+                          <a:spcPct val="107000"/>
+                        </a:lnSpc>
+                        <a:spcBef>
+                          <a:spcPts val="0"/>
+                        </a:spcBef>
+                        <a:spcAft>
+                          <a:spcPts val="0"/>
+                        </a:spcAft>
+                      </a:pPr>
+                      <a:r>
+                        <a:rPr lang="en-US" sz="900">
+                          <a:effectLst/>
+                        </a:rPr>
+                        <a:t>Conv / s1</a:t>
+                      </a:r>
+                      <a:endParaRPr lang="en-US" sz="1000">
+                        <a:solidFill>
+                          <a:srgbClr val="000000"/>
+                        </a:solidFill>
+                        <a:effectLst/>
+                        <a:latin typeface="Calibri" panose="020F0502020204030204" pitchFamily="34" charset="0"/>
+                        <a:ea typeface="Calibri" panose="020F0502020204030204" pitchFamily="34" charset="0"/>
+                        <a:cs typeface="Calibri" panose="020F0502020204030204" pitchFamily="34" charset="0"/>
+                      </a:endParaRPr>
+                    </a:p>
+                  </a:txBody>
+                  <a:tcPr marL="69850" marR="69850" marT="15875" marB="0"/>
+                </a:tc>
+                <a:tc>
+                  <a:txBody>
+                    <a:bodyPr/>
+                    <a:lstStyle/>
+                    <a:p>
+                      <a:pPr marL="0" marR="0" indent="0" algn="l">
+                        <a:lnSpc>
+                          <a:spcPct val="107000"/>
+                        </a:lnSpc>
+                        <a:spcBef>
+                          <a:spcPts val="0"/>
+                        </a:spcBef>
+                        <a:spcAft>
+                          <a:spcPts val="0"/>
+                        </a:spcAft>
+                      </a:pPr>
+                      <a:r>
+                        <a:rPr lang="en-US" sz="900">
+                          <a:effectLst/>
+                        </a:rPr>
+                        <a:t>1×1×128×256</a:t>
+                      </a:r>
+                      <a:endParaRPr lang="en-US" sz="1000">
+                        <a:solidFill>
+                          <a:srgbClr val="000000"/>
+                        </a:solidFill>
+                        <a:effectLst/>
+                        <a:latin typeface="Calibri" panose="020F0502020204030204" pitchFamily="34" charset="0"/>
+                        <a:ea typeface="Calibri" panose="020F0502020204030204" pitchFamily="34" charset="0"/>
+                        <a:cs typeface="Calibri" panose="020F0502020204030204" pitchFamily="34" charset="0"/>
+                      </a:endParaRPr>
+                    </a:p>
+                  </a:txBody>
+                  <a:tcPr marL="69850" marR="69850" marT="15875" marB="0"/>
+                </a:tc>
+                <a:tc>
+                  <a:txBody>
+                    <a:bodyPr/>
+                    <a:lstStyle/>
+                    <a:p>
+                      <a:pPr marL="0" marR="0" indent="0" algn="l">
+                        <a:lnSpc>
+                          <a:spcPct val="107000"/>
+                        </a:lnSpc>
+                        <a:spcBef>
+                          <a:spcPts val="0"/>
+                        </a:spcBef>
+                        <a:spcAft>
+                          <a:spcPts val="0"/>
+                        </a:spcAft>
+                      </a:pPr>
+                      <a:r>
+                        <a:rPr lang="en-US" sz="900" dirty="0">
+                          <a:effectLst/>
+                        </a:rPr>
+                        <a:t>28×28×128</a:t>
+                      </a:r>
+                      <a:endParaRPr lang="en-US" sz="1000" dirty="0">
+                        <a:solidFill>
+                          <a:srgbClr val="000000"/>
+                        </a:solidFill>
+                        <a:effectLst/>
+                        <a:latin typeface="Calibri" panose="020F0502020204030204" pitchFamily="34" charset="0"/>
+                        <a:ea typeface="Calibri" panose="020F0502020204030204" pitchFamily="34" charset="0"/>
+                        <a:cs typeface="Calibri" panose="020F0502020204030204" pitchFamily="34" charset="0"/>
+                      </a:endParaRPr>
+                    </a:p>
+                  </a:txBody>
+                  <a:tcPr marL="69850" marR="69850" marT="15875" marB="0"/>
+                </a:tc>
+              </a:tr>
+              <a:tr h="200721">
+                <a:tc>
+                  <a:txBody>
+                    <a:bodyPr/>
+                    <a:lstStyle/>
+                    <a:p>
+                      <a:pPr marL="0" marR="0" indent="0" algn="l">
+                        <a:lnSpc>
+                          <a:spcPct val="107000"/>
+                        </a:lnSpc>
+                        <a:spcBef>
+                          <a:spcPts val="0"/>
+                        </a:spcBef>
+                        <a:spcAft>
+                          <a:spcPts val="0"/>
+                        </a:spcAft>
+                      </a:pPr>
+                      <a:r>
+                        <a:rPr lang="en-US" sz="900">
+                          <a:effectLst/>
+                        </a:rPr>
+                        <a:t>Conv dw / s1</a:t>
+                      </a:r>
+                      <a:endParaRPr lang="en-US" sz="1000">
+                        <a:solidFill>
+                          <a:srgbClr val="000000"/>
+                        </a:solidFill>
+                        <a:effectLst/>
+                        <a:latin typeface="Calibri" panose="020F0502020204030204" pitchFamily="34" charset="0"/>
+                        <a:ea typeface="Calibri" panose="020F0502020204030204" pitchFamily="34" charset="0"/>
+                        <a:cs typeface="Calibri" panose="020F0502020204030204" pitchFamily="34" charset="0"/>
+                      </a:endParaRPr>
+                    </a:p>
+                  </a:txBody>
+                  <a:tcPr marL="69850" marR="69850" marT="15875" marB="0"/>
+                </a:tc>
+                <a:tc>
+                  <a:txBody>
+                    <a:bodyPr/>
+                    <a:lstStyle/>
+                    <a:p>
+                      <a:pPr marL="0" marR="0" indent="0" algn="l">
+                        <a:lnSpc>
+                          <a:spcPct val="107000"/>
+                        </a:lnSpc>
+                        <a:spcBef>
+                          <a:spcPts val="0"/>
+                        </a:spcBef>
+                        <a:spcAft>
+                          <a:spcPts val="0"/>
+                        </a:spcAft>
+                      </a:pPr>
+                      <a:r>
+                        <a:rPr lang="en-US" sz="900" dirty="0">
+                          <a:effectLst/>
+                        </a:rPr>
+                        <a:t>3×3×256 </a:t>
+                      </a:r>
+                      <a:r>
+                        <a:rPr lang="en-US" sz="900" dirty="0" err="1">
+                          <a:effectLst/>
+                        </a:rPr>
+                        <a:t>dw</a:t>
+                      </a:r>
+                      <a:endParaRPr lang="en-US" sz="1000" dirty="0">
+                        <a:solidFill>
+                          <a:srgbClr val="000000"/>
+                        </a:solidFill>
+                        <a:effectLst/>
+                        <a:latin typeface="Calibri" panose="020F0502020204030204" pitchFamily="34" charset="0"/>
+                        <a:ea typeface="Calibri" panose="020F0502020204030204" pitchFamily="34" charset="0"/>
+                        <a:cs typeface="Calibri" panose="020F0502020204030204" pitchFamily="34" charset="0"/>
+                      </a:endParaRPr>
+                    </a:p>
+                  </a:txBody>
+                  <a:tcPr marL="69850" marR="69850" marT="15875" marB="0"/>
+                </a:tc>
+                <a:tc>
+                  <a:txBody>
+                    <a:bodyPr/>
+                    <a:lstStyle/>
+                    <a:p>
+                      <a:pPr marL="0" marR="0" indent="0" algn="l">
+                        <a:lnSpc>
+                          <a:spcPct val="107000"/>
+                        </a:lnSpc>
+                        <a:spcBef>
+                          <a:spcPts val="0"/>
+                        </a:spcBef>
+                        <a:spcAft>
+                          <a:spcPts val="0"/>
+                        </a:spcAft>
+                      </a:pPr>
+                      <a:r>
+                        <a:rPr lang="en-US" sz="900" dirty="0">
+                          <a:effectLst/>
+                        </a:rPr>
+                        <a:t>28×28×256</a:t>
+                      </a:r>
+                      <a:endParaRPr lang="en-US" sz="1000" dirty="0">
+                        <a:solidFill>
+                          <a:srgbClr val="000000"/>
+                        </a:solidFill>
+                        <a:effectLst/>
+                        <a:latin typeface="Calibri" panose="020F0502020204030204" pitchFamily="34" charset="0"/>
+                        <a:ea typeface="Calibri" panose="020F0502020204030204" pitchFamily="34" charset="0"/>
+                        <a:cs typeface="Calibri" panose="020F0502020204030204" pitchFamily="34" charset="0"/>
+                      </a:endParaRPr>
+                    </a:p>
+                  </a:txBody>
+                  <a:tcPr marL="69850" marR="69850" marT="15875" marB="0"/>
+                </a:tc>
+              </a:tr>
+              <a:tr h="200721">
+                <a:tc>
+                  <a:txBody>
+                    <a:bodyPr/>
+                    <a:lstStyle/>
+                    <a:p>
+                      <a:pPr marL="0" marR="0" indent="0" algn="l">
+                        <a:lnSpc>
+                          <a:spcPct val="107000"/>
+                        </a:lnSpc>
+                        <a:spcBef>
+                          <a:spcPts val="0"/>
+                        </a:spcBef>
+                        <a:spcAft>
+                          <a:spcPts val="0"/>
+                        </a:spcAft>
+                      </a:pPr>
+                      <a:r>
+                        <a:rPr lang="en-US" sz="900">
+                          <a:effectLst/>
+                        </a:rPr>
+                        <a:t>Conv / s1</a:t>
+                      </a:r>
+                      <a:endParaRPr lang="en-US" sz="1000">
+                        <a:solidFill>
+                          <a:srgbClr val="000000"/>
+                        </a:solidFill>
+                        <a:effectLst/>
+                        <a:latin typeface="Calibri" panose="020F0502020204030204" pitchFamily="34" charset="0"/>
+                        <a:ea typeface="Calibri" panose="020F0502020204030204" pitchFamily="34" charset="0"/>
+                        <a:cs typeface="Calibri" panose="020F0502020204030204" pitchFamily="34" charset="0"/>
+                      </a:endParaRPr>
+                    </a:p>
+                  </a:txBody>
+                  <a:tcPr marL="69850" marR="69850" marT="15875" marB="0"/>
+                </a:tc>
+                <a:tc>
+                  <a:txBody>
+                    <a:bodyPr/>
+                    <a:lstStyle/>
+                    <a:p>
+                      <a:pPr marL="0" marR="0" indent="0" algn="l">
+                        <a:lnSpc>
+                          <a:spcPct val="107000"/>
+                        </a:lnSpc>
+                        <a:spcBef>
+                          <a:spcPts val="0"/>
+                        </a:spcBef>
+                        <a:spcAft>
+                          <a:spcPts val="0"/>
+                        </a:spcAft>
+                      </a:pPr>
+                      <a:r>
+                        <a:rPr lang="en-US" sz="900">
+                          <a:effectLst/>
+                        </a:rPr>
+                        <a:t>1×1×256×256</a:t>
+                      </a:r>
+                      <a:endParaRPr lang="en-US" sz="1000">
+                        <a:solidFill>
+                          <a:srgbClr val="000000"/>
+                        </a:solidFill>
+                        <a:effectLst/>
+                        <a:latin typeface="Calibri" panose="020F0502020204030204" pitchFamily="34" charset="0"/>
+                        <a:ea typeface="Calibri" panose="020F0502020204030204" pitchFamily="34" charset="0"/>
+                        <a:cs typeface="Calibri" panose="020F0502020204030204" pitchFamily="34" charset="0"/>
+                      </a:endParaRPr>
+                    </a:p>
+                  </a:txBody>
+                  <a:tcPr marL="69850" marR="69850" marT="15875" marB="0"/>
+                </a:tc>
+                <a:tc>
+                  <a:txBody>
+                    <a:bodyPr/>
+                    <a:lstStyle/>
+                    <a:p>
+                      <a:pPr marL="0" marR="0" indent="0" algn="l">
+                        <a:lnSpc>
+                          <a:spcPct val="107000"/>
+                        </a:lnSpc>
+                        <a:spcBef>
+                          <a:spcPts val="0"/>
+                        </a:spcBef>
+                        <a:spcAft>
+                          <a:spcPts val="0"/>
+                        </a:spcAft>
+                      </a:pPr>
+                      <a:r>
+                        <a:rPr lang="en-US" sz="900" dirty="0">
+                          <a:effectLst/>
+                        </a:rPr>
+                        <a:t>28×28×256</a:t>
+                      </a:r>
+                      <a:endParaRPr lang="en-US" sz="1000" dirty="0">
+                        <a:solidFill>
+                          <a:srgbClr val="000000"/>
+                        </a:solidFill>
+                        <a:effectLst/>
+                        <a:latin typeface="Calibri" panose="020F0502020204030204" pitchFamily="34" charset="0"/>
+                        <a:ea typeface="Calibri" panose="020F0502020204030204" pitchFamily="34" charset="0"/>
+                        <a:cs typeface="Calibri" panose="020F0502020204030204" pitchFamily="34" charset="0"/>
+                      </a:endParaRPr>
+                    </a:p>
+                  </a:txBody>
+                  <a:tcPr marL="69850" marR="69850" marT="15875" marB="0"/>
+                </a:tc>
+              </a:tr>
+              <a:tr h="200721">
+                <a:tc>
+                  <a:txBody>
+                    <a:bodyPr/>
+                    <a:lstStyle/>
+                    <a:p>
+                      <a:pPr marL="0" marR="0" indent="0" algn="l">
+                        <a:lnSpc>
+                          <a:spcPct val="107000"/>
+                        </a:lnSpc>
+                        <a:spcBef>
+                          <a:spcPts val="0"/>
+                        </a:spcBef>
+                        <a:spcAft>
+                          <a:spcPts val="0"/>
+                        </a:spcAft>
+                      </a:pPr>
+                      <a:r>
+                        <a:rPr lang="en-US" sz="900">
+                          <a:effectLst/>
+                        </a:rPr>
+                        <a:t>Conv dw / s2</a:t>
+                      </a:r>
+                      <a:endParaRPr lang="en-US" sz="1000">
+                        <a:solidFill>
+                          <a:srgbClr val="000000"/>
+                        </a:solidFill>
+                        <a:effectLst/>
+                        <a:latin typeface="Calibri" panose="020F0502020204030204" pitchFamily="34" charset="0"/>
+                        <a:ea typeface="Calibri" panose="020F0502020204030204" pitchFamily="34" charset="0"/>
+                        <a:cs typeface="Calibri" panose="020F0502020204030204" pitchFamily="34" charset="0"/>
+                      </a:endParaRPr>
+                    </a:p>
+                  </a:txBody>
+                  <a:tcPr marL="69850" marR="69850" marT="15875" marB="0"/>
+                </a:tc>
+                <a:tc>
+                  <a:txBody>
+                    <a:bodyPr/>
+                    <a:lstStyle/>
+                    <a:p>
+                      <a:pPr marL="0" marR="0" indent="0" algn="l">
+                        <a:lnSpc>
+                          <a:spcPct val="107000"/>
+                        </a:lnSpc>
+                        <a:spcBef>
+                          <a:spcPts val="0"/>
+                        </a:spcBef>
+                        <a:spcAft>
+                          <a:spcPts val="0"/>
+                        </a:spcAft>
+                      </a:pPr>
+                      <a:r>
+                        <a:rPr lang="en-US" sz="900">
+                          <a:effectLst/>
+                        </a:rPr>
+                        <a:t>3×3×256 dw</a:t>
+                      </a:r>
+                      <a:endParaRPr lang="en-US" sz="1000">
+                        <a:solidFill>
+                          <a:srgbClr val="000000"/>
+                        </a:solidFill>
+                        <a:effectLst/>
+                        <a:latin typeface="Calibri" panose="020F0502020204030204" pitchFamily="34" charset="0"/>
+                        <a:ea typeface="Calibri" panose="020F0502020204030204" pitchFamily="34" charset="0"/>
+                        <a:cs typeface="Calibri" panose="020F0502020204030204" pitchFamily="34" charset="0"/>
+                      </a:endParaRPr>
+                    </a:p>
+                  </a:txBody>
+                  <a:tcPr marL="69850" marR="69850" marT="15875" marB="0"/>
+                </a:tc>
+                <a:tc>
+                  <a:txBody>
+                    <a:bodyPr/>
+                    <a:lstStyle/>
+                    <a:p>
+                      <a:pPr marL="0" marR="0" indent="0" algn="l">
+                        <a:lnSpc>
+                          <a:spcPct val="107000"/>
+                        </a:lnSpc>
+                        <a:spcBef>
+                          <a:spcPts val="0"/>
+                        </a:spcBef>
+                        <a:spcAft>
+                          <a:spcPts val="0"/>
+                        </a:spcAft>
+                      </a:pPr>
+                      <a:r>
+                        <a:rPr lang="en-US" sz="900">
+                          <a:effectLst/>
+                        </a:rPr>
+                        <a:t>28×28×256</a:t>
+                      </a:r>
+                      <a:endParaRPr lang="en-US" sz="1000">
+                        <a:solidFill>
+                          <a:srgbClr val="000000"/>
+                        </a:solidFill>
+                        <a:effectLst/>
+                        <a:latin typeface="Calibri" panose="020F0502020204030204" pitchFamily="34" charset="0"/>
+                        <a:ea typeface="Calibri" panose="020F0502020204030204" pitchFamily="34" charset="0"/>
+                        <a:cs typeface="Calibri" panose="020F0502020204030204" pitchFamily="34" charset="0"/>
+                      </a:endParaRPr>
+                    </a:p>
+                  </a:txBody>
+                  <a:tcPr marL="69850" marR="69850" marT="15875" marB="0"/>
+                </a:tc>
+              </a:tr>
+              <a:tr h="200721">
+                <a:tc>
+                  <a:txBody>
+                    <a:bodyPr/>
+                    <a:lstStyle/>
+                    <a:p>
+                      <a:pPr marL="0" marR="0" indent="0" algn="l">
+                        <a:lnSpc>
+                          <a:spcPct val="107000"/>
+                        </a:lnSpc>
+                        <a:spcBef>
+                          <a:spcPts val="0"/>
+                        </a:spcBef>
+                        <a:spcAft>
+                          <a:spcPts val="0"/>
+                        </a:spcAft>
+                      </a:pPr>
+                      <a:r>
+                        <a:rPr lang="en-US" sz="900" dirty="0" err="1">
+                          <a:effectLst/>
+                        </a:rPr>
+                        <a:t>Conv</a:t>
+                      </a:r>
+                      <a:r>
+                        <a:rPr lang="en-US" sz="900" dirty="0">
+                          <a:effectLst/>
+                        </a:rPr>
+                        <a:t> / s1</a:t>
+                      </a:r>
+                      <a:endParaRPr lang="en-US" sz="1000" dirty="0">
+                        <a:solidFill>
+                          <a:srgbClr val="000000"/>
+                        </a:solidFill>
+                        <a:effectLst/>
+                        <a:latin typeface="Calibri" panose="020F0502020204030204" pitchFamily="34" charset="0"/>
+                        <a:ea typeface="Calibri" panose="020F0502020204030204" pitchFamily="34" charset="0"/>
+                        <a:cs typeface="Calibri" panose="020F0502020204030204" pitchFamily="34" charset="0"/>
+                      </a:endParaRPr>
+                    </a:p>
+                  </a:txBody>
+                  <a:tcPr marL="69850" marR="69850" marT="15875" marB="0"/>
+                </a:tc>
+                <a:tc>
+                  <a:txBody>
+                    <a:bodyPr/>
+                    <a:lstStyle/>
+                    <a:p>
+                      <a:pPr marL="0" marR="0" indent="0" algn="l">
+                        <a:lnSpc>
+                          <a:spcPct val="107000"/>
+                        </a:lnSpc>
+                        <a:spcBef>
+                          <a:spcPts val="0"/>
+                        </a:spcBef>
+                        <a:spcAft>
+                          <a:spcPts val="0"/>
+                        </a:spcAft>
+                      </a:pPr>
+                      <a:r>
+                        <a:rPr lang="en-US" sz="900">
+                          <a:effectLst/>
+                        </a:rPr>
+                        <a:t>1×1×256×512</a:t>
+                      </a:r>
+                      <a:endParaRPr lang="en-US" sz="1000">
+                        <a:solidFill>
+                          <a:srgbClr val="000000"/>
+                        </a:solidFill>
+                        <a:effectLst/>
+                        <a:latin typeface="Calibri" panose="020F0502020204030204" pitchFamily="34" charset="0"/>
+                        <a:ea typeface="Calibri" panose="020F0502020204030204" pitchFamily="34" charset="0"/>
+                        <a:cs typeface="Calibri" panose="020F0502020204030204" pitchFamily="34" charset="0"/>
+                      </a:endParaRPr>
+                    </a:p>
+                  </a:txBody>
+                  <a:tcPr marL="69850" marR="69850" marT="15875" marB="0"/>
+                </a:tc>
+                <a:tc>
+                  <a:txBody>
+                    <a:bodyPr/>
+                    <a:lstStyle/>
+                    <a:p>
+                      <a:pPr marL="0" marR="0" indent="0" algn="l">
+                        <a:lnSpc>
+                          <a:spcPct val="107000"/>
+                        </a:lnSpc>
+                        <a:spcBef>
+                          <a:spcPts val="0"/>
+                        </a:spcBef>
+                        <a:spcAft>
+                          <a:spcPts val="0"/>
+                        </a:spcAft>
+                      </a:pPr>
+                      <a:r>
+                        <a:rPr lang="en-US" sz="900" dirty="0">
+                          <a:effectLst/>
+                        </a:rPr>
+                        <a:t>14×14×256</a:t>
+                      </a:r>
+                      <a:endParaRPr lang="en-US" sz="1000" dirty="0">
+                        <a:solidFill>
+                          <a:srgbClr val="000000"/>
+                        </a:solidFill>
+                        <a:effectLst/>
+                        <a:latin typeface="Calibri" panose="020F0502020204030204" pitchFamily="34" charset="0"/>
+                        <a:ea typeface="Calibri" panose="020F0502020204030204" pitchFamily="34" charset="0"/>
+                        <a:cs typeface="Calibri" panose="020F0502020204030204" pitchFamily="34" charset="0"/>
+                      </a:endParaRPr>
+                    </a:p>
+                  </a:txBody>
+                  <a:tcPr marL="69850" marR="69850" marT="15875" marB="0"/>
+                </a:tc>
+              </a:tr>
+              <a:tr h="766638">
+                <a:tc>
+                  <a:txBody>
+                    <a:bodyPr/>
+                    <a:lstStyle/>
+                    <a:p>
+                      <a:pPr marL="177800" marR="0" indent="0" algn="l">
+                        <a:lnSpc>
+                          <a:spcPct val="107000"/>
+                        </a:lnSpc>
+                        <a:spcBef>
+                          <a:spcPts val="0"/>
+                        </a:spcBef>
+                        <a:spcAft>
+                          <a:spcPts val="0"/>
+                        </a:spcAft>
+                      </a:pPr>
+                      <a:r>
+                        <a:rPr lang="en-US" sz="900" dirty="0" smtClean="0">
+                          <a:effectLst/>
+                        </a:rPr>
+                        <a:t>        </a:t>
+                      </a:r>
+                      <a:r>
+                        <a:rPr lang="en-US" sz="900" dirty="0" err="1" smtClean="0">
+                          <a:effectLst/>
+                        </a:rPr>
+                        <a:t>Conv</a:t>
+                      </a:r>
+                      <a:r>
+                        <a:rPr lang="en-US" sz="900" dirty="0" smtClean="0">
+                          <a:effectLst/>
+                        </a:rPr>
+                        <a:t> </a:t>
+                      </a:r>
+                      <a:r>
+                        <a:rPr lang="en-US" sz="900" dirty="0" err="1">
+                          <a:effectLst/>
+                        </a:rPr>
+                        <a:t>dw</a:t>
+                      </a:r>
+                      <a:r>
+                        <a:rPr lang="en-US" sz="900" dirty="0">
+                          <a:effectLst/>
+                        </a:rPr>
+                        <a:t> / </a:t>
+                      </a:r>
+                      <a:r>
+                        <a:rPr lang="en-US" sz="900" dirty="0" smtClean="0">
+                          <a:effectLst/>
+                        </a:rPr>
+                        <a:t>s1</a:t>
+                      </a:r>
+                    </a:p>
+                    <a:p>
+                      <a:pPr marL="177800" marR="0" indent="0" algn="l">
+                        <a:lnSpc>
+                          <a:spcPct val="107000"/>
+                        </a:lnSpc>
+                        <a:spcBef>
+                          <a:spcPts val="0"/>
+                        </a:spcBef>
+                        <a:spcAft>
+                          <a:spcPts val="0"/>
+                        </a:spcAft>
+                      </a:pPr>
+                      <a:r>
+                        <a:rPr lang="en-US" sz="1600" dirty="0" smtClean="0">
+                          <a:effectLst/>
+                        </a:rPr>
+                        <a:t>5×</a:t>
+                      </a:r>
+                      <a:endParaRPr lang="en-US" sz="1000" dirty="0">
+                        <a:effectLst/>
+                      </a:endParaRPr>
+                    </a:p>
+                    <a:p>
+                      <a:pPr marL="1905" marR="0" indent="0" algn="ctr">
+                        <a:lnSpc>
+                          <a:spcPct val="107000"/>
+                        </a:lnSpc>
+                        <a:spcBef>
+                          <a:spcPts val="0"/>
+                        </a:spcBef>
+                        <a:spcAft>
+                          <a:spcPts val="0"/>
+                        </a:spcAft>
+                      </a:pPr>
+                      <a:r>
+                        <a:rPr lang="en-US" sz="900" dirty="0" err="1">
+                          <a:effectLst/>
+                        </a:rPr>
+                        <a:t>Conv</a:t>
+                      </a:r>
+                      <a:r>
+                        <a:rPr lang="en-US" sz="900" dirty="0">
+                          <a:effectLst/>
+                        </a:rPr>
+                        <a:t> / s1</a:t>
+                      </a:r>
+                      <a:endParaRPr lang="en-US" sz="1000" dirty="0">
+                        <a:solidFill>
+                          <a:srgbClr val="000000"/>
+                        </a:solidFill>
+                        <a:effectLst/>
+                        <a:latin typeface="Calibri" panose="020F0502020204030204" pitchFamily="34" charset="0"/>
+                        <a:ea typeface="Calibri" panose="020F0502020204030204" pitchFamily="34" charset="0"/>
+                        <a:cs typeface="Calibri" panose="020F0502020204030204" pitchFamily="34" charset="0"/>
+                      </a:endParaRPr>
+                    </a:p>
+                  </a:txBody>
+                  <a:tcPr marL="69850" marR="69850" marT="15875" marB="0"/>
+                </a:tc>
+                <a:tc>
+                  <a:txBody>
+                    <a:bodyPr/>
+                    <a:lstStyle/>
+                    <a:p>
+                      <a:pPr marL="0" marR="0" indent="0" algn="l">
+                        <a:lnSpc>
+                          <a:spcPct val="107000"/>
+                        </a:lnSpc>
+                        <a:spcBef>
+                          <a:spcPts val="0"/>
+                        </a:spcBef>
+                        <a:spcAft>
+                          <a:spcPts val="0"/>
+                        </a:spcAft>
+                      </a:pPr>
+                      <a:r>
+                        <a:rPr lang="en-US" sz="900" dirty="0">
+                          <a:effectLst/>
+                        </a:rPr>
+                        <a:t>3×3×512 </a:t>
+                      </a:r>
+                      <a:r>
+                        <a:rPr lang="en-US" sz="900" dirty="0" err="1">
+                          <a:effectLst/>
+                        </a:rPr>
+                        <a:t>dw</a:t>
+                      </a:r>
+                      <a:endParaRPr lang="en-US" sz="1000" dirty="0">
+                        <a:effectLst/>
+                      </a:endParaRPr>
+                    </a:p>
+                    <a:p>
+                      <a:pPr marL="0" marR="0" indent="0" algn="l">
+                        <a:lnSpc>
+                          <a:spcPct val="107000"/>
+                        </a:lnSpc>
+                        <a:spcBef>
+                          <a:spcPts val="0"/>
+                        </a:spcBef>
+                        <a:spcAft>
+                          <a:spcPts val="0"/>
+                        </a:spcAft>
+                      </a:pPr>
+                      <a:r>
+                        <a:rPr lang="en-US" sz="900" dirty="0">
+                          <a:effectLst/>
+                        </a:rPr>
+                        <a:t>1×1×512×512</a:t>
+                      </a:r>
+                      <a:endParaRPr lang="en-US" sz="1000" dirty="0">
+                        <a:solidFill>
+                          <a:srgbClr val="000000"/>
+                        </a:solidFill>
+                        <a:effectLst/>
+                        <a:latin typeface="Calibri" panose="020F0502020204030204" pitchFamily="34" charset="0"/>
+                        <a:ea typeface="Calibri" panose="020F0502020204030204" pitchFamily="34" charset="0"/>
+                        <a:cs typeface="Calibri" panose="020F0502020204030204" pitchFamily="34" charset="0"/>
+                      </a:endParaRPr>
+                    </a:p>
+                  </a:txBody>
+                  <a:tcPr marL="69850" marR="69850" marT="15875" marB="0"/>
+                </a:tc>
+                <a:tc>
+                  <a:txBody>
+                    <a:bodyPr/>
+                    <a:lstStyle/>
+                    <a:p>
+                      <a:pPr marL="0" marR="0" indent="0" algn="l">
+                        <a:lnSpc>
+                          <a:spcPct val="107000"/>
+                        </a:lnSpc>
+                        <a:spcBef>
+                          <a:spcPts val="0"/>
+                        </a:spcBef>
+                        <a:spcAft>
+                          <a:spcPts val="0"/>
+                        </a:spcAft>
+                      </a:pPr>
+                      <a:r>
+                        <a:rPr lang="en-US" sz="900" dirty="0">
+                          <a:effectLst/>
+                        </a:rPr>
+                        <a:t>14×14×512</a:t>
+                      </a:r>
+                      <a:endParaRPr lang="en-US" sz="1000" dirty="0">
+                        <a:effectLst/>
+                      </a:endParaRPr>
+                    </a:p>
+                    <a:p>
+                      <a:pPr marL="0" marR="0" indent="0" algn="l">
+                        <a:lnSpc>
+                          <a:spcPct val="107000"/>
+                        </a:lnSpc>
+                        <a:spcBef>
+                          <a:spcPts val="0"/>
+                        </a:spcBef>
+                        <a:spcAft>
+                          <a:spcPts val="0"/>
+                        </a:spcAft>
+                      </a:pPr>
+                      <a:r>
+                        <a:rPr lang="en-US" sz="900" dirty="0">
+                          <a:effectLst/>
+                        </a:rPr>
+                        <a:t>14×14×512</a:t>
+                      </a:r>
+                      <a:endParaRPr lang="en-US" sz="1000" dirty="0">
+                        <a:solidFill>
+                          <a:srgbClr val="000000"/>
+                        </a:solidFill>
+                        <a:effectLst/>
+                        <a:latin typeface="Calibri" panose="020F0502020204030204" pitchFamily="34" charset="0"/>
+                        <a:ea typeface="Calibri" panose="020F0502020204030204" pitchFamily="34" charset="0"/>
+                        <a:cs typeface="Calibri" panose="020F0502020204030204" pitchFamily="34" charset="0"/>
+                      </a:endParaRPr>
+                    </a:p>
+                  </a:txBody>
+                  <a:tcPr marL="69850" marR="69850" marT="15875" marB="0"/>
+                </a:tc>
+              </a:tr>
+              <a:tr h="200721">
+                <a:tc>
+                  <a:txBody>
+                    <a:bodyPr/>
+                    <a:lstStyle/>
+                    <a:p>
+                      <a:pPr marL="0" marR="0" indent="0" algn="l">
+                        <a:lnSpc>
+                          <a:spcPct val="107000"/>
+                        </a:lnSpc>
+                        <a:spcBef>
+                          <a:spcPts val="0"/>
+                        </a:spcBef>
+                        <a:spcAft>
+                          <a:spcPts val="0"/>
+                        </a:spcAft>
+                      </a:pPr>
+                      <a:r>
+                        <a:rPr lang="en-US" sz="900" dirty="0" err="1">
+                          <a:effectLst/>
+                        </a:rPr>
+                        <a:t>Conv</a:t>
+                      </a:r>
+                      <a:r>
+                        <a:rPr lang="en-US" sz="900" dirty="0">
+                          <a:effectLst/>
+                        </a:rPr>
+                        <a:t> </a:t>
+                      </a:r>
+                      <a:r>
+                        <a:rPr lang="en-US" sz="900" dirty="0" err="1">
+                          <a:effectLst/>
+                        </a:rPr>
+                        <a:t>dw</a:t>
+                      </a:r>
+                      <a:r>
+                        <a:rPr lang="en-US" sz="900" dirty="0">
+                          <a:effectLst/>
+                        </a:rPr>
+                        <a:t> / s2</a:t>
+                      </a:r>
+                      <a:endParaRPr lang="en-US" sz="1000" dirty="0">
+                        <a:solidFill>
+                          <a:srgbClr val="000000"/>
+                        </a:solidFill>
+                        <a:effectLst/>
+                        <a:latin typeface="Calibri" panose="020F0502020204030204" pitchFamily="34" charset="0"/>
+                        <a:ea typeface="Calibri" panose="020F0502020204030204" pitchFamily="34" charset="0"/>
+                        <a:cs typeface="Calibri" panose="020F0502020204030204" pitchFamily="34" charset="0"/>
+                      </a:endParaRPr>
+                    </a:p>
+                  </a:txBody>
+                  <a:tcPr marL="69850" marR="69850" marT="15875" marB="0"/>
+                </a:tc>
+                <a:tc>
+                  <a:txBody>
+                    <a:bodyPr/>
+                    <a:lstStyle/>
+                    <a:p>
+                      <a:pPr marL="0" marR="0" indent="0" algn="l">
+                        <a:lnSpc>
+                          <a:spcPct val="107000"/>
+                        </a:lnSpc>
+                        <a:spcBef>
+                          <a:spcPts val="0"/>
+                        </a:spcBef>
+                        <a:spcAft>
+                          <a:spcPts val="0"/>
+                        </a:spcAft>
+                      </a:pPr>
+                      <a:r>
+                        <a:rPr lang="en-US" sz="900">
+                          <a:effectLst/>
+                        </a:rPr>
+                        <a:t>3×3×512 dw</a:t>
+                      </a:r>
+                      <a:endParaRPr lang="en-US" sz="1000">
+                        <a:solidFill>
+                          <a:srgbClr val="000000"/>
+                        </a:solidFill>
+                        <a:effectLst/>
+                        <a:latin typeface="Calibri" panose="020F0502020204030204" pitchFamily="34" charset="0"/>
+                        <a:ea typeface="Calibri" panose="020F0502020204030204" pitchFamily="34" charset="0"/>
+                        <a:cs typeface="Calibri" panose="020F0502020204030204" pitchFamily="34" charset="0"/>
+                      </a:endParaRPr>
+                    </a:p>
+                  </a:txBody>
+                  <a:tcPr marL="69850" marR="69850" marT="15875" marB="0"/>
+                </a:tc>
+                <a:tc>
+                  <a:txBody>
+                    <a:bodyPr/>
+                    <a:lstStyle/>
+                    <a:p>
+                      <a:pPr marL="0" marR="0" indent="0" algn="l">
+                        <a:lnSpc>
+                          <a:spcPct val="107000"/>
+                        </a:lnSpc>
+                        <a:spcBef>
+                          <a:spcPts val="0"/>
+                        </a:spcBef>
+                        <a:spcAft>
+                          <a:spcPts val="0"/>
+                        </a:spcAft>
+                      </a:pPr>
+                      <a:r>
+                        <a:rPr lang="en-US" sz="900" dirty="0">
+                          <a:effectLst/>
+                        </a:rPr>
+                        <a:t>14×14×512</a:t>
+                      </a:r>
+                      <a:endParaRPr lang="en-US" sz="1000" dirty="0">
+                        <a:solidFill>
+                          <a:srgbClr val="000000"/>
+                        </a:solidFill>
+                        <a:effectLst/>
+                        <a:latin typeface="Calibri" panose="020F0502020204030204" pitchFamily="34" charset="0"/>
+                        <a:ea typeface="Calibri" panose="020F0502020204030204" pitchFamily="34" charset="0"/>
+                        <a:cs typeface="Calibri" panose="020F0502020204030204" pitchFamily="34" charset="0"/>
+                      </a:endParaRPr>
+                    </a:p>
+                  </a:txBody>
+                  <a:tcPr marL="69850" marR="69850" marT="15875" marB="0"/>
+                </a:tc>
+              </a:tr>
+              <a:tr h="200721">
+                <a:tc>
+                  <a:txBody>
+                    <a:bodyPr/>
+                    <a:lstStyle/>
+                    <a:p>
+                      <a:pPr marL="0" marR="0" indent="0" algn="l">
+                        <a:lnSpc>
+                          <a:spcPct val="107000"/>
+                        </a:lnSpc>
+                        <a:spcBef>
+                          <a:spcPts val="0"/>
+                        </a:spcBef>
+                        <a:spcAft>
+                          <a:spcPts val="0"/>
+                        </a:spcAft>
+                      </a:pPr>
+                      <a:r>
+                        <a:rPr lang="en-US" sz="900">
+                          <a:effectLst/>
+                        </a:rPr>
+                        <a:t>Conv / s1</a:t>
+                      </a:r>
+                      <a:endParaRPr lang="en-US" sz="1000">
+                        <a:solidFill>
+                          <a:srgbClr val="000000"/>
+                        </a:solidFill>
+                        <a:effectLst/>
+                        <a:latin typeface="Calibri" panose="020F0502020204030204" pitchFamily="34" charset="0"/>
+                        <a:ea typeface="Calibri" panose="020F0502020204030204" pitchFamily="34" charset="0"/>
+                        <a:cs typeface="Calibri" panose="020F0502020204030204" pitchFamily="34" charset="0"/>
+                      </a:endParaRPr>
+                    </a:p>
+                  </a:txBody>
+                  <a:tcPr marL="69850" marR="69850" marT="15875" marB="0"/>
+                </a:tc>
+                <a:tc>
+                  <a:txBody>
+                    <a:bodyPr/>
+                    <a:lstStyle/>
+                    <a:p>
+                      <a:pPr marL="0" marR="0" indent="0" algn="l">
+                        <a:lnSpc>
+                          <a:spcPct val="107000"/>
+                        </a:lnSpc>
+                        <a:spcBef>
+                          <a:spcPts val="0"/>
+                        </a:spcBef>
+                        <a:spcAft>
+                          <a:spcPts val="0"/>
+                        </a:spcAft>
+                      </a:pPr>
+                      <a:r>
+                        <a:rPr lang="en-US" sz="900">
+                          <a:effectLst/>
+                        </a:rPr>
+                        <a:t>1×1×512×1024</a:t>
+                      </a:r>
+                      <a:endParaRPr lang="en-US" sz="1000">
+                        <a:solidFill>
+                          <a:srgbClr val="000000"/>
+                        </a:solidFill>
+                        <a:effectLst/>
+                        <a:latin typeface="Calibri" panose="020F0502020204030204" pitchFamily="34" charset="0"/>
+                        <a:ea typeface="Calibri" panose="020F0502020204030204" pitchFamily="34" charset="0"/>
+                        <a:cs typeface="Calibri" panose="020F0502020204030204" pitchFamily="34" charset="0"/>
+                      </a:endParaRPr>
+                    </a:p>
+                  </a:txBody>
+                  <a:tcPr marL="69850" marR="69850" marT="15875" marB="0"/>
+                </a:tc>
+                <a:tc>
+                  <a:txBody>
+                    <a:bodyPr/>
+                    <a:lstStyle/>
+                    <a:p>
+                      <a:pPr marL="0" marR="0" indent="0" algn="l">
+                        <a:lnSpc>
+                          <a:spcPct val="107000"/>
+                        </a:lnSpc>
+                        <a:spcBef>
+                          <a:spcPts val="0"/>
+                        </a:spcBef>
+                        <a:spcAft>
+                          <a:spcPts val="0"/>
+                        </a:spcAft>
+                      </a:pPr>
+                      <a:r>
+                        <a:rPr lang="en-US" sz="900" dirty="0">
+                          <a:effectLst/>
+                        </a:rPr>
+                        <a:t>7×7×512</a:t>
+                      </a:r>
+                      <a:endParaRPr lang="en-US" sz="1000" dirty="0">
+                        <a:solidFill>
+                          <a:srgbClr val="000000"/>
+                        </a:solidFill>
+                        <a:effectLst/>
+                        <a:latin typeface="Calibri" panose="020F0502020204030204" pitchFamily="34" charset="0"/>
+                        <a:ea typeface="Calibri" panose="020F0502020204030204" pitchFamily="34" charset="0"/>
+                        <a:cs typeface="Calibri" panose="020F0502020204030204" pitchFamily="34" charset="0"/>
+                      </a:endParaRPr>
+                    </a:p>
+                  </a:txBody>
+                  <a:tcPr marL="69850" marR="69850" marT="15875" marB="0"/>
+                </a:tc>
+              </a:tr>
+              <a:tr h="200721">
+                <a:tc>
+                  <a:txBody>
+                    <a:bodyPr/>
+                    <a:lstStyle/>
+                    <a:p>
+                      <a:pPr marL="0" marR="0" indent="0" algn="l">
+                        <a:lnSpc>
+                          <a:spcPct val="107000"/>
+                        </a:lnSpc>
+                        <a:spcBef>
+                          <a:spcPts val="0"/>
+                        </a:spcBef>
+                        <a:spcAft>
+                          <a:spcPts val="0"/>
+                        </a:spcAft>
+                      </a:pPr>
+                      <a:r>
+                        <a:rPr lang="en-US" sz="900">
+                          <a:effectLst/>
+                        </a:rPr>
+                        <a:t>Conv dw / s2</a:t>
+                      </a:r>
+                      <a:endParaRPr lang="en-US" sz="1000">
+                        <a:solidFill>
+                          <a:srgbClr val="000000"/>
+                        </a:solidFill>
+                        <a:effectLst/>
+                        <a:latin typeface="Calibri" panose="020F0502020204030204" pitchFamily="34" charset="0"/>
+                        <a:ea typeface="Calibri" panose="020F0502020204030204" pitchFamily="34" charset="0"/>
+                        <a:cs typeface="Calibri" panose="020F0502020204030204" pitchFamily="34" charset="0"/>
+                      </a:endParaRPr>
+                    </a:p>
+                  </a:txBody>
+                  <a:tcPr marL="69850" marR="69850" marT="15875" marB="0"/>
+                </a:tc>
+                <a:tc>
+                  <a:txBody>
+                    <a:bodyPr/>
+                    <a:lstStyle/>
+                    <a:p>
+                      <a:pPr marL="0" marR="0" indent="0" algn="l">
+                        <a:lnSpc>
+                          <a:spcPct val="107000"/>
+                        </a:lnSpc>
+                        <a:spcBef>
+                          <a:spcPts val="0"/>
+                        </a:spcBef>
+                        <a:spcAft>
+                          <a:spcPts val="0"/>
+                        </a:spcAft>
+                      </a:pPr>
+                      <a:r>
+                        <a:rPr lang="en-US" sz="900">
+                          <a:effectLst/>
+                        </a:rPr>
+                        <a:t>3×3×1024 dw</a:t>
+                      </a:r>
+                      <a:endParaRPr lang="en-US" sz="1000">
+                        <a:solidFill>
+                          <a:srgbClr val="000000"/>
+                        </a:solidFill>
+                        <a:effectLst/>
+                        <a:latin typeface="Calibri" panose="020F0502020204030204" pitchFamily="34" charset="0"/>
+                        <a:ea typeface="Calibri" panose="020F0502020204030204" pitchFamily="34" charset="0"/>
+                        <a:cs typeface="Calibri" panose="020F0502020204030204" pitchFamily="34" charset="0"/>
+                      </a:endParaRPr>
+                    </a:p>
+                  </a:txBody>
+                  <a:tcPr marL="69850" marR="69850" marT="15875" marB="0"/>
+                </a:tc>
+                <a:tc>
+                  <a:txBody>
+                    <a:bodyPr/>
+                    <a:lstStyle/>
+                    <a:p>
+                      <a:pPr marL="0" marR="0" indent="0" algn="l">
+                        <a:lnSpc>
+                          <a:spcPct val="107000"/>
+                        </a:lnSpc>
+                        <a:spcBef>
+                          <a:spcPts val="0"/>
+                        </a:spcBef>
+                        <a:spcAft>
+                          <a:spcPts val="0"/>
+                        </a:spcAft>
+                      </a:pPr>
+                      <a:r>
+                        <a:rPr lang="en-US" sz="900" dirty="0">
+                          <a:effectLst/>
+                        </a:rPr>
+                        <a:t>7×7×1024</a:t>
+                      </a:r>
+                      <a:endParaRPr lang="en-US" sz="1000" dirty="0">
+                        <a:solidFill>
+                          <a:srgbClr val="000000"/>
+                        </a:solidFill>
+                        <a:effectLst/>
+                        <a:latin typeface="Calibri" panose="020F0502020204030204" pitchFamily="34" charset="0"/>
+                        <a:ea typeface="Calibri" panose="020F0502020204030204" pitchFamily="34" charset="0"/>
+                        <a:cs typeface="Calibri" panose="020F0502020204030204" pitchFamily="34" charset="0"/>
+                      </a:endParaRPr>
+                    </a:p>
+                  </a:txBody>
+                  <a:tcPr marL="69850" marR="69850" marT="15875" marB="0"/>
+                </a:tc>
+              </a:tr>
+              <a:tr h="200721">
+                <a:tc>
+                  <a:txBody>
+                    <a:bodyPr/>
+                    <a:lstStyle/>
+                    <a:p>
+                      <a:pPr marL="0" marR="0" indent="0" algn="l">
+                        <a:lnSpc>
+                          <a:spcPct val="107000"/>
+                        </a:lnSpc>
+                        <a:spcBef>
+                          <a:spcPts val="0"/>
+                        </a:spcBef>
+                        <a:spcAft>
+                          <a:spcPts val="0"/>
+                        </a:spcAft>
+                      </a:pPr>
+                      <a:r>
+                        <a:rPr lang="en-US" sz="900">
+                          <a:effectLst/>
+                        </a:rPr>
+                        <a:t>Conv / s1</a:t>
+                      </a:r>
+                      <a:endParaRPr lang="en-US" sz="1000">
+                        <a:solidFill>
+                          <a:srgbClr val="000000"/>
+                        </a:solidFill>
+                        <a:effectLst/>
+                        <a:latin typeface="Calibri" panose="020F0502020204030204" pitchFamily="34" charset="0"/>
+                        <a:ea typeface="Calibri" panose="020F0502020204030204" pitchFamily="34" charset="0"/>
+                        <a:cs typeface="Calibri" panose="020F0502020204030204" pitchFamily="34" charset="0"/>
+                      </a:endParaRPr>
+                    </a:p>
+                  </a:txBody>
+                  <a:tcPr marL="69850" marR="69850" marT="15875" marB="0"/>
+                </a:tc>
+                <a:tc>
+                  <a:txBody>
+                    <a:bodyPr/>
+                    <a:lstStyle/>
+                    <a:p>
+                      <a:pPr marL="0" marR="0" indent="0" algn="l">
+                        <a:lnSpc>
+                          <a:spcPct val="107000"/>
+                        </a:lnSpc>
+                        <a:spcBef>
+                          <a:spcPts val="0"/>
+                        </a:spcBef>
+                        <a:spcAft>
+                          <a:spcPts val="0"/>
+                        </a:spcAft>
+                      </a:pPr>
+                      <a:r>
+                        <a:rPr lang="en-US" sz="900">
+                          <a:effectLst/>
+                        </a:rPr>
+                        <a:t>1×1×1024×1024</a:t>
+                      </a:r>
+                      <a:endParaRPr lang="en-US" sz="1000">
+                        <a:solidFill>
+                          <a:srgbClr val="000000"/>
+                        </a:solidFill>
+                        <a:effectLst/>
+                        <a:latin typeface="Calibri" panose="020F0502020204030204" pitchFamily="34" charset="0"/>
+                        <a:ea typeface="Calibri" panose="020F0502020204030204" pitchFamily="34" charset="0"/>
+                        <a:cs typeface="Calibri" panose="020F0502020204030204" pitchFamily="34" charset="0"/>
+                      </a:endParaRPr>
+                    </a:p>
+                  </a:txBody>
+                  <a:tcPr marL="69850" marR="69850" marT="15875" marB="0"/>
+                </a:tc>
+                <a:tc>
+                  <a:txBody>
+                    <a:bodyPr/>
+                    <a:lstStyle/>
+                    <a:p>
+                      <a:pPr marL="0" marR="0" indent="0" algn="l">
+                        <a:lnSpc>
+                          <a:spcPct val="107000"/>
+                        </a:lnSpc>
+                        <a:spcBef>
+                          <a:spcPts val="0"/>
+                        </a:spcBef>
+                        <a:spcAft>
+                          <a:spcPts val="0"/>
+                        </a:spcAft>
+                      </a:pPr>
+                      <a:r>
+                        <a:rPr lang="en-US" sz="900">
+                          <a:effectLst/>
+                        </a:rPr>
+                        <a:t>7×7×1024</a:t>
+                      </a:r>
+                      <a:endParaRPr lang="en-US" sz="1000">
+                        <a:solidFill>
+                          <a:srgbClr val="000000"/>
+                        </a:solidFill>
+                        <a:effectLst/>
+                        <a:latin typeface="Calibri" panose="020F0502020204030204" pitchFamily="34" charset="0"/>
+                        <a:ea typeface="Calibri" panose="020F0502020204030204" pitchFamily="34" charset="0"/>
+                        <a:cs typeface="Calibri" panose="020F0502020204030204" pitchFamily="34" charset="0"/>
+                      </a:endParaRPr>
+                    </a:p>
+                  </a:txBody>
+                  <a:tcPr marL="69850" marR="69850" marT="15875" marB="0"/>
+                </a:tc>
+              </a:tr>
+              <a:tr h="200721">
+                <a:tc>
+                  <a:txBody>
+                    <a:bodyPr/>
+                    <a:lstStyle/>
+                    <a:p>
+                      <a:pPr marL="0" marR="0" indent="0" algn="l">
+                        <a:lnSpc>
+                          <a:spcPct val="107000"/>
+                        </a:lnSpc>
+                        <a:spcBef>
+                          <a:spcPts val="0"/>
+                        </a:spcBef>
+                        <a:spcAft>
+                          <a:spcPts val="0"/>
+                        </a:spcAft>
+                      </a:pPr>
+                      <a:r>
+                        <a:rPr lang="en-US" sz="900">
+                          <a:effectLst/>
+                        </a:rPr>
+                        <a:t>Avg Pool / s1</a:t>
+                      </a:r>
+                      <a:endParaRPr lang="en-US" sz="1000">
+                        <a:solidFill>
+                          <a:srgbClr val="000000"/>
+                        </a:solidFill>
+                        <a:effectLst/>
+                        <a:latin typeface="Calibri" panose="020F0502020204030204" pitchFamily="34" charset="0"/>
+                        <a:ea typeface="Calibri" panose="020F0502020204030204" pitchFamily="34" charset="0"/>
+                        <a:cs typeface="Calibri" panose="020F0502020204030204" pitchFamily="34" charset="0"/>
+                      </a:endParaRPr>
+                    </a:p>
+                  </a:txBody>
+                  <a:tcPr marL="69850" marR="69850" marT="15875" marB="0"/>
+                </a:tc>
+                <a:tc>
+                  <a:txBody>
+                    <a:bodyPr/>
+                    <a:lstStyle/>
+                    <a:p>
+                      <a:pPr marL="0" marR="0" indent="0" algn="l">
+                        <a:lnSpc>
+                          <a:spcPct val="107000"/>
+                        </a:lnSpc>
+                        <a:spcBef>
+                          <a:spcPts val="0"/>
+                        </a:spcBef>
+                        <a:spcAft>
+                          <a:spcPts val="0"/>
+                        </a:spcAft>
+                      </a:pPr>
+                      <a:r>
+                        <a:rPr lang="en-US" sz="900">
+                          <a:effectLst/>
+                        </a:rPr>
+                        <a:t>Pool 7×7</a:t>
+                      </a:r>
+                      <a:endParaRPr lang="en-US" sz="1000">
+                        <a:solidFill>
+                          <a:srgbClr val="000000"/>
+                        </a:solidFill>
+                        <a:effectLst/>
+                        <a:latin typeface="Calibri" panose="020F0502020204030204" pitchFamily="34" charset="0"/>
+                        <a:ea typeface="Calibri" panose="020F0502020204030204" pitchFamily="34" charset="0"/>
+                        <a:cs typeface="Calibri" panose="020F0502020204030204" pitchFamily="34" charset="0"/>
+                      </a:endParaRPr>
+                    </a:p>
+                  </a:txBody>
+                  <a:tcPr marL="69850" marR="69850" marT="15875" marB="0"/>
+                </a:tc>
+                <a:tc>
+                  <a:txBody>
+                    <a:bodyPr/>
+                    <a:lstStyle/>
+                    <a:p>
+                      <a:pPr marL="0" marR="0" indent="0" algn="l">
+                        <a:lnSpc>
+                          <a:spcPct val="107000"/>
+                        </a:lnSpc>
+                        <a:spcBef>
+                          <a:spcPts val="0"/>
+                        </a:spcBef>
+                        <a:spcAft>
+                          <a:spcPts val="0"/>
+                        </a:spcAft>
+                      </a:pPr>
+                      <a:r>
+                        <a:rPr lang="en-US" sz="900" dirty="0">
+                          <a:effectLst/>
+                        </a:rPr>
+                        <a:t>7×7×1024</a:t>
+                      </a:r>
+                      <a:endParaRPr lang="en-US" sz="1000" dirty="0">
+                        <a:solidFill>
+                          <a:srgbClr val="000000"/>
+                        </a:solidFill>
+                        <a:effectLst/>
+                        <a:latin typeface="Calibri" panose="020F0502020204030204" pitchFamily="34" charset="0"/>
+                        <a:ea typeface="Calibri" panose="020F0502020204030204" pitchFamily="34" charset="0"/>
+                        <a:cs typeface="Calibri" panose="020F0502020204030204" pitchFamily="34" charset="0"/>
+                      </a:endParaRPr>
+                    </a:p>
+                  </a:txBody>
+                  <a:tcPr marL="69850" marR="69850" marT="15875" marB="0"/>
+                </a:tc>
+              </a:tr>
+              <a:tr h="200721">
+                <a:tc>
+                  <a:txBody>
+                    <a:bodyPr/>
+                    <a:lstStyle/>
+                    <a:p>
+                      <a:pPr marL="0" marR="0" indent="0" algn="l">
+                        <a:lnSpc>
+                          <a:spcPct val="107000"/>
+                        </a:lnSpc>
+                        <a:spcBef>
+                          <a:spcPts val="0"/>
+                        </a:spcBef>
+                        <a:spcAft>
+                          <a:spcPts val="0"/>
+                        </a:spcAft>
+                      </a:pPr>
+                      <a:r>
+                        <a:rPr lang="en-US" sz="900">
+                          <a:effectLst/>
+                        </a:rPr>
+                        <a:t>FC / s1</a:t>
+                      </a:r>
+                      <a:endParaRPr lang="en-US" sz="1000">
+                        <a:solidFill>
+                          <a:srgbClr val="000000"/>
+                        </a:solidFill>
+                        <a:effectLst/>
+                        <a:latin typeface="Calibri" panose="020F0502020204030204" pitchFamily="34" charset="0"/>
+                        <a:ea typeface="Calibri" panose="020F0502020204030204" pitchFamily="34" charset="0"/>
+                        <a:cs typeface="Calibri" panose="020F0502020204030204" pitchFamily="34" charset="0"/>
+                      </a:endParaRPr>
+                    </a:p>
+                  </a:txBody>
+                  <a:tcPr marL="69850" marR="69850" marT="15875" marB="0"/>
+                </a:tc>
+                <a:tc>
+                  <a:txBody>
+                    <a:bodyPr/>
+                    <a:lstStyle/>
+                    <a:p>
+                      <a:pPr marL="0" marR="0" indent="0" algn="l">
+                        <a:lnSpc>
+                          <a:spcPct val="107000"/>
+                        </a:lnSpc>
+                        <a:spcBef>
+                          <a:spcPts val="0"/>
+                        </a:spcBef>
+                        <a:spcAft>
+                          <a:spcPts val="0"/>
+                        </a:spcAft>
+                      </a:pPr>
+                      <a:r>
+                        <a:rPr lang="en-US" sz="900" dirty="0">
+                          <a:effectLst/>
+                        </a:rPr>
+                        <a:t>1024×1000</a:t>
+                      </a:r>
+                      <a:endParaRPr lang="en-US" sz="1000" dirty="0">
+                        <a:solidFill>
+                          <a:srgbClr val="000000"/>
+                        </a:solidFill>
+                        <a:effectLst/>
+                        <a:latin typeface="Calibri" panose="020F0502020204030204" pitchFamily="34" charset="0"/>
+                        <a:ea typeface="Calibri" panose="020F0502020204030204" pitchFamily="34" charset="0"/>
+                        <a:cs typeface="Calibri" panose="020F0502020204030204" pitchFamily="34" charset="0"/>
+                      </a:endParaRPr>
+                    </a:p>
+                  </a:txBody>
+                  <a:tcPr marL="69850" marR="69850" marT="15875" marB="0"/>
+                </a:tc>
+                <a:tc>
+                  <a:txBody>
+                    <a:bodyPr/>
+                    <a:lstStyle/>
+                    <a:p>
+                      <a:pPr marL="0" marR="0" indent="0" algn="l">
+                        <a:lnSpc>
+                          <a:spcPct val="107000"/>
+                        </a:lnSpc>
+                        <a:spcBef>
+                          <a:spcPts val="0"/>
+                        </a:spcBef>
+                        <a:spcAft>
+                          <a:spcPts val="0"/>
+                        </a:spcAft>
+                      </a:pPr>
+                      <a:r>
+                        <a:rPr lang="en-US" sz="900" dirty="0">
+                          <a:effectLst/>
+                        </a:rPr>
+                        <a:t>1×1×1024</a:t>
+                      </a:r>
+                      <a:endParaRPr lang="en-US" sz="1000" dirty="0">
+                        <a:solidFill>
+                          <a:srgbClr val="000000"/>
+                        </a:solidFill>
+                        <a:effectLst/>
+                        <a:latin typeface="Calibri" panose="020F0502020204030204" pitchFamily="34" charset="0"/>
+                        <a:ea typeface="Calibri" panose="020F0502020204030204" pitchFamily="34" charset="0"/>
+                        <a:cs typeface="Calibri" panose="020F0502020204030204" pitchFamily="34" charset="0"/>
+                      </a:endParaRPr>
+                    </a:p>
+                  </a:txBody>
+                  <a:tcPr marL="69850" marR="69850" marT="15875" marB="0"/>
+                </a:tc>
+              </a:tr>
+              <a:tr h="200721">
+                <a:tc>
+                  <a:txBody>
+                    <a:bodyPr/>
+                    <a:lstStyle/>
+                    <a:p>
+                      <a:pPr marL="0" marR="0" indent="0" algn="l">
+                        <a:lnSpc>
+                          <a:spcPct val="107000"/>
+                        </a:lnSpc>
+                        <a:spcBef>
+                          <a:spcPts val="0"/>
+                        </a:spcBef>
+                        <a:spcAft>
+                          <a:spcPts val="0"/>
+                        </a:spcAft>
+                      </a:pPr>
+                      <a:r>
+                        <a:rPr lang="en-US" sz="900">
+                          <a:effectLst/>
+                        </a:rPr>
+                        <a:t>Softmax / s1</a:t>
+                      </a:r>
+                      <a:endParaRPr lang="en-US" sz="1000">
+                        <a:solidFill>
+                          <a:srgbClr val="000000"/>
+                        </a:solidFill>
+                        <a:effectLst/>
+                        <a:latin typeface="Calibri" panose="020F0502020204030204" pitchFamily="34" charset="0"/>
+                        <a:ea typeface="Calibri" panose="020F0502020204030204" pitchFamily="34" charset="0"/>
+                        <a:cs typeface="Calibri" panose="020F0502020204030204" pitchFamily="34" charset="0"/>
+                      </a:endParaRPr>
+                    </a:p>
+                  </a:txBody>
+                  <a:tcPr marL="69850" marR="69850" marT="15875" marB="0"/>
+                </a:tc>
+                <a:tc>
+                  <a:txBody>
+                    <a:bodyPr/>
+                    <a:lstStyle/>
+                    <a:p>
+                      <a:pPr marL="0" marR="0" indent="0" algn="l">
+                        <a:lnSpc>
+                          <a:spcPct val="107000"/>
+                        </a:lnSpc>
+                        <a:spcBef>
+                          <a:spcPts val="0"/>
+                        </a:spcBef>
+                        <a:spcAft>
+                          <a:spcPts val="0"/>
+                        </a:spcAft>
+                      </a:pPr>
+                      <a:r>
+                        <a:rPr lang="en-US" sz="900">
+                          <a:effectLst/>
+                        </a:rPr>
+                        <a:t>Classifier</a:t>
+                      </a:r>
+                      <a:endParaRPr lang="en-US" sz="1000">
+                        <a:solidFill>
+                          <a:srgbClr val="000000"/>
+                        </a:solidFill>
+                        <a:effectLst/>
+                        <a:latin typeface="Calibri" panose="020F0502020204030204" pitchFamily="34" charset="0"/>
+                        <a:ea typeface="Calibri" panose="020F0502020204030204" pitchFamily="34" charset="0"/>
+                        <a:cs typeface="Calibri" panose="020F0502020204030204" pitchFamily="34" charset="0"/>
+                      </a:endParaRPr>
+                    </a:p>
+                  </a:txBody>
+                  <a:tcPr marL="69850" marR="69850" marT="15875" marB="0"/>
+                </a:tc>
+                <a:tc>
+                  <a:txBody>
+                    <a:bodyPr/>
+                    <a:lstStyle/>
+                    <a:p>
+                      <a:pPr marL="0" marR="0" indent="0" algn="l">
+                        <a:lnSpc>
+                          <a:spcPct val="107000"/>
+                        </a:lnSpc>
+                        <a:spcBef>
+                          <a:spcPts val="0"/>
+                        </a:spcBef>
+                        <a:spcAft>
+                          <a:spcPts val="0"/>
+                        </a:spcAft>
+                      </a:pPr>
+                      <a:r>
+                        <a:rPr lang="en-US" sz="900" dirty="0">
+                          <a:effectLst/>
+                        </a:rPr>
+                        <a:t>1×1×1000</a:t>
+                      </a:r>
+                      <a:endParaRPr lang="en-US" sz="1000" dirty="0">
+                        <a:solidFill>
+                          <a:srgbClr val="000000"/>
+                        </a:solidFill>
+                        <a:effectLst/>
+                        <a:latin typeface="Calibri" panose="020F0502020204030204" pitchFamily="34" charset="0"/>
+                        <a:ea typeface="Calibri" panose="020F0502020204030204" pitchFamily="34" charset="0"/>
+                        <a:cs typeface="Calibri" panose="020F0502020204030204" pitchFamily="34" charset="0"/>
+                      </a:endParaRPr>
+                    </a:p>
+                  </a:txBody>
+                  <a:tcPr marL="69850" marR="69850" marT="15875" marB="0"/>
+                </a:tc>
+              </a:tr>
+            </a:tbl>
+          </a:graphicData>
+        </a:graphic>
+      </p:graphicFrame>
       <p:pic>
         <p:nvPicPr>
-          <p:cNvPr id="5" name="Picture 4"/>
+          <p:cNvPr id="3" name="Picture 2"/>
           <p:cNvPicPr>
             <a:picLocks noChangeAspect="1"/>
           </p:cNvPicPr>
           <p:nvPr/>
         </p:nvPicPr>
         <p:blipFill>
-          <a:blip r:embed="rId2">
-            <a:extLst>
-              <a:ext uri="{28A0092B-C50C-407E-A947-70E740481C1C}">
-                <a14:useLocalDpi xmlns:a14="http://schemas.microsoft.com/office/drawing/2010/main" val="0"/>
-              </a:ext>
-            </a:extLst>
-          </a:blip>
+          <a:blip r:embed="rId3"/>
           <a:stretch>
             <a:fillRect/>
           </a:stretch>
         </p:blipFill>
         <p:spPr>
           <a:xfrm>
-            <a:off x="863263" y="2343997"/>
-            <a:ext cx="8164064" cy="2819794"/>
+            <a:off x="168975" y="1052512"/>
+            <a:ext cx="5366626" cy="3376613"/>
           </a:xfrm>
           <a:prstGeom prst="rect">
             <a:avLst/>
@@ -4245,7 +8083,167 @@
     </p:spTree>
     <p:extLst>
       <p:ext uri="{BB962C8B-B14F-4D97-AF65-F5344CB8AC3E}">
-        <p14:creationId xmlns:p14="http://schemas.microsoft.com/office/powerpoint/2010/main" val="4206286314"/>
+        <p14:creationId xmlns:p14="http://schemas.microsoft.com/office/powerpoint/2010/main" val="1267923899"/>
+      </p:ext>
+    </p:extLst>
+  </p:cSld>
+  <p:clrMapOvr>
+    <a:masterClrMapping/>
+  </p:clrMapOvr>
+  <mc:AlternateContent xmlns:mc="http://schemas.openxmlformats.org/markup-compatibility/2006" xmlns:p14="http://schemas.microsoft.com/office/powerpoint/2010/main">
+    <mc:Choice Requires="p14">
+      <p:transition p14:dur="10"/>
+    </mc:Choice>
+    <mc:Fallback xmlns="">
+      <p:transition/>
+    </mc:Fallback>
+  </mc:AlternateContent>
+</p:sld>
+</file>
+
+<file path=ppt/slides/slide18.xml><?xml version="1.0" encoding="utf-8"?>
+<p:sld xmlns:a="http://schemas.openxmlformats.org/drawingml/2006/main" xmlns:r="http://schemas.openxmlformats.org/officeDocument/2006/relationships" xmlns:p="http://schemas.openxmlformats.org/presentationml/2006/main">
+  <p:cSld>
+    <p:spTree>
+      <p:nvGrpSpPr>
+        <p:cNvPr id="1" name=""/>
+        <p:cNvGrpSpPr/>
+        <p:nvPr/>
+      </p:nvGrpSpPr>
+      <p:grpSpPr>
+        <a:xfrm>
+          <a:off x="0" y="0"/>
+          <a:ext cx="0" cy="0"/>
+          <a:chOff x="0" y="0"/>
+          <a:chExt cx="0" cy="0"/>
+        </a:xfrm>
+      </p:grpSpPr>
+      <p:sp>
+        <p:nvSpPr>
+          <p:cNvPr id="2" name="Title 1"/>
+          <p:cNvSpPr>
+            <a:spLocks noGrp="1"/>
+          </p:cNvSpPr>
+          <p:nvPr>
+            <p:ph type="title"/>
+          </p:nvPr>
+        </p:nvSpPr>
+        <p:spPr/>
+        <p:txBody>
+          <a:bodyPr/>
+          <a:lstStyle/>
+          <a:p>
+            <a:r>
+              <a:rPr lang="en-US" cap="none" dirty="0" smtClean="0"/>
+              <a:t>Very Deep Super Resolution</a:t>
+            </a:r>
+            <a:endParaRPr lang="en-US" cap="none" dirty="0"/>
+          </a:p>
+        </p:txBody>
+      </p:sp>
+      <p:sp>
+        <p:nvSpPr>
+          <p:cNvPr id="3" name="Text Placeholder 2"/>
+          <p:cNvSpPr>
+            <a:spLocks noGrp="1"/>
+          </p:cNvSpPr>
+          <p:nvPr>
+            <p:ph type="body" sz="quarter" idx="10"/>
+          </p:nvPr>
+        </p:nvSpPr>
+        <p:spPr/>
+        <p:txBody>
+          <a:bodyPr/>
+          <a:lstStyle/>
+          <a:p>
+            <a:endParaRPr lang="en-US"/>
+          </a:p>
+        </p:txBody>
+      </p:sp>
+    </p:spTree>
+    <p:extLst>
+      <p:ext uri="{BB962C8B-B14F-4D97-AF65-F5344CB8AC3E}">
+        <p14:creationId xmlns:p14="http://schemas.microsoft.com/office/powerpoint/2010/main" val="1873078602"/>
+      </p:ext>
+    </p:extLst>
+  </p:cSld>
+  <p:clrMapOvr>
+    <a:masterClrMapping/>
+  </p:clrMapOvr>
+  <mc:AlternateContent xmlns:mc="http://schemas.openxmlformats.org/markup-compatibility/2006" xmlns:p14="http://schemas.microsoft.com/office/powerpoint/2010/main">
+    <mc:Choice Requires="p14">
+      <p:transition p14:dur="10"/>
+    </mc:Choice>
+    <mc:Fallback xmlns="">
+      <p:transition/>
+    </mc:Fallback>
+  </mc:AlternateContent>
+</p:sld>
+</file>
+
+<file path=ppt/slides/slide19.xml><?xml version="1.0" encoding="utf-8"?>
+<p:sld xmlns:a="http://schemas.openxmlformats.org/drawingml/2006/main" xmlns:r="http://schemas.openxmlformats.org/officeDocument/2006/relationships" xmlns:p="http://schemas.openxmlformats.org/presentationml/2006/main">
+  <p:cSld>
+    <p:spTree>
+      <p:nvGrpSpPr>
+        <p:cNvPr id="1" name=""/>
+        <p:cNvGrpSpPr/>
+        <p:nvPr/>
+      </p:nvGrpSpPr>
+      <p:grpSpPr>
+        <a:xfrm>
+          <a:off x="0" y="0"/>
+          <a:ext cx="0" cy="0"/>
+          <a:chOff x="0" y="0"/>
+          <a:chExt cx="0" cy="0"/>
+        </a:xfrm>
+      </p:grpSpPr>
+      <p:sp>
+        <p:nvSpPr>
+          <p:cNvPr id="2" name="Title 1"/>
+          <p:cNvSpPr>
+            <a:spLocks noGrp="1"/>
+          </p:cNvSpPr>
+          <p:nvPr>
+            <p:ph type="title"/>
+          </p:nvPr>
+        </p:nvSpPr>
+        <p:spPr/>
+        <p:txBody>
+          <a:bodyPr/>
+          <a:lstStyle/>
+          <a:p>
+            <a:r>
+              <a:rPr lang="en-US" cap="none" dirty="0" smtClean="0"/>
+              <a:t>Persistent RNN</a:t>
+            </a:r>
+            <a:endParaRPr lang="en-US" cap="none" dirty="0"/>
+          </a:p>
+        </p:txBody>
+      </p:sp>
+      <p:sp>
+        <p:nvSpPr>
+          <p:cNvPr id="3" name="Text Placeholder 2"/>
+          <p:cNvSpPr>
+            <a:spLocks noGrp="1"/>
+          </p:cNvSpPr>
+          <p:nvPr>
+            <p:ph type="body" sz="quarter" idx="10"/>
+          </p:nvPr>
+        </p:nvSpPr>
+        <p:spPr/>
+        <p:txBody>
+          <a:bodyPr/>
+          <a:lstStyle/>
+          <a:p>
+            <a:endParaRPr lang="en-US"/>
+          </a:p>
+        </p:txBody>
+      </p:sp>
+    </p:spTree>
+    <p:extLst>
+      <p:ext uri="{BB962C8B-B14F-4D97-AF65-F5344CB8AC3E}">
+        <p14:creationId xmlns:p14="http://schemas.microsoft.com/office/powerpoint/2010/main" val="3981682975"/>
       </p:ext>
     </p:extLst>
   </p:cSld>
@@ -4364,6 +8362,265 @@
       </p:par>
     </p:tnLst>
   </p:timing>
+</p:sld>
+</file>
+
+<file path=ppt/slides/slide20.xml><?xml version="1.0" encoding="utf-8"?>
+<p:sld xmlns:a="http://schemas.openxmlformats.org/drawingml/2006/main" xmlns:r="http://schemas.openxmlformats.org/officeDocument/2006/relationships" xmlns:p="http://schemas.openxmlformats.org/presentationml/2006/main">
+  <p:cSld>
+    <p:spTree>
+      <p:nvGrpSpPr>
+        <p:cNvPr id="1" name=""/>
+        <p:cNvGrpSpPr/>
+        <p:nvPr/>
+      </p:nvGrpSpPr>
+      <p:grpSpPr>
+        <a:xfrm>
+          <a:off x="0" y="0"/>
+          <a:ext cx="0" cy="0"/>
+          <a:chOff x="0" y="0"/>
+          <a:chExt cx="0" cy="0"/>
+        </a:xfrm>
+      </p:grpSpPr>
+    </p:spTree>
+    <p:extLst>
+      <p:ext uri="{BB962C8B-B14F-4D97-AF65-F5344CB8AC3E}">
+        <p14:creationId xmlns:p14="http://schemas.microsoft.com/office/powerpoint/2010/main" val="1028984561"/>
+      </p:ext>
+    </p:extLst>
+  </p:cSld>
+  <p:clrMapOvr>
+    <a:masterClrMapping/>
+  </p:clrMapOvr>
+  <mc:AlternateContent xmlns:mc="http://schemas.openxmlformats.org/markup-compatibility/2006" xmlns:p14="http://schemas.microsoft.com/office/powerpoint/2010/main">
+    <mc:Choice Requires="p14">
+      <p:transition p14:dur="10"/>
+    </mc:Choice>
+    <mc:Fallback xmlns="">
+      <p:transition/>
+    </mc:Fallback>
+  </mc:AlternateContent>
+</p:sld>
+</file>
+
+<file path=ppt/slides/slide21.xml><?xml version="1.0" encoding="utf-8"?>
+<p:sld xmlns:a="http://schemas.openxmlformats.org/drawingml/2006/main" xmlns:r="http://schemas.openxmlformats.org/officeDocument/2006/relationships" xmlns:p="http://schemas.openxmlformats.org/presentationml/2006/main">
+  <p:cSld>
+    <p:spTree>
+      <p:nvGrpSpPr>
+        <p:cNvPr id="1" name=""/>
+        <p:cNvGrpSpPr/>
+        <p:nvPr/>
+      </p:nvGrpSpPr>
+      <p:grpSpPr>
+        <a:xfrm>
+          <a:off x="0" y="0"/>
+          <a:ext cx="0" cy="0"/>
+          <a:chOff x="0" y="0"/>
+          <a:chExt cx="0" cy="0"/>
+        </a:xfrm>
+      </p:grpSpPr>
+      <p:sp>
+        <p:nvSpPr>
+          <p:cNvPr id="2" name="Content Placeholder 1"/>
+          <p:cNvSpPr>
+            <a:spLocks noGrp="1"/>
+          </p:cNvSpPr>
+          <p:nvPr>
+            <p:ph idx="1"/>
+          </p:nvPr>
+        </p:nvSpPr>
+        <p:spPr>
+          <a:xfrm>
+            <a:off x="169488" y="0"/>
+            <a:ext cx="11341514" cy="4937760"/>
+          </a:xfrm>
+        </p:spPr>
+        <p:txBody>
+          <a:bodyPr/>
+          <a:lstStyle/>
+          <a:p>
+            <a:r>
+              <a:rPr lang="en-US" sz="2400" dirty="0" err="1"/>
+              <a:t>LRN（Local</a:t>
+            </a:r>
+            <a:r>
+              <a:rPr lang="en-US" sz="2400" dirty="0"/>
+              <a:t> Response Normalization）</a:t>
+            </a:r>
+          </a:p>
+          <a:p>
+            <a:r>
+              <a:rPr lang="zh-CN" altLang="en-US" sz="2400" dirty="0"/>
+              <a:t>神经网络初学者，没有什么理论基础，偶然看到个</a:t>
+            </a:r>
+            <a:r>
+              <a:rPr lang="en-US" sz="2400" dirty="0" err="1"/>
+              <a:t>ImageNet</a:t>
+            </a:r>
+            <a:r>
+              <a:rPr lang="en-US" sz="2400" dirty="0"/>
+              <a:t>，</a:t>
+            </a:r>
+            <a:r>
+              <a:rPr lang="zh-CN" altLang="en-US" sz="2400" dirty="0"/>
+              <a:t>就准备从其入手，先弄懂每层的含义，其中这个</a:t>
+            </a:r>
+            <a:r>
+              <a:rPr lang="en-US" sz="2400" dirty="0"/>
+              <a:t>LRN</a:t>
+            </a:r>
+            <a:r>
+              <a:rPr lang="zh-CN" altLang="en-US" sz="2400" dirty="0"/>
+              <a:t>层真是让人百思不得其解，搜索了下，给出的介绍比较少。为什么会比较少呢，搜索到最后我得出的结论是，这货似乎没什么多少卵用。。。 </a:t>
+            </a:r>
+            <a:br>
+              <a:rPr lang="zh-CN" altLang="en-US" sz="2400" dirty="0"/>
+            </a:br>
+            <a:r>
+              <a:rPr lang="en-US" sz="2400" dirty="0" err="1"/>
+              <a:t>ImageNet</a:t>
+            </a:r>
+            <a:r>
+              <a:rPr lang="zh-CN" altLang="en-US" sz="2400" dirty="0"/>
+              <a:t>中的</a:t>
+            </a:r>
+            <a:r>
+              <a:rPr lang="en-US" sz="2400" dirty="0"/>
+              <a:t>LRN</a:t>
+            </a:r>
+            <a:r>
+              <a:rPr lang="zh-CN" altLang="en-US" sz="2400" dirty="0"/>
+              <a:t>层是按下述公式计算的：</a:t>
+            </a:r>
+          </a:p>
+          <a:p>
+            <a:r>
+              <a:rPr lang="zh-CN" altLang="en-US" sz="2400" dirty="0"/>
+              <a:t/>
+            </a:r>
+            <a:br>
+              <a:rPr lang="zh-CN" altLang="en-US" sz="2400" dirty="0"/>
+            </a:br>
+            <a:endParaRPr lang="zh-CN" altLang="en-US" sz="2400" dirty="0"/>
+          </a:p>
+          <a:p>
+            <a:endParaRPr lang="en-US" altLang="zh-CN" sz="2400" dirty="0" smtClean="0"/>
+          </a:p>
+          <a:p>
+            <a:endParaRPr lang="en-US" altLang="zh-CN" sz="2400" dirty="0"/>
+          </a:p>
+          <a:p>
+            <a:endParaRPr lang="en-US" altLang="zh-CN" sz="2400" dirty="0" smtClean="0"/>
+          </a:p>
+          <a:p>
+            <a:endParaRPr lang="en-US" altLang="zh-CN" sz="2400" dirty="0"/>
+          </a:p>
+          <a:p>
+            <a:r>
+              <a:rPr lang="zh-CN" altLang="en-US" sz="2400" dirty="0" smtClean="0"/>
+              <a:t>但</a:t>
+            </a:r>
+            <a:r>
+              <a:rPr lang="zh-CN" altLang="en-US" sz="2400" dirty="0"/>
+              <a:t>似乎，在后来的设计中，这一层已经被其它种的</a:t>
+            </a:r>
+            <a:r>
+              <a:rPr lang="en-US" sz="2400" dirty="0"/>
+              <a:t>Regularization</a:t>
+            </a:r>
+            <a:r>
+              <a:rPr lang="zh-CN" altLang="en-US" sz="2400" dirty="0"/>
+              <a:t>技术，如</a:t>
+            </a:r>
+            <a:r>
+              <a:rPr lang="en-US" sz="2400" dirty="0"/>
+              <a:t>drop out, batch normalization</a:t>
+            </a:r>
+            <a:r>
+              <a:rPr lang="zh-CN" altLang="en-US" sz="2400" dirty="0"/>
+              <a:t>取代了。知道了这些，似乎也可以不那么纠结这个</a:t>
+            </a:r>
+            <a:r>
+              <a:rPr lang="en-US" sz="2400" dirty="0"/>
+              <a:t>LRN</a:t>
+            </a:r>
+            <a:r>
+              <a:rPr lang="zh-CN" altLang="en-US" sz="2400" dirty="0"/>
+              <a:t>了。</a:t>
+            </a:r>
+          </a:p>
+          <a:p>
+            <a:r>
+              <a:rPr lang="en-US" sz="2400" dirty="0"/>
+              <a:t>http://cs231n.github.io/convolutional-networks/ </a:t>
+            </a:r>
+            <a:r>
+              <a:rPr lang="zh-CN" altLang="en-US" sz="2400" dirty="0"/>
+              <a:t>是关于</a:t>
+            </a:r>
+            <a:r>
+              <a:rPr lang="en-US" sz="2400" dirty="0"/>
+              <a:t>CNN</a:t>
+            </a:r>
+            <a:r>
+              <a:rPr lang="zh-CN" altLang="en-US" sz="2400" dirty="0"/>
+              <a:t>的一篇很好的介绍。</a:t>
+            </a:r>
+          </a:p>
+          <a:p>
+            <a:endParaRPr lang="en-US" sz="2400" dirty="0"/>
+          </a:p>
+        </p:txBody>
+      </p:sp>
+      <p:pic>
+        <p:nvPicPr>
+          <p:cNvPr id="5" name="Picture 4"/>
+          <p:cNvPicPr>
+            <a:picLocks noChangeAspect="1"/>
+          </p:cNvPicPr>
+          <p:nvPr/>
+        </p:nvPicPr>
+        <p:blipFill>
+          <a:blip r:embed="rId2">
+            <a:extLst>
+              <a:ext uri="{28A0092B-C50C-407E-A947-70E740481C1C}">
+                <a14:useLocalDpi xmlns:a14="http://schemas.microsoft.com/office/drawing/2010/main" val="0"/>
+              </a:ext>
+            </a:extLst>
+          </a:blip>
+          <a:stretch>
+            <a:fillRect/>
+          </a:stretch>
+        </p:blipFill>
+        <p:spPr>
+          <a:xfrm>
+            <a:off x="863263" y="2343997"/>
+            <a:ext cx="8164064" cy="2819794"/>
+          </a:xfrm>
+          <a:prstGeom prst="rect">
+            <a:avLst/>
+          </a:prstGeom>
+        </p:spPr>
+      </p:pic>
+    </p:spTree>
+    <p:extLst>
+      <p:ext uri="{BB962C8B-B14F-4D97-AF65-F5344CB8AC3E}">
+        <p14:creationId xmlns:p14="http://schemas.microsoft.com/office/powerpoint/2010/main" val="4206286314"/>
+      </p:ext>
+    </p:extLst>
+  </p:cSld>
+  <p:clrMapOvr>
+    <a:masterClrMapping/>
+  </p:clrMapOvr>
+  <mc:AlternateContent xmlns:mc="http://schemas.openxmlformats.org/markup-compatibility/2006" xmlns:p14="http://schemas.microsoft.com/office/powerpoint/2010/main">
+    <mc:Choice Requires="p14">
+      <p:transition p14:dur="10"/>
+    </mc:Choice>
+    <mc:Fallback xmlns="">
+      <p:transition/>
+    </mc:Fallback>
+  </mc:AlternateContent>
 </p:sld>
 </file>
 
@@ -5999,12 +10256,11 @@
 </file>
 
 <file path=customXml/item1.xml><?xml version="1.0" encoding="utf-8"?>
-<?mso-contentType ?>
-<FormTemplates xmlns="http://schemas.microsoft.com/sharepoint/v3/contenttype/forms">
-  <Display>DocumentLibraryForm</Display>
-  <Edit>DocumentLibraryForm</Edit>
-  <New>DocumentLibraryForm</New>
-</FormTemplates>
+<p:properties xmlns:p="http://schemas.microsoft.com/office/2006/metadata/properties" xmlns:xsi="http://www.w3.org/2001/XMLSchema-instance" xmlns:pc="http://schemas.microsoft.com/office/infopath/2007/PartnerControls">
+  <documentManagement>
+    <Owner xmlns="6c4f7af2-db9b-4a7b-a69f-fd81c9b170c7">Mark</Owner>
+  </documentManagement>
+</p:properties>
 </file>
 
 <file path=customXml/item2.xml><?xml version="1.0" encoding="utf-8"?>
@@ -6136,17 +10392,26 @@
 </file>
 
 <file path=customXml/item3.xml><?xml version="1.0" encoding="utf-8"?>
-<p:properties xmlns:p="http://schemas.microsoft.com/office/2006/metadata/properties" xmlns:xsi="http://www.w3.org/2001/XMLSchema-instance" xmlns:pc="http://schemas.microsoft.com/office/infopath/2007/PartnerControls">
-  <documentManagement>
-    <Owner xmlns="6c4f7af2-db9b-4a7b-a69f-fd81c9b170c7">Mark</Owner>
-  </documentManagement>
-</p:properties>
+<?mso-contentType ?>
+<FormTemplates xmlns="http://schemas.microsoft.com/sharepoint/v3/contenttype/forms">
+  <Display>DocumentLibraryForm</Display>
+  <Edit>DocumentLibraryForm</Edit>
+  <New>DocumentLibraryForm</New>
+</FormTemplates>
 </file>
 
 <file path=customXml/itemProps1.xml><?xml version="1.0" encoding="utf-8"?>
-<ds:datastoreItem xmlns:ds="http://schemas.openxmlformats.org/officeDocument/2006/customXml" ds:itemID="{343E5065-32A3-41AA-9980-6C6F48A0CF7B}">
+<ds:datastoreItem xmlns:ds="http://schemas.openxmlformats.org/officeDocument/2006/customXml" ds:itemID="{963AE97E-8A20-4015-89A5-7D767449E406}">
   <ds:schemaRefs>
-    <ds:schemaRef ds:uri="http://schemas.microsoft.com/sharepoint/v3/contenttype/forms"/>
+    <ds:schemaRef ds:uri="http://schemas.microsoft.com/office/infopath/2007/PartnerControls"/>
+    <ds:schemaRef ds:uri="http://purl.org/dc/terms/"/>
+    <ds:schemaRef ds:uri="http://purl.org/dc/elements/1.1/"/>
+    <ds:schemaRef ds:uri="http://www.w3.org/XML/1998/namespace"/>
+    <ds:schemaRef ds:uri="http://schemas.microsoft.com/office/2006/metadata/properties"/>
+    <ds:schemaRef ds:uri="http://schemas.microsoft.com/office/2006/documentManagement/types"/>
+    <ds:schemaRef ds:uri="http://schemas.openxmlformats.org/package/2006/metadata/core-properties"/>
+    <ds:schemaRef ds:uri="6c4f7af2-db9b-4a7b-a69f-fd81c9b170c7"/>
+    <ds:schemaRef ds:uri="http://purl.org/dc/dcmitype/"/>
   </ds:schemaRefs>
 </ds:datastoreItem>
 </file>
@@ -6170,17 +10435,9 @@
 </file>
 
 <file path=customXml/itemProps3.xml><?xml version="1.0" encoding="utf-8"?>
-<ds:datastoreItem xmlns:ds="http://schemas.openxmlformats.org/officeDocument/2006/customXml" ds:itemID="{963AE97E-8A20-4015-89A5-7D767449E406}">
+<ds:datastoreItem xmlns:ds="http://schemas.openxmlformats.org/officeDocument/2006/customXml" ds:itemID="{343E5065-32A3-41AA-9980-6C6F48A0CF7B}">
   <ds:schemaRefs>
-    <ds:schemaRef ds:uri="http://schemas.microsoft.com/office/infopath/2007/PartnerControls"/>
-    <ds:schemaRef ds:uri="http://purl.org/dc/terms/"/>
-    <ds:schemaRef ds:uri="http://purl.org/dc/elements/1.1/"/>
-    <ds:schemaRef ds:uri="http://www.w3.org/XML/1998/namespace"/>
-    <ds:schemaRef ds:uri="http://schemas.microsoft.com/office/2006/metadata/properties"/>
-    <ds:schemaRef ds:uri="http://schemas.microsoft.com/office/2006/documentManagement/types"/>
-    <ds:schemaRef ds:uri="http://schemas.openxmlformats.org/package/2006/metadata/core-properties"/>
-    <ds:schemaRef ds:uri="6c4f7af2-db9b-4a7b-a69f-fd81c9b170c7"/>
-    <ds:schemaRef ds:uri="http://purl.org/dc/dcmitype/"/>
+    <ds:schemaRef ds:uri="http://schemas.microsoft.com/sharepoint/v3/contenttype/forms"/>
   </ds:schemaRefs>
 </ds:datastoreItem>
 </file>